--- a/BENAISSA_HAJAR_3_KANBAN.pptx
+++ b/BENAISSA_HAJAR_3_KANBAN.pptx
@@ -10,7 +10,7 @@
     <p:sldId id="257" r:id="rId4"/>
     <p:sldId id="263" r:id="rId5"/>
     <p:sldId id="258" r:id="rId6"/>
-    <p:sldId id="259" r:id="rId7"/>
+    <p:sldId id="264" r:id="rId7"/>
     <p:sldId id="260" r:id="rId8"/>
   </p:sldIdLst>
   <p:sldSz cx="12192000" cy="6858000"/>
@@ -123,7 +123,7 @@
   <pc:docChgLst>
     <pc:chgData name="Hajar Benaissa" userId="9632a7df998e774a" providerId="LiveId" clId="{03B8B592-C864-4895-9874-2FC1E3E34CD2}"/>
     <pc:docChg chg="undo custSel addSld delSld modSld sldOrd">
-      <pc:chgData name="Hajar Benaissa" userId="9632a7df998e774a" providerId="LiveId" clId="{03B8B592-C864-4895-9874-2FC1E3E34CD2}" dt="2023-08-28T16:07:20.247" v="2313" actId="1036"/>
+      <pc:chgData name="Hajar Benaissa" userId="9632a7df998e774a" providerId="LiveId" clId="{03B8B592-C864-4895-9874-2FC1E3E34CD2}" dt="2023-08-30T14:54:29.232" v="3532" actId="20577"/>
       <pc:docMkLst>
         <pc:docMk/>
       </pc:docMkLst>
@@ -142,8 +142,8 @@
           </ac:spMkLst>
         </pc:spChg>
       </pc:sldChg>
-      <pc:sldChg chg="addSp delSp modSp mod delAnim modAnim">
-        <pc:chgData name="Hajar Benaissa" userId="9632a7df998e774a" providerId="LiveId" clId="{03B8B592-C864-4895-9874-2FC1E3E34CD2}" dt="2023-08-28T16:05:27.245" v="2297" actId="478"/>
+      <pc:sldChg chg="addSp delSp modSp mod setBg delAnim modAnim">
+        <pc:chgData name="Hajar Benaissa" userId="9632a7df998e774a" providerId="LiveId" clId="{03B8B592-C864-4895-9874-2FC1E3E34CD2}" dt="2023-08-30T14:51:11.646" v="3513"/>
         <pc:sldMkLst>
           <pc:docMk/>
           <pc:sldMk cId="2096850471" sldId="257"/>
@@ -172,6 +172,14 @@
             <ac:spMk id="5" creationId="{4905F9CB-B510-7DB3-858C-300784BC9597}"/>
           </ac:spMkLst>
         </pc:spChg>
+        <pc:spChg chg="add del mod">
+          <ac:chgData name="Hajar Benaissa" userId="9632a7df998e774a" providerId="LiveId" clId="{03B8B592-C864-4895-9874-2FC1E3E34CD2}" dt="2023-08-30T10:52:22.880" v="2318" actId="478"/>
+          <ac:spMkLst>
+            <pc:docMk/>
+            <pc:sldMk cId="2096850471" sldId="257"/>
+            <ac:spMk id="6" creationId="{8DDB93F9-F89C-116B-83B5-C818CBDA36BD}"/>
+          </ac:spMkLst>
+        </pc:spChg>
         <pc:picChg chg="add del mod">
           <ac:chgData name="Hajar Benaissa" userId="9632a7df998e774a" providerId="LiveId" clId="{03B8B592-C864-4895-9874-2FC1E3E34CD2}" dt="2023-08-28T16:05:27.245" v="2297" actId="478"/>
           <ac:picMkLst>
@@ -188,8 +196,8 @@
             <ac:picMk id="6" creationId="{62EA4B72-0163-0CF0-8F2C-DC66A54C5D22}"/>
           </ac:picMkLst>
         </pc:picChg>
-        <pc:picChg chg="mod">
-          <ac:chgData name="Hajar Benaissa" userId="9632a7df998e774a" providerId="LiveId" clId="{03B8B592-C864-4895-9874-2FC1E3E34CD2}" dt="2023-08-23T20:30:32.313" v="52" actId="1036"/>
+        <pc:picChg chg="del mod">
+          <ac:chgData name="Hajar Benaissa" userId="9632a7df998e774a" providerId="LiveId" clId="{03B8B592-C864-4895-9874-2FC1E3E34CD2}" dt="2023-08-30T10:50:57.213" v="2314" actId="478"/>
           <ac:picMkLst>
             <pc:docMk/>
             <pc:sldMk cId="2096850471" sldId="257"/>
@@ -204,6 +212,14 @@
             <ac:picMk id="8" creationId="{F07E4396-9256-D03C-391F-2443EA6EEBFA}"/>
           </ac:picMkLst>
         </pc:picChg>
+        <pc:picChg chg="add mod">
+          <ac:chgData name="Hajar Benaissa" userId="9632a7df998e774a" providerId="LiveId" clId="{03B8B592-C864-4895-9874-2FC1E3E34CD2}" dt="2023-08-30T11:20:57.075" v="2949" actId="1038"/>
+          <ac:picMkLst>
+            <pc:docMk/>
+            <pc:sldMk cId="2096850471" sldId="257"/>
+            <ac:picMk id="9" creationId="{D7B28414-8225-3A43-1ABC-6805BCB978F4}"/>
+          </ac:picMkLst>
+        </pc:picChg>
         <pc:picChg chg="add del">
           <ac:chgData name="Hajar Benaissa" userId="9632a7df998e774a" providerId="LiveId" clId="{03B8B592-C864-4895-9874-2FC1E3E34CD2}" dt="2023-08-28T15:25:02.186" v="1120" actId="478"/>
           <ac:picMkLst>
@@ -213,8 +229,8 @@
           </ac:picMkLst>
         </pc:picChg>
       </pc:sldChg>
-      <pc:sldChg chg="addSp delSp modSp mod delAnim modAnim">
-        <pc:chgData name="Hajar Benaissa" userId="9632a7df998e774a" providerId="LiveId" clId="{03B8B592-C864-4895-9874-2FC1E3E34CD2}" dt="2023-08-28T16:01:32.839" v="2259" actId="313"/>
+      <pc:sldChg chg="addSp delSp modSp mod setBg delAnim modAnim">
+        <pc:chgData name="Hajar Benaissa" userId="9632a7df998e774a" providerId="LiveId" clId="{03B8B592-C864-4895-9874-2FC1E3E34CD2}" dt="2023-08-30T14:50:51.303" v="3511"/>
         <pc:sldMkLst>
           <pc:docMk/>
           <pc:sldMk cId="4116388734" sldId="258"/>
@@ -228,7 +244,7 @@
           </ac:spMkLst>
         </pc:spChg>
         <pc:spChg chg="add mod">
-          <ac:chgData name="Hajar Benaissa" userId="9632a7df998e774a" providerId="LiveId" clId="{03B8B592-C864-4895-9874-2FC1E3E34CD2}" dt="2023-08-28T15:44:22.134" v="1894" actId="113"/>
+          <ac:chgData name="Hajar Benaissa" userId="9632a7df998e774a" providerId="LiveId" clId="{03B8B592-C864-4895-9874-2FC1E3E34CD2}" dt="2023-08-30T14:50:29.190" v="3479" actId="14100"/>
           <ac:spMkLst>
             <pc:docMk/>
             <pc:sldMk cId="4116388734" sldId="258"/>
@@ -236,7 +252,7 @@
           </ac:spMkLst>
         </pc:spChg>
         <pc:spChg chg="add mod">
-          <ac:chgData name="Hajar Benaissa" userId="9632a7df998e774a" providerId="LiveId" clId="{03B8B592-C864-4895-9874-2FC1E3E34CD2}" dt="2023-08-28T15:50:59.700" v="2023" actId="1035"/>
+          <ac:chgData name="Hajar Benaissa" userId="9632a7df998e774a" providerId="LiveId" clId="{03B8B592-C864-4895-9874-2FC1E3E34CD2}" dt="2023-08-30T14:50:29.190" v="3479" actId="14100"/>
           <ac:spMkLst>
             <pc:docMk/>
             <pc:sldMk cId="4116388734" sldId="258"/>
@@ -267,6 +283,14 @@
             <ac:spMk id="8" creationId="{7739100F-9CEC-420D-2E67-963310236958}"/>
           </ac:spMkLst>
         </pc:spChg>
+        <pc:spChg chg="add mod">
+          <ac:chgData name="Hajar Benaissa" userId="9632a7df998e774a" providerId="LiveId" clId="{03B8B592-C864-4895-9874-2FC1E3E34CD2}" dt="2023-08-30T14:50:25.770" v="3478" actId="571"/>
+          <ac:spMkLst>
+            <pc:docMk/>
+            <pc:sldMk cId="4116388734" sldId="258"/>
+            <ac:spMk id="9" creationId="{2FCA5B49-D721-3FA7-D0ED-79983E3E750E}"/>
+          </ac:spMkLst>
+        </pc:spChg>
         <pc:spChg chg="del mod">
           <ac:chgData name="Hajar Benaissa" userId="9632a7df998e774a" providerId="LiveId" clId="{03B8B592-C864-4895-9874-2FC1E3E34CD2}" dt="2023-08-28T15:47:17.228" v="1985"/>
           <ac:spMkLst>
@@ -276,7 +300,7 @@
           </ac:spMkLst>
         </pc:spChg>
         <pc:spChg chg="add mod">
-          <ac:chgData name="Hajar Benaissa" userId="9632a7df998e774a" providerId="LiveId" clId="{03B8B592-C864-4895-9874-2FC1E3E34CD2}" dt="2023-08-28T15:52:12.127" v="2051" actId="113"/>
+          <ac:chgData name="Hajar Benaissa" userId="9632a7df998e774a" providerId="LiveId" clId="{03B8B592-C864-4895-9874-2FC1E3E34CD2}" dt="2023-08-30T14:50:29.190" v="3479" actId="14100"/>
           <ac:spMkLst>
             <pc:docMk/>
             <pc:sldMk cId="4116388734" sldId="258"/>
@@ -284,7 +308,15 @@
           </ac:spMkLst>
         </pc:spChg>
         <pc:spChg chg="add mod">
-          <ac:chgData name="Hajar Benaissa" userId="9632a7df998e774a" providerId="LiveId" clId="{03B8B592-C864-4895-9874-2FC1E3E34CD2}" dt="2023-08-28T16:01:32.839" v="2259" actId="313"/>
+          <ac:chgData name="Hajar Benaissa" userId="9632a7df998e774a" providerId="LiveId" clId="{03B8B592-C864-4895-9874-2FC1E3E34CD2}" dt="2023-08-30T14:50:25.770" v="3478" actId="571"/>
+          <ac:spMkLst>
+            <pc:docMk/>
+            <pc:sldMk cId="4116388734" sldId="258"/>
+            <ac:spMk id="13" creationId="{00859CA1-3652-AB4B-FBCF-A89091F78629}"/>
+          </ac:spMkLst>
+        </pc:spChg>
+        <pc:spChg chg="add mod">
+          <ac:chgData name="Hajar Benaissa" userId="9632a7df998e774a" providerId="LiveId" clId="{03B8B592-C864-4895-9874-2FC1E3E34CD2}" dt="2023-08-30T14:50:29.190" v="3479" actId="14100"/>
           <ac:spMkLst>
             <pc:docMk/>
             <pc:sldMk cId="4116388734" sldId="258"/>
@@ -292,7 +324,7 @@
           </ac:spMkLst>
         </pc:spChg>
         <pc:spChg chg="add mod">
-          <ac:chgData name="Hajar Benaissa" userId="9632a7df998e774a" providerId="LiveId" clId="{03B8B592-C864-4895-9874-2FC1E3E34CD2}" dt="2023-08-28T15:57:18.507" v="2163" actId="1038"/>
+          <ac:chgData name="Hajar Benaissa" userId="9632a7df998e774a" providerId="LiveId" clId="{03B8B592-C864-4895-9874-2FC1E3E34CD2}" dt="2023-08-30T14:50:29.190" v="3479" actId="14100"/>
           <ac:spMkLst>
             <pc:docMk/>
             <pc:sldMk cId="4116388734" sldId="258"/>
@@ -300,7 +332,15 @@
           </ac:spMkLst>
         </pc:spChg>
         <pc:spChg chg="add mod">
-          <ac:chgData name="Hajar Benaissa" userId="9632a7df998e774a" providerId="LiveId" clId="{03B8B592-C864-4895-9874-2FC1E3E34CD2}" dt="2023-08-28T15:58:22.088" v="2195" actId="14100"/>
+          <ac:chgData name="Hajar Benaissa" userId="9632a7df998e774a" providerId="LiveId" clId="{03B8B592-C864-4895-9874-2FC1E3E34CD2}" dt="2023-08-30T14:50:25.770" v="3478" actId="571"/>
+          <ac:spMkLst>
+            <pc:docMk/>
+            <pc:sldMk cId="4116388734" sldId="258"/>
+            <ac:spMk id="19" creationId="{C35D7A93-A6F5-C337-707D-0F15A15B3730}"/>
+          </ac:spMkLst>
+        </pc:spChg>
+        <pc:spChg chg="add mod">
+          <ac:chgData name="Hajar Benaissa" userId="9632a7df998e774a" providerId="LiveId" clId="{03B8B592-C864-4895-9874-2FC1E3E34CD2}" dt="2023-08-30T14:50:29.190" v="3479" actId="14100"/>
           <ac:spMkLst>
             <pc:docMk/>
             <pc:sldMk cId="4116388734" sldId="258"/>
@@ -308,15 +348,55 @@
           </ac:spMkLst>
         </pc:spChg>
         <pc:spChg chg="add mod">
-          <ac:chgData name="Hajar Benaissa" userId="9632a7df998e774a" providerId="LiveId" clId="{03B8B592-C864-4895-9874-2FC1E3E34CD2}" dt="2023-08-28T16:00:17.927" v="2255" actId="20577"/>
+          <ac:chgData name="Hajar Benaissa" userId="9632a7df998e774a" providerId="LiveId" clId="{03B8B592-C864-4895-9874-2FC1E3E34CD2}" dt="2023-08-30T14:50:25.770" v="3478" actId="571"/>
+          <ac:spMkLst>
+            <pc:docMk/>
+            <pc:sldMk cId="4116388734" sldId="258"/>
+            <ac:spMk id="23" creationId="{0B454E15-6F4B-2698-8596-8D7E8313E541}"/>
+          </ac:spMkLst>
+        </pc:spChg>
+        <pc:spChg chg="add mod">
+          <ac:chgData name="Hajar Benaissa" userId="9632a7df998e774a" providerId="LiveId" clId="{03B8B592-C864-4895-9874-2FC1E3E34CD2}" dt="2023-08-30T14:50:29.190" v="3479" actId="14100"/>
           <ac:spMkLst>
             <pc:docMk/>
             <pc:sldMk cId="4116388734" sldId="258"/>
             <ac:spMk id="26" creationId="{943C1C0F-3C72-69F6-B5F5-E24178AB0DFC}"/>
           </ac:spMkLst>
         </pc:spChg>
+        <pc:spChg chg="add mod">
+          <ac:chgData name="Hajar Benaissa" userId="9632a7df998e774a" providerId="LiveId" clId="{03B8B592-C864-4895-9874-2FC1E3E34CD2}" dt="2023-08-30T14:50:25.770" v="3478" actId="571"/>
+          <ac:spMkLst>
+            <pc:docMk/>
+            <pc:sldMk cId="4116388734" sldId="258"/>
+            <ac:spMk id="27" creationId="{D47F9DB0-4DBA-DED2-2DF8-882642E1B61E}"/>
+          </ac:spMkLst>
+        </pc:spChg>
+        <pc:spChg chg="add mod">
+          <ac:chgData name="Hajar Benaissa" userId="9632a7df998e774a" providerId="LiveId" clId="{03B8B592-C864-4895-9874-2FC1E3E34CD2}" dt="2023-08-30T14:50:25.770" v="3478" actId="571"/>
+          <ac:spMkLst>
+            <pc:docMk/>
+            <pc:sldMk cId="4116388734" sldId="258"/>
+            <ac:spMk id="30" creationId="{CC63D61B-BC96-8E34-72CF-743BDFA7C777}"/>
+          </ac:spMkLst>
+        </pc:spChg>
+        <pc:spChg chg="add mod">
+          <ac:chgData name="Hajar Benaissa" userId="9632a7df998e774a" providerId="LiveId" clId="{03B8B592-C864-4895-9874-2FC1E3E34CD2}" dt="2023-08-30T14:50:25.770" v="3478" actId="571"/>
+          <ac:spMkLst>
+            <pc:docMk/>
+            <pc:sldMk cId="4116388734" sldId="258"/>
+            <ac:spMk id="32" creationId="{B5A42283-406F-1831-23BA-70918D52A520}"/>
+          </ac:spMkLst>
+        </pc:spChg>
+        <pc:spChg chg="add mod">
+          <ac:chgData name="Hajar Benaissa" userId="9632a7df998e774a" providerId="LiveId" clId="{03B8B592-C864-4895-9874-2FC1E3E34CD2}" dt="2023-08-30T14:50:25.770" v="3478" actId="571"/>
+          <ac:spMkLst>
+            <pc:docMk/>
+            <pc:sldMk cId="4116388734" sldId="258"/>
+            <ac:spMk id="34" creationId="{0A3A58B3-5385-51F4-9E8E-CCC796094B36}"/>
+          </ac:spMkLst>
+        </pc:spChg>
         <pc:picChg chg="add mod">
-          <ac:chgData name="Hajar Benaissa" userId="9632a7df998e774a" providerId="LiveId" clId="{03B8B592-C864-4895-9874-2FC1E3E34CD2}" dt="2023-08-28T15:46:38.481" v="1966" actId="1036"/>
+          <ac:chgData name="Hajar Benaissa" userId="9632a7df998e774a" providerId="LiveId" clId="{03B8B592-C864-4895-9874-2FC1E3E34CD2}" dt="2023-08-30T14:50:41.758" v="3510" actId="1035"/>
           <ac:picMkLst>
             <pc:docMk/>
             <pc:sldMk cId="4116388734" sldId="258"/>
@@ -324,15 +404,31 @@
           </ac:picMkLst>
         </pc:picChg>
         <pc:picChg chg="add mod">
-          <ac:chgData name="Hajar Benaissa" userId="9632a7df998e774a" providerId="LiveId" clId="{03B8B592-C864-4895-9874-2FC1E3E34CD2}" dt="2023-08-28T15:50:45.708" v="2005" actId="1038"/>
+          <ac:chgData name="Hajar Benaissa" userId="9632a7df998e774a" providerId="LiveId" clId="{03B8B592-C864-4895-9874-2FC1E3E34CD2}" dt="2023-08-30T14:50:29.190" v="3479" actId="14100"/>
           <ac:picMkLst>
             <pc:docMk/>
             <pc:sldMk cId="4116388734" sldId="258"/>
             <ac:picMk id="11" creationId="{175589EF-9C90-2737-7BF6-D85BE3A4AF71}"/>
           </ac:picMkLst>
         </pc:picChg>
+        <pc:picChg chg="add mod">
+          <ac:chgData name="Hajar Benaissa" userId="9632a7df998e774a" providerId="LiveId" clId="{03B8B592-C864-4895-9874-2FC1E3E34CD2}" dt="2023-08-30T14:50:25.770" v="3478" actId="571"/>
+          <ac:picMkLst>
+            <pc:docMk/>
+            <pc:sldMk cId="4116388734" sldId="258"/>
+            <ac:picMk id="16" creationId="{C8B4A180-559E-0C43-6093-4DE8E8701FDB}"/>
+          </ac:picMkLst>
+        </pc:picChg>
+        <pc:picChg chg="add mod">
+          <ac:chgData name="Hajar Benaissa" userId="9632a7df998e774a" providerId="LiveId" clId="{03B8B592-C864-4895-9874-2FC1E3E34CD2}" dt="2023-08-30T14:50:25.770" v="3478" actId="571"/>
+          <ac:picMkLst>
+            <pc:docMk/>
+            <pc:sldMk cId="4116388734" sldId="258"/>
+            <ac:picMk id="21" creationId="{40AFD8BE-C94E-A6CE-62B0-31D6321FA143}"/>
+          </ac:picMkLst>
+        </pc:picChg>
         <pc:cxnChg chg="add mod">
-          <ac:chgData name="Hajar Benaissa" userId="9632a7df998e774a" providerId="LiveId" clId="{03B8B592-C864-4895-9874-2FC1E3E34CD2}" dt="2023-08-28T15:52:27.874" v="2053" actId="13822"/>
+          <ac:chgData name="Hajar Benaissa" userId="9632a7df998e774a" providerId="LiveId" clId="{03B8B592-C864-4895-9874-2FC1E3E34CD2}" dt="2023-08-30T14:50:29.190" v="3479" actId="14100"/>
           <ac:cxnSpMkLst>
             <pc:docMk/>
             <pc:sldMk cId="4116388734" sldId="258"/>
@@ -340,7 +436,7 @@
           </ac:cxnSpMkLst>
         </pc:cxnChg>
         <pc:cxnChg chg="add mod">
-          <ac:chgData name="Hajar Benaissa" userId="9632a7df998e774a" providerId="LiveId" clId="{03B8B592-C864-4895-9874-2FC1E3E34CD2}" dt="2023-08-28T15:55:04.860" v="2080" actId="13822"/>
+          <ac:chgData name="Hajar Benaissa" userId="9632a7df998e774a" providerId="LiveId" clId="{03B8B592-C864-4895-9874-2FC1E3E34CD2}" dt="2023-08-30T14:50:29.190" v="3479" actId="14100"/>
           <ac:cxnSpMkLst>
             <pc:docMk/>
             <pc:sldMk cId="4116388734" sldId="258"/>
@@ -364,16 +460,56 @@
           </ac:cxnSpMkLst>
         </pc:cxnChg>
         <pc:cxnChg chg="add mod">
-          <ac:chgData name="Hajar Benaissa" userId="9632a7df998e774a" providerId="LiveId" clId="{03B8B592-C864-4895-9874-2FC1E3E34CD2}" dt="2023-08-28T16:00:58.062" v="2258" actId="13822"/>
+          <ac:chgData name="Hajar Benaissa" userId="9632a7df998e774a" providerId="LiveId" clId="{03B8B592-C864-4895-9874-2FC1E3E34CD2}" dt="2023-08-30T14:50:25.770" v="3478" actId="571"/>
+          <ac:cxnSpMkLst>
+            <pc:docMk/>
+            <pc:sldMk cId="4116388734" sldId="258"/>
+            <ac:cxnSpMk id="25" creationId="{416FB059-5A54-F63A-059E-E4F0A79C5D88}"/>
+          </ac:cxnSpMkLst>
+        </pc:cxnChg>
+        <pc:cxnChg chg="add mod">
+          <ac:chgData name="Hajar Benaissa" userId="9632a7df998e774a" providerId="LiveId" clId="{03B8B592-C864-4895-9874-2FC1E3E34CD2}" dt="2023-08-30T14:50:29.190" v="3479" actId="14100"/>
           <ac:cxnSpMkLst>
             <pc:docMk/>
             <pc:sldMk cId="4116388734" sldId="258"/>
             <ac:cxnSpMk id="28" creationId="{84C92004-FABA-5CCF-7424-88CE1FC9CBD9}"/>
           </ac:cxnSpMkLst>
         </pc:cxnChg>
+        <pc:cxnChg chg="add mod">
+          <ac:chgData name="Hajar Benaissa" userId="9632a7df998e774a" providerId="LiveId" clId="{03B8B592-C864-4895-9874-2FC1E3E34CD2}" dt="2023-08-30T14:50:25.770" v="3478" actId="571"/>
+          <ac:cxnSpMkLst>
+            <pc:docMk/>
+            <pc:sldMk cId="4116388734" sldId="258"/>
+            <ac:cxnSpMk id="29" creationId="{2A7CB045-BF58-05E4-5C49-AFCEEACAE0B5}"/>
+          </ac:cxnSpMkLst>
+        </pc:cxnChg>
+        <pc:cxnChg chg="add mod">
+          <ac:chgData name="Hajar Benaissa" userId="9632a7df998e774a" providerId="LiveId" clId="{03B8B592-C864-4895-9874-2FC1E3E34CD2}" dt="2023-08-30T14:50:25.770" v="3478" actId="571"/>
+          <ac:cxnSpMkLst>
+            <pc:docMk/>
+            <pc:sldMk cId="4116388734" sldId="258"/>
+            <ac:cxnSpMk id="31" creationId="{F44C311B-7F54-FC0E-572F-49AD4D74B8FD}"/>
+          </ac:cxnSpMkLst>
+        </pc:cxnChg>
+        <pc:cxnChg chg="add mod">
+          <ac:chgData name="Hajar Benaissa" userId="9632a7df998e774a" providerId="LiveId" clId="{03B8B592-C864-4895-9874-2FC1E3E34CD2}" dt="2023-08-30T14:50:25.770" v="3478" actId="571"/>
+          <ac:cxnSpMkLst>
+            <pc:docMk/>
+            <pc:sldMk cId="4116388734" sldId="258"/>
+            <ac:cxnSpMk id="33" creationId="{005EF4DF-D65D-55CB-3563-96C7B1D61BA4}"/>
+          </ac:cxnSpMkLst>
+        </pc:cxnChg>
+        <pc:cxnChg chg="add mod">
+          <ac:chgData name="Hajar Benaissa" userId="9632a7df998e774a" providerId="LiveId" clId="{03B8B592-C864-4895-9874-2FC1E3E34CD2}" dt="2023-08-30T14:50:25.770" v="3478" actId="571"/>
+          <ac:cxnSpMkLst>
+            <pc:docMk/>
+            <pc:sldMk cId="4116388734" sldId="258"/>
+            <ac:cxnSpMk id="35" creationId="{FD2085D8-6697-A2B3-8B67-7C92DBC2C9F1}"/>
+          </ac:cxnSpMkLst>
+        </pc:cxnChg>
       </pc:sldChg>
-      <pc:sldChg chg="modSp">
-        <pc:chgData name="Hajar Benaissa" userId="9632a7df998e774a" providerId="LiveId" clId="{03B8B592-C864-4895-9874-2FC1E3E34CD2}" dt="2023-08-28T16:03:10.348" v="2268" actId="207"/>
+      <pc:sldChg chg="modSp del">
+        <pc:chgData name="Hajar Benaissa" userId="9632a7df998e774a" providerId="LiveId" clId="{03B8B592-C864-4895-9874-2FC1E3E34CD2}" dt="2023-08-30T11:17:46.304" v="2930" actId="2696"/>
         <pc:sldMkLst>
           <pc:docMk/>
           <pc:sldMk cId="3185914500" sldId="259"/>
@@ -387,8 +523,8 @@
           </ac:spMkLst>
         </pc:spChg>
       </pc:sldChg>
-      <pc:sldChg chg="modSp">
-        <pc:chgData name="Hajar Benaissa" userId="9632a7df998e774a" providerId="LiveId" clId="{03B8B592-C864-4895-9874-2FC1E3E34CD2}" dt="2023-08-28T16:06:40.849" v="2298" actId="108"/>
+      <pc:sldChg chg="modSp setBg">
+        <pc:chgData name="Hajar Benaissa" userId="9632a7df998e774a" providerId="LiveId" clId="{03B8B592-C864-4895-9874-2FC1E3E34CD2}" dt="2023-08-30T14:54:29.232" v="3532" actId="20577"/>
         <pc:sldMkLst>
           <pc:docMk/>
           <pc:sldMk cId="2563451128" sldId="260"/>
@@ -402,7 +538,7 @@
           </ac:spMkLst>
         </pc:spChg>
         <pc:spChg chg="mod">
-          <ac:chgData name="Hajar Benaissa" userId="9632a7df998e774a" providerId="LiveId" clId="{03B8B592-C864-4895-9874-2FC1E3E34CD2}" dt="2023-08-28T16:06:40.849" v="2298" actId="108"/>
+          <ac:chgData name="Hajar Benaissa" userId="9632a7df998e774a" providerId="LiveId" clId="{03B8B592-C864-4895-9874-2FC1E3E34CD2}" dt="2023-08-30T14:54:29.232" v="3532" actId="20577"/>
           <ac:spMkLst>
             <pc:docMk/>
             <pc:sldMk cId="2563451128" sldId="260"/>
@@ -410,8 +546,8 @@
           </ac:spMkLst>
         </pc:spChg>
       </pc:sldChg>
-      <pc:sldChg chg="addSp delSp modSp new mod">
-        <pc:chgData name="Hajar Benaissa" userId="9632a7df998e774a" providerId="LiveId" clId="{03B8B592-C864-4895-9874-2FC1E3E34CD2}" dt="2023-08-28T12:15:59.189" v="698" actId="14100"/>
+      <pc:sldChg chg="addSp delSp modSp new mod setBg modAnim">
+        <pc:chgData name="Hajar Benaissa" userId="9632a7df998e774a" providerId="LiveId" clId="{03B8B592-C864-4895-9874-2FC1E3E34CD2}" dt="2023-08-30T14:51:31.211" v="3515"/>
         <pc:sldMkLst>
           <pc:docMk/>
           <pc:sldMk cId="3102392127" sldId="261"/>
@@ -449,8 +585,8 @@
           </ac:picMkLst>
         </pc:picChg>
       </pc:sldChg>
-      <pc:sldChg chg="addSp modSp new mod modAnim">
-        <pc:chgData name="Hajar Benaissa" userId="9632a7df998e774a" providerId="LiveId" clId="{03B8B592-C864-4895-9874-2FC1E3E34CD2}" dt="2023-08-28T16:03:49.030" v="2292" actId="20577"/>
+      <pc:sldChg chg="addSp modSp new mod setBg modAnim">
+        <pc:chgData name="Hajar Benaissa" userId="9632a7df998e774a" providerId="LiveId" clId="{03B8B592-C864-4895-9874-2FC1E3E34CD2}" dt="2023-08-30T14:51:20.662" v="3514"/>
         <pc:sldMkLst>
           <pc:docMk/>
           <pc:sldMk cId="3883199130" sldId="262"/>
@@ -479,9 +615,17 @@
             <ac:picMk id="3" creationId="{14638511-AECE-1391-7843-9E3960F9D8D1}"/>
           </ac:picMkLst>
         </pc:picChg>
+        <pc:picChg chg="add mod">
+          <ac:chgData name="Hajar Benaissa" userId="9632a7df998e774a" providerId="LiveId" clId="{03B8B592-C864-4895-9874-2FC1E3E34CD2}" dt="2023-08-30T11:19:16.519" v="2934" actId="14100"/>
+          <ac:picMkLst>
+            <pc:docMk/>
+            <pc:sldMk cId="3883199130" sldId="262"/>
+            <ac:picMk id="5" creationId="{904D78C5-7C11-FC3E-1D4C-7DC777435D19}"/>
+          </ac:picMkLst>
+        </pc:picChg>
       </pc:sldChg>
-      <pc:sldChg chg="addSp delSp modSp new mod ord">
-        <pc:chgData name="Hajar Benaissa" userId="9632a7df998e774a" providerId="LiveId" clId="{03B8B592-C864-4895-9874-2FC1E3E34CD2}" dt="2023-08-28T16:07:20.247" v="2313" actId="1036"/>
+      <pc:sldChg chg="addSp delSp modSp new mod ord setBg modAnim">
+        <pc:chgData name="Hajar Benaissa" userId="9632a7df998e774a" providerId="LiveId" clId="{03B8B592-C864-4895-9874-2FC1E3E34CD2}" dt="2023-08-30T14:50:59.931" v="3512"/>
         <pc:sldMkLst>
           <pc:docMk/>
           <pc:sldMk cId="713759347" sldId="263"/>
@@ -495,7 +639,7 @@
           </ac:spMkLst>
         </pc:spChg>
         <pc:spChg chg="mod">
-          <ac:chgData name="Hajar Benaissa" userId="9632a7df998e774a" providerId="LiveId" clId="{03B8B592-C864-4895-9874-2FC1E3E34CD2}" dt="2023-08-28T15:36:49.809" v="1633" actId="20577"/>
+          <ac:chgData name="Hajar Benaissa" userId="9632a7df998e774a" providerId="LiveId" clId="{03B8B592-C864-4895-9874-2FC1E3E34CD2}" dt="2023-08-30T11:09:30.156" v="2898" actId="20577"/>
           <ac:spMkLst>
             <pc:docMk/>
             <pc:sldMk cId="713759347" sldId="263"/>
@@ -582,6 +726,14 @@
             <ac:picMk id="4" creationId="{4E07B8F8-4D2F-16E2-CD8F-3BF73A008EB2}"/>
           </ac:picMkLst>
         </pc:picChg>
+        <pc:picChg chg="add mod">
+          <ac:chgData name="Hajar Benaissa" userId="9632a7df998e774a" providerId="LiveId" clId="{03B8B592-C864-4895-9874-2FC1E3E34CD2}" dt="2023-08-30T11:09:38.030" v="2920" actId="1035"/>
+          <ac:picMkLst>
+            <pc:docMk/>
+            <pc:sldMk cId="713759347" sldId="263"/>
+            <ac:picMk id="5" creationId="{1435090E-1E99-B83D-4CDB-93324C1E8859}"/>
+          </ac:picMkLst>
+        </pc:picChg>
         <pc:picChg chg="add del mod">
           <ac:chgData name="Hajar Benaissa" userId="9632a7df998e774a" providerId="LiveId" clId="{03B8B592-C864-4895-9874-2FC1E3E34CD2}" dt="2023-08-28T15:25:34.894" v="1124"/>
           <ac:picMkLst>
@@ -591,7 +743,15 @@
           </ac:picMkLst>
         </pc:picChg>
         <pc:picChg chg="add mod">
-          <ac:chgData name="Hajar Benaissa" userId="9632a7df998e774a" providerId="LiveId" clId="{03B8B592-C864-4895-9874-2FC1E3E34CD2}" dt="2023-08-28T15:28:24.001" v="1138" actId="1038"/>
+          <ac:chgData name="Hajar Benaissa" userId="9632a7df998e774a" providerId="LiveId" clId="{03B8B592-C864-4895-9874-2FC1E3E34CD2}" dt="2023-08-30T11:09:42.002" v="2929" actId="1035"/>
+          <ac:picMkLst>
+            <pc:docMk/>
+            <pc:sldMk cId="713759347" sldId="263"/>
+            <ac:picMk id="6" creationId="{0077F77D-1102-339C-64C9-049E75C466A4}"/>
+          </ac:picMkLst>
+        </pc:picChg>
+        <pc:picChg chg="add mod">
+          <ac:chgData name="Hajar Benaissa" userId="9632a7df998e774a" providerId="LiveId" clId="{03B8B592-C864-4895-9874-2FC1E3E34CD2}" dt="2023-08-30T10:56:33.834" v="2374" actId="14100"/>
           <ac:picMkLst>
             <pc:docMk/>
             <pc:sldMk cId="713759347" sldId="263"/>
@@ -599,7 +759,15 @@
           </ac:picMkLst>
         </pc:picChg>
         <pc:picChg chg="add mod">
-          <ac:chgData name="Hajar Benaissa" userId="9632a7df998e774a" providerId="LiveId" clId="{03B8B592-C864-4895-9874-2FC1E3E34CD2}" dt="2023-08-28T15:31:47.709" v="1359" actId="14100"/>
+          <ac:chgData name="Hajar Benaissa" userId="9632a7df998e774a" providerId="LiveId" clId="{03B8B592-C864-4895-9874-2FC1E3E34CD2}" dt="2023-08-30T11:07:06.518" v="2828" actId="14100"/>
+          <ac:picMkLst>
+            <pc:docMk/>
+            <pc:sldMk cId="713759347" sldId="263"/>
+            <ac:picMk id="9" creationId="{D4DB18D7-4305-0B54-E958-3E1F7EBB5E06}"/>
+          </ac:picMkLst>
+        </pc:picChg>
+        <pc:picChg chg="add del mod">
+          <ac:chgData name="Hajar Benaissa" userId="9632a7df998e774a" providerId="LiveId" clId="{03B8B592-C864-4895-9874-2FC1E3E34CD2}" dt="2023-08-30T11:07:01.284" v="2826" actId="478"/>
           <ac:picMkLst>
             <pc:docMk/>
             <pc:sldMk cId="713759347" sldId="263"/>
@@ -607,7 +775,7 @@
           </ac:picMkLst>
         </pc:picChg>
         <pc:picChg chg="add mod">
-          <ac:chgData name="Hajar Benaissa" userId="9632a7df998e774a" providerId="LiveId" clId="{03B8B592-C864-4895-9874-2FC1E3E34CD2}" dt="2023-08-28T15:36:16.967" v="1617" actId="14100"/>
+          <ac:chgData name="Hajar Benaissa" userId="9632a7df998e774a" providerId="LiveId" clId="{03B8B592-C864-4895-9874-2FC1E3E34CD2}" dt="2023-08-30T11:01:03.479" v="2685" actId="14100"/>
           <ac:picMkLst>
             <pc:docMk/>
             <pc:sldMk cId="713759347" sldId="263"/>
@@ -638,6 +806,117 @@
             <ac:cxnSpMk id="23" creationId="{BFDF7477-962E-2E8F-F9FE-7AE576469529}"/>
           </ac:cxnSpMkLst>
         </pc:cxnChg>
+      </pc:sldChg>
+      <pc:sldChg chg="addSp delSp modSp new mod setBg modAnim">
+        <pc:chgData name="Hajar Benaissa" userId="9632a7df998e774a" providerId="LiveId" clId="{03B8B592-C864-4895-9874-2FC1E3E34CD2}" dt="2023-08-30T14:50:33.644" v="3481"/>
+        <pc:sldMkLst>
+          <pc:docMk/>
+          <pc:sldMk cId="7469942" sldId="264"/>
+        </pc:sldMkLst>
+        <pc:spChg chg="add mod">
+          <ac:chgData name="Hajar Benaissa" userId="9632a7df998e774a" providerId="LiveId" clId="{03B8B592-C864-4895-9874-2FC1E3E34CD2}" dt="2023-08-30T11:32:36.899" v="3120" actId="1036"/>
+          <ac:spMkLst>
+            <pc:docMk/>
+            <pc:sldMk cId="7469942" sldId="264"/>
+            <ac:spMk id="4" creationId="{F8157DAF-3707-BB64-C9EA-F6546378D2BF}"/>
+          </ac:spMkLst>
+        </pc:spChg>
+        <pc:spChg chg="add mod">
+          <ac:chgData name="Hajar Benaissa" userId="9632a7df998e774a" providerId="LiveId" clId="{03B8B592-C864-4895-9874-2FC1E3E34CD2}" dt="2023-08-30T14:26:01.503" v="3147" actId="1038"/>
+          <ac:spMkLst>
+            <pc:docMk/>
+            <pc:sldMk cId="7469942" sldId="264"/>
+            <ac:spMk id="6" creationId="{443104A2-9C5F-A38B-D5D8-2C0E74B6EA8F}"/>
+          </ac:spMkLst>
+        </pc:spChg>
+        <pc:spChg chg="add mod">
+          <ac:chgData name="Hajar Benaissa" userId="9632a7df998e774a" providerId="LiveId" clId="{03B8B592-C864-4895-9874-2FC1E3E34CD2}" dt="2023-08-30T14:45:41.154" v="3450" actId="1036"/>
+          <ac:spMkLst>
+            <pc:docMk/>
+            <pc:sldMk cId="7469942" sldId="264"/>
+            <ac:spMk id="14" creationId="{E84433F3-A7D7-56FA-52F4-039C761314E2}"/>
+          </ac:spMkLst>
+        </pc:spChg>
+        <pc:spChg chg="add mod">
+          <ac:chgData name="Hajar Benaissa" userId="9632a7df998e774a" providerId="LiveId" clId="{03B8B592-C864-4895-9874-2FC1E3E34CD2}" dt="2023-08-30T14:47:46.378" v="3472" actId="20577"/>
+          <ac:spMkLst>
+            <pc:docMk/>
+            <pc:sldMk cId="7469942" sldId="264"/>
+            <ac:spMk id="15" creationId="{2893F950-5002-156F-52C6-691A0853DB2B}"/>
+          </ac:spMkLst>
+        </pc:spChg>
+        <pc:picChg chg="add mod">
+          <ac:chgData name="Hajar Benaissa" userId="9632a7df998e774a" providerId="LiveId" clId="{03B8B592-C864-4895-9874-2FC1E3E34CD2}" dt="2023-08-30T11:31:34.049" v="3088" actId="1036"/>
+          <ac:picMkLst>
+            <pc:docMk/>
+            <pc:sldMk cId="7469942" sldId="264"/>
+            <ac:picMk id="2" creationId="{B790C7EE-DA17-10A8-6B9D-6709CAEF4813}"/>
+          </ac:picMkLst>
+        </pc:picChg>
+        <pc:picChg chg="add mod">
+          <ac:chgData name="Hajar Benaissa" userId="9632a7df998e774a" providerId="LiveId" clId="{03B8B592-C864-4895-9874-2FC1E3E34CD2}" dt="2023-08-30T11:32:07.566" v="3102" actId="1035"/>
+          <ac:picMkLst>
+            <pc:docMk/>
+            <pc:sldMk cId="7469942" sldId="264"/>
+            <ac:picMk id="3" creationId="{976C3DA1-C3B1-FE0B-60A5-92AE73A06C5C}"/>
+          </ac:picMkLst>
+        </pc:picChg>
+        <pc:picChg chg="add mod">
+          <ac:chgData name="Hajar Benaissa" userId="9632a7df998e774a" providerId="LiveId" clId="{03B8B592-C864-4895-9874-2FC1E3E34CD2}" dt="2023-08-30T11:35:35.069" v="3129" actId="1076"/>
+          <ac:picMkLst>
+            <pc:docMk/>
+            <pc:sldMk cId="7469942" sldId="264"/>
+            <ac:picMk id="5" creationId="{50B09105-0881-A018-81BE-8C59F7C78821}"/>
+          </ac:picMkLst>
+        </pc:picChg>
+        <pc:picChg chg="add mod">
+          <ac:chgData name="Hajar Benaissa" userId="9632a7df998e774a" providerId="LiveId" clId="{03B8B592-C864-4895-9874-2FC1E3E34CD2}" dt="2023-08-30T14:26:23.833" v="3181" actId="1036"/>
+          <ac:picMkLst>
+            <pc:docMk/>
+            <pc:sldMk cId="7469942" sldId="264"/>
+            <ac:picMk id="7" creationId="{DC63601F-5D4D-ED8C-635B-77709ED75DF8}"/>
+          </ac:picMkLst>
+        </pc:picChg>
+        <pc:picChg chg="add del mod">
+          <ac:chgData name="Hajar Benaissa" userId="9632a7df998e774a" providerId="LiveId" clId="{03B8B592-C864-4895-9874-2FC1E3E34CD2}" dt="2023-08-30T14:29:34.951" v="3184" actId="478"/>
+          <ac:picMkLst>
+            <pc:docMk/>
+            <pc:sldMk cId="7469942" sldId="264"/>
+            <ac:picMk id="8" creationId="{5CAC3A07-51B2-EA6D-4D00-56E37BEC6A9E}"/>
+          </ac:picMkLst>
+        </pc:picChg>
+        <pc:picChg chg="add del mod">
+          <ac:chgData name="Hajar Benaissa" userId="9632a7df998e774a" providerId="LiveId" clId="{03B8B592-C864-4895-9874-2FC1E3E34CD2}" dt="2023-08-30T14:34:58.949" v="3191" actId="478"/>
+          <ac:picMkLst>
+            <pc:docMk/>
+            <pc:sldMk cId="7469942" sldId="264"/>
+            <ac:picMk id="9" creationId="{477BA901-3037-DD73-A382-6C38F496E4D1}"/>
+          </ac:picMkLst>
+        </pc:picChg>
+        <pc:picChg chg="add mod">
+          <ac:chgData name="Hajar Benaissa" userId="9632a7df998e774a" providerId="LiveId" clId="{03B8B592-C864-4895-9874-2FC1E3E34CD2}" dt="2023-08-30T14:35:50.922" v="3230" actId="1037"/>
+          <ac:picMkLst>
+            <pc:docMk/>
+            <pc:sldMk cId="7469942" sldId="264"/>
+            <ac:picMk id="10" creationId="{65AFBF75-005C-41C2-BD4A-E46E48E57D8A}"/>
+          </ac:picMkLst>
+        </pc:picChg>
+        <pc:picChg chg="add mod">
+          <ac:chgData name="Hajar Benaissa" userId="9632a7df998e774a" providerId="LiveId" clId="{03B8B592-C864-4895-9874-2FC1E3E34CD2}" dt="2023-08-30T14:40:42.912" v="3320" actId="1035"/>
+          <ac:picMkLst>
+            <pc:docMk/>
+            <pc:sldMk cId="7469942" sldId="264"/>
+            <ac:picMk id="11" creationId="{5A178FBA-2063-5EE3-5D89-41B5C94F0AD9}"/>
+          </ac:picMkLst>
+        </pc:picChg>
+        <pc:picChg chg="add del mod">
+          <ac:chgData name="Hajar Benaissa" userId="9632a7df998e774a" providerId="LiveId" clId="{03B8B592-C864-4895-9874-2FC1E3E34CD2}" dt="2023-08-30T14:44:11.869" v="3416" actId="478"/>
+          <ac:picMkLst>
+            <pc:docMk/>
+            <pc:sldMk cId="7469942" sldId="264"/>
+            <ac:picMk id="13" creationId="{A60C26E7-D79E-F73B-ADAF-3CB7F2335185}"/>
+          </ac:picMkLst>
+        </pc:picChg>
       </pc:sldChg>
     </pc:docChg>
   </pc:docChgLst>
@@ -791,7 +1070,7 @@
           <a:p>
             <a:fld id="{8069A5AE-DAD1-4D2F-8724-9E7616A6CFB4}" type="datetimeFigureOut">
               <a:rPr lang="fr-FR" smtClean="0"/>
-              <a:t>28/08/2023</a:t>
+              <a:t>30/08/2023</a:t>
             </a:fld>
             <a:endParaRPr lang="fr-FR"/>
           </a:p>
@@ -989,7 +1268,7 @@
           <a:p>
             <a:fld id="{8069A5AE-DAD1-4D2F-8724-9E7616A6CFB4}" type="datetimeFigureOut">
               <a:rPr lang="fr-FR" smtClean="0"/>
-              <a:t>28/08/2023</a:t>
+              <a:t>30/08/2023</a:t>
             </a:fld>
             <a:endParaRPr lang="fr-FR"/>
           </a:p>
@@ -1197,7 +1476,7 @@
           <a:p>
             <a:fld id="{8069A5AE-DAD1-4D2F-8724-9E7616A6CFB4}" type="datetimeFigureOut">
               <a:rPr lang="fr-FR" smtClean="0"/>
-              <a:t>28/08/2023</a:t>
+              <a:t>30/08/2023</a:t>
             </a:fld>
             <a:endParaRPr lang="fr-FR"/>
           </a:p>
@@ -1395,7 +1674,7 @@
           <a:p>
             <a:fld id="{8069A5AE-DAD1-4D2F-8724-9E7616A6CFB4}" type="datetimeFigureOut">
               <a:rPr lang="fr-FR" smtClean="0"/>
-              <a:t>28/08/2023</a:t>
+              <a:t>30/08/2023</a:t>
             </a:fld>
             <a:endParaRPr lang="fr-FR"/>
           </a:p>
@@ -1670,7 +1949,7 @@
           <a:p>
             <a:fld id="{8069A5AE-DAD1-4D2F-8724-9E7616A6CFB4}" type="datetimeFigureOut">
               <a:rPr lang="fr-FR" smtClean="0"/>
-              <a:t>28/08/2023</a:t>
+              <a:t>30/08/2023</a:t>
             </a:fld>
             <a:endParaRPr lang="fr-FR"/>
           </a:p>
@@ -1935,7 +2214,7 @@
           <a:p>
             <a:fld id="{8069A5AE-DAD1-4D2F-8724-9E7616A6CFB4}" type="datetimeFigureOut">
               <a:rPr lang="fr-FR" smtClean="0"/>
-              <a:t>28/08/2023</a:t>
+              <a:t>30/08/2023</a:t>
             </a:fld>
             <a:endParaRPr lang="fr-FR"/>
           </a:p>
@@ -2347,7 +2626,7 @@
           <a:p>
             <a:fld id="{8069A5AE-DAD1-4D2F-8724-9E7616A6CFB4}" type="datetimeFigureOut">
               <a:rPr lang="fr-FR" smtClean="0"/>
-              <a:t>28/08/2023</a:t>
+              <a:t>30/08/2023</a:t>
             </a:fld>
             <a:endParaRPr lang="fr-FR"/>
           </a:p>
@@ -2488,7 +2767,7 @@
           <a:p>
             <a:fld id="{8069A5AE-DAD1-4D2F-8724-9E7616A6CFB4}" type="datetimeFigureOut">
               <a:rPr lang="fr-FR" smtClean="0"/>
-              <a:t>28/08/2023</a:t>
+              <a:t>30/08/2023</a:t>
             </a:fld>
             <a:endParaRPr lang="fr-FR"/>
           </a:p>
@@ -2601,7 +2880,7 @@
           <a:p>
             <a:fld id="{8069A5AE-DAD1-4D2F-8724-9E7616A6CFB4}" type="datetimeFigureOut">
               <a:rPr lang="fr-FR" smtClean="0"/>
-              <a:t>28/08/2023</a:t>
+              <a:t>30/08/2023</a:t>
             </a:fld>
             <a:endParaRPr lang="fr-FR"/>
           </a:p>
@@ -2912,7 +3191,7 @@
           <a:p>
             <a:fld id="{8069A5AE-DAD1-4D2F-8724-9E7616A6CFB4}" type="datetimeFigureOut">
               <a:rPr lang="fr-FR" smtClean="0"/>
-              <a:t>28/08/2023</a:t>
+              <a:t>30/08/2023</a:t>
             </a:fld>
             <a:endParaRPr lang="fr-FR"/>
           </a:p>
@@ -3200,7 +3479,7 @@
           <a:p>
             <a:fld id="{8069A5AE-DAD1-4D2F-8724-9E7616A6CFB4}" type="datetimeFigureOut">
               <a:rPr lang="fr-FR" smtClean="0"/>
-              <a:t>28/08/2023</a:t>
+              <a:t>30/08/2023</a:t>
             </a:fld>
             <a:endParaRPr lang="fr-FR"/>
           </a:p>
@@ -3441,7 +3720,7 @@
           <a:p>
             <a:fld id="{8069A5AE-DAD1-4D2F-8724-9E7616A6CFB4}" type="datetimeFigureOut">
               <a:rPr lang="fr-FR" smtClean="0"/>
-              <a:t>28/08/2023</a:t>
+              <a:t>30/08/2023</a:t>
             </a:fld>
             <a:endParaRPr lang="fr-FR"/>
           </a:p>
@@ -3844,6 +4123,40 @@
 <file path=ppt/slides/slide1.xml><?xml version="1.0" encoding="utf-8"?>
 <p:sld xmlns:a="http://schemas.openxmlformats.org/drawingml/2006/main" xmlns:r="http://schemas.openxmlformats.org/officeDocument/2006/relationships" xmlns:p="http://schemas.openxmlformats.org/presentationml/2006/main">
   <p:cSld>
+    <p:bg>
+      <p:bgPr>
+        <a:gradFill>
+          <a:gsLst>
+            <a:gs pos="0">
+              <a:schemeClr val="accent1">
+                <a:lumMod val="5000"/>
+                <a:lumOff val="95000"/>
+              </a:schemeClr>
+            </a:gs>
+            <a:gs pos="74000">
+              <a:schemeClr val="accent1">
+                <a:lumMod val="45000"/>
+                <a:lumOff val="55000"/>
+              </a:schemeClr>
+            </a:gs>
+            <a:gs pos="83000">
+              <a:schemeClr val="accent1">
+                <a:lumMod val="45000"/>
+                <a:lumOff val="55000"/>
+              </a:schemeClr>
+            </a:gs>
+            <a:gs pos="100000">
+              <a:schemeClr val="accent1">
+                <a:lumMod val="30000"/>
+                <a:lumOff val="70000"/>
+              </a:schemeClr>
+            </a:gs>
+          </a:gsLst>
+          <a:lin ang="5400000" scaled="1"/>
+        </a:gradFill>
+        <a:effectLst/>
+      </p:bgPr>
+    </p:bg>
     <p:spTree>
       <p:nvGrpSpPr>
         <p:cNvPr id="1" name=""/>
@@ -3966,12 +4279,316 @@
   <p:clrMapOvr>
     <a:masterClrMapping/>
   </p:clrMapOvr>
+  <p:timing>
+    <p:tnLst>
+      <p:par>
+        <p:cTn id="1" dur="indefinite" restart="never" nodeType="tmRoot">
+          <p:childTnLst>
+            <p:seq concurrent="1" nextAc="seek">
+              <p:cTn id="2" dur="indefinite" nodeType="mainSeq">
+                <p:childTnLst>
+                  <p:par>
+                    <p:cTn id="3" fill="hold">
+                      <p:stCondLst>
+                        <p:cond delay="indefinite"/>
+                      </p:stCondLst>
+                      <p:childTnLst>
+                        <p:par>
+                          <p:cTn id="4" fill="hold">
+                            <p:stCondLst>
+                              <p:cond delay="0"/>
+                            </p:stCondLst>
+                            <p:childTnLst>
+                              <p:par>
+                                <p:cTn id="5" presetID="2" presetClass="entr" presetSubtype="4" fill="hold" grpId="0" nodeType="clickEffect">
+                                  <p:stCondLst>
+                                    <p:cond delay="0"/>
+                                  </p:stCondLst>
+                                  <p:childTnLst>
+                                    <p:set>
+                                      <p:cBhvr>
+                                        <p:cTn id="6" dur="1" fill="hold">
+                                          <p:stCondLst>
+                                            <p:cond delay="0"/>
+                                          </p:stCondLst>
+                                        </p:cTn>
+                                        <p:tgtEl>
+                                          <p:spTgt spid="2"/>
+                                        </p:tgtEl>
+                                        <p:attrNameLst>
+                                          <p:attrName>style.visibility</p:attrName>
+                                        </p:attrNameLst>
+                                      </p:cBhvr>
+                                      <p:to>
+                                        <p:strVal val="visible"/>
+                                      </p:to>
+                                    </p:set>
+                                    <p:anim calcmode="lin" valueType="num">
+                                      <p:cBhvr additive="base">
+                                        <p:cTn id="7" dur="500" fill="hold"/>
+                                        <p:tgtEl>
+                                          <p:spTgt spid="2"/>
+                                        </p:tgtEl>
+                                        <p:attrNameLst>
+                                          <p:attrName>ppt_x</p:attrName>
+                                        </p:attrNameLst>
+                                      </p:cBhvr>
+                                      <p:tavLst>
+                                        <p:tav tm="0">
+                                          <p:val>
+                                            <p:strVal val="#ppt_x"/>
+                                          </p:val>
+                                        </p:tav>
+                                        <p:tav tm="100000">
+                                          <p:val>
+                                            <p:strVal val="#ppt_x"/>
+                                          </p:val>
+                                        </p:tav>
+                                      </p:tavLst>
+                                    </p:anim>
+                                    <p:anim calcmode="lin" valueType="num">
+                                      <p:cBhvr additive="base">
+                                        <p:cTn id="8" dur="500" fill="hold"/>
+                                        <p:tgtEl>
+                                          <p:spTgt spid="2"/>
+                                        </p:tgtEl>
+                                        <p:attrNameLst>
+                                          <p:attrName>ppt_y</p:attrName>
+                                        </p:attrNameLst>
+                                      </p:cBhvr>
+                                      <p:tavLst>
+                                        <p:tav tm="0">
+                                          <p:val>
+                                            <p:strVal val="1+#ppt_h/2"/>
+                                          </p:val>
+                                        </p:tav>
+                                        <p:tav tm="100000">
+                                          <p:val>
+                                            <p:strVal val="#ppt_y"/>
+                                          </p:val>
+                                        </p:tav>
+                                      </p:tavLst>
+                                    </p:anim>
+                                  </p:childTnLst>
+                                </p:cTn>
+                              </p:par>
+                              <p:par>
+                                <p:cTn id="9" presetID="2" presetClass="entr" presetSubtype="4" fill="hold" nodeType="withEffect">
+                                  <p:stCondLst>
+                                    <p:cond delay="0"/>
+                                  </p:stCondLst>
+                                  <p:childTnLst>
+                                    <p:set>
+                                      <p:cBhvr>
+                                        <p:cTn id="10" dur="1" fill="hold">
+                                          <p:stCondLst>
+                                            <p:cond delay="0"/>
+                                          </p:stCondLst>
+                                        </p:cTn>
+                                        <p:tgtEl>
+                                          <p:spTgt spid="5"/>
+                                        </p:tgtEl>
+                                        <p:attrNameLst>
+                                          <p:attrName>style.visibility</p:attrName>
+                                        </p:attrNameLst>
+                                      </p:cBhvr>
+                                      <p:to>
+                                        <p:strVal val="visible"/>
+                                      </p:to>
+                                    </p:set>
+                                    <p:anim calcmode="lin" valueType="num">
+                                      <p:cBhvr additive="base">
+                                        <p:cTn id="11" dur="500" fill="hold"/>
+                                        <p:tgtEl>
+                                          <p:spTgt spid="5"/>
+                                        </p:tgtEl>
+                                        <p:attrNameLst>
+                                          <p:attrName>ppt_x</p:attrName>
+                                        </p:attrNameLst>
+                                      </p:cBhvr>
+                                      <p:tavLst>
+                                        <p:tav tm="0">
+                                          <p:val>
+                                            <p:strVal val="#ppt_x"/>
+                                          </p:val>
+                                        </p:tav>
+                                        <p:tav tm="100000">
+                                          <p:val>
+                                            <p:strVal val="#ppt_x"/>
+                                          </p:val>
+                                        </p:tav>
+                                      </p:tavLst>
+                                    </p:anim>
+                                    <p:anim calcmode="lin" valueType="num">
+                                      <p:cBhvr additive="base">
+                                        <p:cTn id="12" dur="500" fill="hold"/>
+                                        <p:tgtEl>
+                                          <p:spTgt spid="5"/>
+                                        </p:tgtEl>
+                                        <p:attrNameLst>
+                                          <p:attrName>ppt_y</p:attrName>
+                                        </p:attrNameLst>
+                                      </p:cBhvr>
+                                      <p:tavLst>
+                                        <p:tav tm="0">
+                                          <p:val>
+                                            <p:strVal val="1+#ppt_h/2"/>
+                                          </p:val>
+                                        </p:tav>
+                                        <p:tav tm="100000">
+                                          <p:val>
+                                            <p:strVal val="#ppt_y"/>
+                                          </p:val>
+                                        </p:tav>
+                                      </p:tavLst>
+                                    </p:anim>
+                                  </p:childTnLst>
+                                </p:cTn>
+                              </p:par>
+                              <p:par>
+                                <p:cTn id="13" presetID="2" presetClass="entr" presetSubtype="4" fill="hold" nodeType="withEffect">
+                                  <p:stCondLst>
+                                    <p:cond delay="0"/>
+                                  </p:stCondLst>
+                                  <p:childTnLst>
+                                    <p:set>
+                                      <p:cBhvr>
+                                        <p:cTn id="14" dur="1" fill="hold">
+                                          <p:stCondLst>
+                                            <p:cond delay="0"/>
+                                          </p:stCondLst>
+                                        </p:cTn>
+                                        <p:tgtEl>
+                                          <p:spTgt spid="4"/>
+                                        </p:tgtEl>
+                                        <p:attrNameLst>
+                                          <p:attrName>style.visibility</p:attrName>
+                                        </p:attrNameLst>
+                                      </p:cBhvr>
+                                      <p:to>
+                                        <p:strVal val="visible"/>
+                                      </p:to>
+                                    </p:set>
+                                    <p:anim calcmode="lin" valueType="num">
+                                      <p:cBhvr additive="base">
+                                        <p:cTn id="15" dur="500" fill="hold"/>
+                                        <p:tgtEl>
+                                          <p:spTgt spid="4"/>
+                                        </p:tgtEl>
+                                        <p:attrNameLst>
+                                          <p:attrName>ppt_x</p:attrName>
+                                        </p:attrNameLst>
+                                      </p:cBhvr>
+                                      <p:tavLst>
+                                        <p:tav tm="0">
+                                          <p:val>
+                                            <p:strVal val="#ppt_x"/>
+                                          </p:val>
+                                        </p:tav>
+                                        <p:tav tm="100000">
+                                          <p:val>
+                                            <p:strVal val="#ppt_x"/>
+                                          </p:val>
+                                        </p:tav>
+                                      </p:tavLst>
+                                    </p:anim>
+                                    <p:anim calcmode="lin" valueType="num">
+                                      <p:cBhvr additive="base">
+                                        <p:cTn id="16" dur="500" fill="hold"/>
+                                        <p:tgtEl>
+                                          <p:spTgt spid="4"/>
+                                        </p:tgtEl>
+                                        <p:attrNameLst>
+                                          <p:attrName>ppt_y</p:attrName>
+                                        </p:attrNameLst>
+                                      </p:cBhvr>
+                                      <p:tavLst>
+                                        <p:tav tm="0">
+                                          <p:val>
+                                            <p:strVal val="1+#ppt_h/2"/>
+                                          </p:val>
+                                        </p:tav>
+                                        <p:tav tm="100000">
+                                          <p:val>
+                                            <p:strVal val="#ppt_y"/>
+                                          </p:val>
+                                        </p:tav>
+                                      </p:tavLst>
+                                    </p:anim>
+                                  </p:childTnLst>
+                                </p:cTn>
+                              </p:par>
+                            </p:childTnLst>
+                          </p:cTn>
+                        </p:par>
+                      </p:childTnLst>
+                    </p:cTn>
+                  </p:par>
+                </p:childTnLst>
+              </p:cTn>
+              <p:prevCondLst>
+                <p:cond evt="onPrev" delay="0">
+                  <p:tgtEl>
+                    <p:sldTgt/>
+                  </p:tgtEl>
+                </p:cond>
+              </p:prevCondLst>
+              <p:nextCondLst>
+                <p:cond evt="onNext" delay="0">
+                  <p:tgtEl>
+                    <p:sldTgt/>
+                  </p:tgtEl>
+                </p:cond>
+              </p:nextCondLst>
+            </p:seq>
+          </p:childTnLst>
+        </p:cTn>
+      </p:par>
+    </p:tnLst>
+    <p:bldLst>
+      <p:bldP spid="2" grpId="0"/>
+    </p:bldLst>
+  </p:timing>
 </p:sld>
 </file>
 
 <file path=ppt/slides/slide2.xml><?xml version="1.0" encoding="utf-8"?>
 <p:sld xmlns:a="http://schemas.openxmlformats.org/drawingml/2006/main" xmlns:r="http://schemas.openxmlformats.org/officeDocument/2006/relationships" xmlns:p="http://schemas.openxmlformats.org/presentationml/2006/main">
   <p:cSld>
+    <p:bg>
+      <p:bgPr>
+        <a:gradFill>
+          <a:gsLst>
+            <a:gs pos="0">
+              <a:schemeClr val="accent1">
+                <a:lumMod val="5000"/>
+                <a:lumOff val="95000"/>
+              </a:schemeClr>
+            </a:gs>
+            <a:gs pos="74000">
+              <a:schemeClr val="accent1">
+                <a:lumMod val="45000"/>
+                <a:lumOff val="55000"/>
+              </a:schemeClr>
+            </a:gs>
+            <a:gs pos="83000">
+              <a:schemeClr val="accent1">
+                <a:lumMod val="45000"/>
+                <a:lumOff val="55000"/>
+              </a:schemeClr>
+            </a:gs>
+            <a:gs pos="100000">
+              <a:schemeClr val="accent1">
+                <a:lumMod val="30000"/>
+                <a:lumOff val="70000"/>
+              </a:schemeClr>
+            </a:gs>
+          </a:gsLst>
+          <a:lin ang="5400000" scaled="1"/>
+        </a:gradFill>
+        <a:effectLst/>
+      </p:bgPr>
+    </p:bg>
     <p:spTree>
       <p:nvGrpSpPr>
         <p:cNvPr id="1" name=""/>
@@ -4315,6 +4932,36 @@
           </a:p>
         </p:txBody>
       </p:sp>
+      <p:pic>
+        <p:nvPicPr>
+          <p:cNvPr id="5" name="Image 4">
+            <a:extLst>
+              <a:ext uri="{FF2B5EF4-FFF2-40B4-BE49-F238E27FC236}">
+                <a16:creationId xmlns:a16="http://schemas.microsoft.com/office/drawing/2014/main" id="{904D78C5-7C11-FC3E-1D4C-7DC777435D19}"/>
+              </a:ext>
+            </a:extLst>
+          </p:cNvPr>
+          <p:cNvPicPr>
+            <a:picLocks noChangeAspect="1"/>
+          </p:cNvPicPr>
+          <p:nvPr/>
+        </p:nvPicPr>
+        <p:blipFill>
+          <a:blip r:embed="rId3"/>
+          <a:stretch>
+            <a:fillRect/>
+          </a:stretch>
+        </p:blipFill>
+        <p:spPr>
+          <a:xfrm>
+            <a:off x="516421" y="3429000"/>
+            <a:ext cx="3028950" cy="2385391"/>
+          </a:xfrm>
+          <a:prstGeom prst="rect">
+            <a:avLst/>
+          </a:prstGeom>
+        </p:spPr>
+      </p:pic>
     </p:spTree>
     <p:extLst>
       <p:ext uri="{BB962C8B-B14F-4D97-AF65-F5344CB8AC3E}">
@@ -4418,33 +5065,15 @@
                                   </p:childTnLst>
                                 </p:cTn>
                               </p:par>
-                            </p:childTnLst>
-                          </p:cTn>
-                        </p:par>
-                      </p:childTnLst>
-                    </p:cTn>
-                  </p:par>
-                  <p:par>
-                    <p:cTn id="9" fill="hold">
-                      <p:stCondLst>
-                        <p:cond delay="indefinite"/>
-                      </p:stCondLst>
-                      <p:childTnLst>
-                        <p:par>
-                          <p:cTn id="10" fill="hold">
-                            <p:stCondLst>
-                              <p:cond delay="0"/>
-                            </p:stCondLst>
-                            <p:childTnLst>
                               <p:par>
-                                <p:cTn id="11" presetID="2" presetClass="entr" presetSubtype="4" fill="hold" grpId="0" nodeType="clickEffect">
+                                <p:cTn id="9" presetID="2" presetClass="entr" presetSubtype="4" fill="hold" grpId="0" nodeType="withEffect">
                                   <p:stCondLst>
                                     <p:cond delay="0"/>
                                   </p:stCondLst>
                                   <p:childTnLst>
                                     <p:set>
                                       <p:cBhvr>
-                                        <p:cTn id="12" dur="1" fill="hold">
+                                        <p:cTn id="10" dur="1" fill="hold">
                                           <p:stCondLst>
                                             <p:cond delay="0"/>
                                           </p:stCondLst>
@@ -4462,7 +5091,7 @@
                                     </p:set>
                                     <p:anim calcmode="lin" valueType="num">
                                       <p:cBhvr additive="base">
-                                        <p:cTn id="13" dur="500" fill="hold"/>
+                                        <p:cTn id="11" dur="500" fill="hold"/>
                                         <p:tgtEl>
                                           <p:spTgt spid="2"/>
                                         </p:tgtEl>
@@ -4485,9 +5114,155 @@
                                     </p:anim>
                                     <p:anim calcmode="lin" valueType="num">
                                       <p:cBhvr additive="base">
-                                        <p:cTn id="14" dur="500" fill="hold"/>
+                                        <p:cTn id="12" dur="500" fill="hold"/>
                                         <p:tgtEl>
                                           <p:spTgt spid="2"/>
+                                        </p:tgtEl>
+                                        <p:attrNameLst>
+                                          <p:attrName>ppt_y</p:attrName>
+                                        </p:attrNameLst>
+                                      </p:cBhvr>
+                                      <p:tavLst>
+                                        <p:tav tm="0">
+                                          <p:val>
+                                            <p:strVal val="1+#ppt_h/2"/>
+                                          </p:val>
+                                        </p:tav>
+                                        <p:tav tm="100000">
+                                          <p:val>
+                                            <p:strVal val="#ppt_y"/>
+                                          </p:val>
+                                        </p:tav>
+                                      </p:tavLst>
+                                    </p:anim>
+                                  </p:childTnLst>
+                                </p:cTn>
+                              </p:par>
+                              <p:par>
+                                <p:cTn id="13" presetID="2" presetClass="entr" presetSubtype="4" fill="hold" nodeType="withEffect">
+                                  <p:stCondLst>
+                                    <p:cond delay="0"/>
+                                  </p:stCondLst>
+                                  <p:childTnLst>
+                                    <p:set>
+                                      <p:cBhvr>
+                                        <p:cTn id="14" dur="1" fill="hold">
+                                          <p:stCondLst>
+                                            <p:cond delay="0"/>
+                                          </p:stCondLst>
+                                        </p:cTn>
+                                        <p:tgtEl>
+                                          <p:spTgt spid="3"/>
+                                        </p:tgtEl>
+                                        <p:attrNameLst>
+                                          <p:attrName>style.visibility</p:attrName>
+                                        </p:attrNameLst>
+                                      </p:cBhvr>
+                                      <p:to>
+                                        <p:strVal val="visible"/>
+                                      </p:to>
+                                    </p:set>
+                                    <p:anim calcmode="lin" valueType="num">
+                                      <p:cBhvr additive="base">
+                                        <p:cTn id="15" dur="500" fill="hold"/>
+                                        <p:tgtEl>
+                                          <p:spTgt spid="3"/>
+                                        </p:tgtEl>
+                                        <p:attrNameLst>
+                                          <p:attrName>ppt_x</p:attrName>
+                                        </p:attrNameLst>
+                                      </p:cBhvr>
+                                      <p:tavLst>
+                                        <p:tav tm="0">
+                                          <p:val>
+                                            <p:strVal val="#ppt_x"/>
+                                          </p:val>
+                                        </p:tav>
+                                        <p:tav tm="100000">
+                                          <p:val>
+                                            <p:strVal val="#ppt_x"/>
+                                          </p:val>
+                                        </p:tav>
+                                      </p:tavLst>
+                                    </p:anim>
+                                    <p:anim calcmode="lin" valueType="num">
+                                      <p:cBhvr additive="base">
+                                        <p:cTn id="16" dur="500" fill="hold"/>
+                                        <p:tgtEl>
+                                          <p:spTgt spid="3"/>
+                                        </p:tgtEl>
+                                        <p:attrNameLst>
+                                          <p:attrName>ppt_y</p:attrName>
+                                        </p:attrNameLst>
+                                      </p:cBhvr>
+                                      <p:tavLst>
+                                        <p:tav tm="0">
+                                          <p:val>
+                                            <p:strVal val="1+#ppt_h/2"/>
+                                          </p:val>
+                                        </p:tav>
+                                        <p:tav tm="100000">
+                                          <p:val>
+                                            <p:strVal val="#ppt_y"/>
+                                          </p:val>
+                                        </p:tav>
+                                      </p:tavLst>
+                                    </p:anim>
+                                  </p:childTnLst>
+                                </p:cTn>
+                              </p:par>
+                              <p:par>
+                                <p:cTn id="17" presetID="2" presetClass="entr" presetSubtype="4" fill="hold" nodeType="withEffect">
+                                  <p:stCondLst>
+                                    <p:cond delay="0"/>
+                                  </p:stCondLst>
+                                  <p:childTnLst>
+                                    <p:set>
+                                      <p:cBhvr>
+                                        <p:cTn id="18" dur="1" fill="hold">
+                                          <p:stCondLst>
+                                            <p:cond delay="0"/>
+                                          </p:stCondLst>
+                                        </p:cTn>
+                                        <p:tgtEl>
+                                          <p:spTgt spid="5"/>
+                                        </p:tgtEl>
+                                        <p:attrNameLst>
+                                          <p:attrName>style.visibility</p:attrName>
+                                        </p:attrNameLst>
+                                      </p:cBhvr>
+                                      <p:to>
+                                        <p:strVal val="visible"/>
+                                      </p:to>
+                                    </p:set>
+                                    <p:anim calcmode="lin" valueType="num">
+                                      <p:cBhvr additive="base">
+                                        <p:cTn id="19" dur="500" fill="hold"/>
+                                        <p:tgtEl>
+                                          <p:spTgt spid="5"/>
+                                        </p:tgtEl>
+                                        <p:attrNameLst>
+                                          <p:attrName>ppt_x</p:attrName>
+                                        </p:attrNameLst>
+                                      </p:cBhvr>
+                                      <p:tavLst>
+                                        <p:tav tm="0">
+                                          <p:val>
+                                            <p:strVal val="#ppt_x"/>
+                                          </p:val>
+                                        </p:tav>
+                                        <p:tav tm="100000">
+                                          <p:val>
+                                            <p:strVal val="#ppt_x"/>
+                                          </p:val>
+                                        </p:tav>
+                                      </p:tavLst>
+                                    </p:anim>
+                                    <p:anim calcmode="lin" valueType="num">
+                                      <p:cBhvr additive="base">
+                                        <p:cTn id="20" dur="500" fill="hold"/>
+                                        <p:tgtEl>
+                                          <p:spTgt spid="5"/>
                                         </p:tgtEl>
                                         <p:attrNameLst>
                                           <p:attrName>ppt_y</p:attrName>
@@ -4547,6 +5322,40 @@
 <file path=ppt/slides/slide3.xml><?xml version="1.0" encoding="utf-8"?>
 <p:sld xmlns:a="http://schemas.openxmlformats.org/drawingml/2006/main" xmlns:r="http://schemas.openxmlformats.org/officeDocument/2006/relationships" xmlns:p="http://schemas.openxmlformats.org/presentationml/2006/main">
   <p:cSld>
+    <p:bg>
+      <p:bgPr>
+        <a:gradFill>
+          <a:gsLst>
+            <a:gs pos="0">
+              <a:schemeClr val="accent1">
+                <a:lumMod val="5000"/>
+                <a:lumOff val="95000"/>
+              </a:schemeClr>
+            </a:gs>
+            <a:gs pos="74000">
+              <a:schemeClr val="accent1">
+                <a:lumMod val="45000"/>
+                <a:lumOff val="55000"/>
+              </a:schemeClr>
+            </a:gs>
+            <a:gs pos="83000">
+              <a:schemeClr val="accent1">
+                <a:lumMod val="45000"/>
+                <a:lumOff val="55000"/>
+              </a:schemeClr>
+            </a:gs>
+            <a:gs pos="100000">
+              <a:schemeClr val="accent1">
+                <a:lumMod val="30000"/>
+                <a:lumOff val="70000"/>
+              </a:schemeClr>
+            </a:gs>
+          </a:gsLst>
+          <a:lin ang="5400000" scaled="1"/>
+        </a:gradFill>
+        <a:effectLst/>
+      </p:bgPr>
+    </p:bg>
     <p:spTree>
       <p:nvGrpSpPr>
         <p:cNvPr id="1" name=""/>
@@ -4605,42 +5414,6 @@
       </p:sp>
       <p:pic>
         <p:nvPicPr>
-          <p:cNvPr id="7" name="Image 6">
-            <a:extLst>
-              <a:ext uri="{FF2B5EF4-FFF2-40B4-BE49-F238E27FC236}">
-                <a16:creationId xmlns:a16="http://schemas.microsoft.com/office/drawing/2014/main" id="{466259C0-B4B0-03E0-CB7A-55A39AEB5696}"/>
-              </a:ext>
-            </a:extLst>
-          </p:cNvPr>
-          <p:cNvPicPr>
-            <a:picLocks noChangeAspect="1"/>
-          </p:cNvPicPr>
-          <p:nvPr/>
-        </p:nvPicPr>
-        <p:blipFill>
-          <a:blip r:embed="rId2">
-            <a:extLst>
-              <a:ext uri="{28A0092B-C50C-407E-A947-70E740481C1C}">
-                <a14:useLocalDpi xmlns:a14="http://schemas.microsoft.com/office/drawing/2010/main" val="0"/>
-              </a:ext>
-            </a:extLst>
-          </a:blip>
-          <a:stretch>
-            <a:fillRect/>
-          </a:stretch>
-        </p:blipFill>
-        <p:spPr>
-          <a:xfrm>
-            <a:off x="904460" y="983974"/>
-            <a:ext cx="10714383" cy="4631635"/>
-          </a:xfrm>
-          <a:prstGeom prst="rect">
-            <a:avLst/>
-          </a:prstGeom>
-        </p:spPr>
-      </p:pic>
-      <p:pic>
-        <p:nvPicPr>
           <p:cNvPr id="8" name="Image 7">
             <a:extLst>
               <a:ext uri="{FF2B5EF4-FFF2-40B4-BE49-F238E27FC236}">
@@ -4654,7 +5427,7 @@
           <p:nvPr/>
         </p:nvPicPr>
         <p:blipFill>
-          <a:blip r:embed="rId3"/>
+          <a:blip r:embed="rId2"/>
           <a:stretch>
             <a:fillRect/>
           </a:stretch>
@@ -4748,7 +5521,7 @@
           <a:p>
             <a:r>
               <a:rPr lang="fr-FR" dirty="0">
-                <a:hlinkClick r:id="rId4"/>
+                <a:hlinkClick r:id="rId3"/>
               </a:rPr>
               <a:t>https://trello.com/invite/b/MLSm0Sob/ATTIf2a7f7e0650a7e5cfd775eeecafd4610B9E49FA4/menu-maker-by-qwenta</a:t>
             </a:r>
@@ -4759,6 +5532,36 @@
           </a:p>
         </p:txBody>
       </p:sp>
+      <p:pic>
+        <p:nvPicPr>
+          <p:cNvPr id="9" name="Image 8">
+            <a:extLst>
+              <a:ext uri="{FF2B5EF4-FFF2-40B4-BE49-F238E27FC236}">
+                <a16:creationId xmlns:a16="http://schemas.microsoft.com/office/drawing/2014/main" id="{D7B28414-8225-3A43-1ABC-6805BCB978F4}"/>
+              </a:ext>
+            </a:extLst>
+          </p:cNvPr>
+          <p:cNvPicPr>
+            <a:picLocks noChangeAspect="1"/>
+          </p:cNvPicPr>
+          <p:nvPr/>
+        </p:nvPicPr>
+        <p:blipFill>
+          <a:blip r:embed="rId4"/>
+          <a:stretch>
+            <a:fillRect/>
+          </a:stretch>
+        </p:blipFill>
+        <p:spPr>
+          <a:xfrm>
+            <a:off x="712304" y="880357"/>
+            <a:ext cx="10843591" cy="4924095"/>
+          </a:xfrm>
+          <a:prstGeom prst="rect">
+            <a:avLst/>
+          </a:prstGeom>
+        </p:spPr>
+      </p:pic>
     </p:spTree>
     <p:extLst>
       <p:ext uri="{BB962C8B-B14F-4D97-AF65-F5344CB8AC3E}">
@@ -4790,7 +5593,7 @@
                             </p:stCondLst>
                             <p:childTnLst>
                               <p:par>
-                                <p:cTn id="5" presetID="2" presetClass="entr" presetSubtype="4" fill="hold" nodeType="clickEffect">
+                                <p:cTn id="5" presetID="2" presetClass="entr" presetSubtype="4" fill="hold" grpId="0" nodeType="clickEffect">
                                   <p:stCondLst>
                                     <p:cond delay="0"/>
                                   </p:stCondLst>
@@ -4803,7 +5606,7 @@
                                           </p:stCondLst>
                                         </p:cTn>
                                         <p:tgtEl>
-                                          <p:spTgt spid="7"/>
+                                          <p:spTgt spid="5"/>
                                         </p:tgtEl>
                                         <p:attrNameLst>
                                           <p:attrName>style.visibility</p:attrName>
@@ -4817,7 +5620,7 @@
                                       <p:cBhvr additive="base">
                                         <p:cTn id="7" dur="500" fill="hold"/>
                                         <p:tgtEl>
-                                          <p:spTgt spid="7"/>
+                                          <p:spTgt spid="5"/>
                                         </p:tgtEl>
                                         <p:attrNameLst>
                                           <p:attrName>ppt_x</p:attrName>
@@ -4840,7 +5643,299 @@
                                       <p:cBhvr additive="base">
                                         <p:cTn id="8" dur="500" fill="hold"/>
                                         <p:tgtEl>
-                                          <p:spTgt spid="7"/>
+                                          <p:spTgt spid="5"/>
+                                        </p:tgtEl>
+                                        <p:attrNameLst>
+                                          <p:attrName>ppt_y</p:attrName>
+                                        </p:attrNameLst>
+                                      </p:cBhvr>
+                                      <p:tavLst>
+                                        <p:tav tm="0">
+                                          <p:val>
+                                            <p:strVal val="1+#ppt_h/2"/>
+                                          </p:val>
+                                        </p:tav>
+                                        <p:tav tm="100000">
+                                          <p:val>
+                                            <p:strVal val="#ppt_y"/>
+                                          </p:val>
+                                        </p:tav>
+                                      </p:tavLst>
+                                    </p:anim>
+                                  </p:childTnLst>
+                                </p:cTn>
+                              </p:par>
+                              <p:par>
+                                <p:cTn id="9" presetID="2" presetClass="entr" presetSubtype="4" fill="hold" nodeType="withEffect">
+                                  <p:stCondLst>
+                                    <p:cond delay="0"/>
+                                  </p:stCondLst>
+                                  <p:childTnLst>
+                                    <p:set>
+                                      <p:cBhvr>
+                                        <p:cTn id="10" dur="1" fill="hold">
+                                          <p:stCondLst>
+                                            <p:cond delay="0"/>
+                                          </p:stCondLst>
+                                        </p:cTn>
+                                        <p:tgtEl>
+                                          <p:spTgt spid="8"/>
+                                        </p:tgtEl>
+                                        <p:attrNameLst>
+                                          <p:attrName>style.visibility</p:attrName>
+                                        </p:attrNameLst>
+                                      </p:cBhvr>
+                                      <p:to>
+                                        <p:strVal val="visible"/>
+                                      </p:to>
+                                    </p:set>
+                                    <p:anim calcmode="lin" valueType="num">
+                                      <p:cBhvr additive="base">
+                                        <p:cTn id="11" dur="500" fill="hold"/>
+                                        <p:tgtEl>
+                                          <p:spTgt spid="8"/>
+                                        </p:tgtEl>
+                                        <p:attrNameLst>
+                                          <p:attrName>ppt_x</p:attrName>
+                                        </p:attrNameLst>
+                                      </p:cBhvr>
+                                      <p:tavLst>
+                                        <p:tav tm="0">
+                                          <p:val>
+                                            <p:strVal val="#ppt_x"/>
+                                          </p:val>
+                                        </p:tav>
+                                        <p:tav tm="100000">
+                                          <p:val>
+                                            <p:strVal val="#ppt_x"/>
+                                          </p:val>
+                                        </p:tav>
+                                      </p:tavLst>
+                                    </p:anim>
+                                    <p:anim calcmode="lin" valueType="num">
+                                      <p:cBhvr additive="base">
+                                        <p:cTn id="12" dur="500" fill="hold"/>
+                                        <p:tgtEl>
+                                          <p:spTgt spid="8"/>
+                                        </p:tgtEl>
+                                        <p:attrNameLst>
+                                          <p:attrName>ppt_y</p:attrName>
+                                        </p:attrNameLst>
+                                      </p:cBhvr>
+                                      <p:tavLst>
+                                        <p:tav tm="0">
+                                          <p:val>
+                                            <p:strVal val="1+#ppt_h/2"/>
+                                          </p:val>
+                                        </p:tav>
+                                        <p:tav tm="100000">
+                                          <p:val>
+                                            <p:strVal val="#ppt_y"/>
+                                          </p:val>
+                                        </p:tav>
+                                      </p:tavLst>
+                                    </p:anim>
+                                  </p:childTnLst>
+                                </p:cTn>
+                              </p:par>
+                              <p:par>
+                                <p:cTn id="13" presetID="2" presetClass="entr" presetSubtype="4" fill="hold" grpId="0" nodeType="withEffect">
+                                  <p:stCondLst>
+                                    <p:cond delay="0"/>
+                                  </p:stCondLst>
+                                  <p:childTnLst>
+                                    <p:set>
+                                      <p:cBhvr>
+                                        <p:cTn id="14" dur="1" fill="hold">
+                                          <p:stCondLst>
+                                            <p:cond delay="0"/>
+                                          </p:stCondLst>
+                                        </p:cTn>
+                                        <p:tgtEl>
+                                          <p:spTgt spid="2"/>
+                                        </p:tgtEl>
+                                        <p:attrNameLst>
+                                          <p:attrName>style.visibility</p:attrName>
+                                        </p:attrNameLst>
+                                      </p:cBhvr>
+                                      <p:to>
+                                        <p:strVal val="visible"/>
+                                      </p:to>
+                                    </p:set>
+                                    <p:anim calcmode="lin" valueType="num">
+                                      <p:cBhvr additive="base">
+                                        <p:cTn id="15" dur="500" fill="hold"/>
+                                        <p:tgtEl>
+                                          <p:spTgt spid="2"/>
+                                        </p:tgtEl>
+                                        <p:attrNameLst>
+                                          <p:attrName>ppt_x</p:attrName>
+                                        </p:attrNameLst>
+                                      </p:cBhvr>
+                                      <p:tavLst>
+                                        <p:tav tm="0">
+                                          <p:val>
+                                            <p:strVal val="#ppt_x"/>
+                                          </p:val>
+                                        </p:tav>
+                                        <p:tav tm="100000">
+                                          <p:val>
+                                            <p:strVal val="#ppt_x"/>
+                                          </p:val>
+                                        </p:tav>
+                                      </p:tavLst>
+                                    </p:anim>
+                                    <p:anim calcmode="lin" valueType="num">
+                                      <p:cBhvr additive="base">
+                                        <p:cTn id="16" dur="500" fill="hold"/>
+                                        <p:tgtEl>
+                                          <p:spTgt spid="2"/>
+                                        </p:tgtEl>
+                                        <p:attrNameLst>
+                                          <p:attrName>ppt_y</p:attrName>
+                                        </p:attrNameLst>
+                                      </p:cBhvr>
+                                      <p:tavLst>
+                                        <p:tav tm="0">
+                                          <p:val>
+                                            <p:strVal val="1+#ppt_h/2"/>
+                                          </p:val>
+                                        </p:tav>
+                                        <p:tav tm="100000">
+                                          <p:val>
+                                            <p:strVal val="#ppt_y"/>
+                                          </p:val>
+                                        </p:tav>
+                                      </p:tavLst>
+                                    </p:anim>
+                                  </p:childTnLst>
+                                </p:cTn>
+                              </p:par>
+                              <p:par>
+                                <p:cTn id="17" presetID="2" presetClass="entr" presetSubtype="4" fill="hold" grpId="0" nodeType="withEffect">
+                                  <p:stCondLst>
+                                    <p:cond delay="0"/>
+                                  </p:stCondLst>
+                                  <p:childTnLst>
+                                    <p:set>
+                                      <p:cBhvr>
+                                        <p:cTn id="18" dur="1" fill="hold">
+                                          <p:stCondLst>
+                                            <p:cond delay="0"/>
+                                          </p:stCondLst>
+                                        </p:cTn>
+                                        <p:tgtEl>
+                                          <p:spTgt spid="4"/>
+                                        </p:tgtEl>
+                                        <p:attrNameLst>
+                                          <p:attrName>style.visibility</p:attrName>
+                                        </p:attrNameLst>
+                                      </p:cBhvr>
+                                      <p:to>
+                                        <p:strVal val="visible"/>
+                                      </p:to>
+                                    </p:set>
+                                    <p:anim calcmode="lin" valueType="num">
+                                      <p:cBhvr additive="base">
+                                        <p:cTn id="19" dur="500" fill="hold"/>
+                                        <p:tgtEl>
+                                          <p:spTgt spid="4"/>
+                                        </p:tgtEl>
+                                        <p:attrNameLst>
+                                          <p:attrName>ppt_x</p:attrName>
+                                        </p:attrNameLst>
+                                      </p:cBhvr>
+                                      <p:tavLst>
+                                        <p:tav tm="0">
+                                          <p:val>
+                                            <p:strVal val="#ppt_x"/>
+                                          </p:val>
+                                        </p:tav>
+                                        <p:tav tm="100000">
+                                          <p:val>
+                                            <p:strVal val="#ppt_x"/>
+                                          </p:val>
+                                        </p:tav>
+                                      </p:tavLst>
+                                    </p:anim>
+                                    <p:anim calcmode="lin" valueType="num">
+                                      <p:cBhvr additive="base">
+                                        <p:cTn id="20" dur="500" fill="hold"/>
+                                        <p:tgtEl>
+                                          <p:spTgt spid="4"/>
+                                        </p:tgtEl>
+                                        <p:attrNameLst>
+                                          <p:attrName>ppt_y</p:attrName>
+                                        </p:attrNameLst>
+                                      </p:cBhvr>
+                                      <p:tavLst>
+                                        <p:tav tm="0">
+                                          <p:val>
+                                            <p:strVal val="1+#ppt_h/2"/>
+                                          </p:val>
+                                        </p:tav>
+                                        <p:tav tm="100000">
+                                          <p:val>
+                                            <p:strVal val="#ppt_y"/>
+                                          </p:val>
+                                        </p:tav>
+                                      </p:tavLst>
+                                    </p:anim>
+                                  </p:childTnLst>
+                                </p:cTn>
+                              </p:par>
+                              <p:par>
+                                <p:cTn id="21" presetID="2" presetClass="entr" presetSubtype="4" fill="hold" nodeType="withEffect">
+                                  <p:stCondLst>
+                                    <p:cond delay="0"/>
+                                  </p:stCondLst>
+                                  <p:childTnLst>
+                                    <p:set>
+                                      <p:cBhvr>
+                                        <p:cTn id="22" dur="1" fill="hold">
+                                          <p:stCondLst>
+                                            <p:cond delay="0"/>
+                                          </p:stCondLst>
+                                        </p:cTn>
+                                        <p:tgtEl>
+                                          <p:spTgt spid="9"/>
+                                        </p:tgtEl>
+                                        <p:attrNameLst>
+                                          <p:attrName>style.visibility</p:attrName>
+                                        </p:attrNameLst>
+                                      </p:cBhvr>
+                                      <p:to>
+                                        <p:strVal val="visible"/>
+                                      </p:to>
+                                    </p:set>
+                                    <p:anim calcmode="lin" valueType="num">
+                                      <p:cBhvr additive="base">
+                                        <p:cTn id="23" dur="500" fill="hold"/>
+                                        <p:tgtEl>
+                                          <p:spTgt spid="9"/>
+                                        </p:tgtEl>
+                                        <p:attrNameLst>
+                                          <p:attrName>ppt_x</p:attrName>
+                                        </p:attrNameLst>
+                                      </p:cBhvr>
+                                      <p:tavLst>
+                                        <p:tav tm="0">
+                                          <p:val>
+                                            <p:strVal val="#ppt_x"/>
+                                          </p:val>
+                                        </p:tav>
+                                        <p:tav tm="100000">
+                                          <p:val>
+                                            <p:strVal val="#ppt_x"/>
+                                          </p:val>
+                                        </p:tav>
+                                      </p:tavLst>
+                                    </p:anim>
+                                    <p:anim calcmode="lin" valueType="num">
+                                      <p:cBhvr additive="base">
+                                        <p:cTn id="24" dur="500" fill="hold"/>
+                                        <p:tgtEl>
+                                          <p:spTgt spid="9"/>
                                         </p:tgtEl>
                                         <p:attrNameLst>
                                           <p:attrName>ppt_y</p:attrName>
@@ -4889,6 +5984,11 @@
         </p:cTn>
       </p:par>
     </p:tnLst>
+    <p:bldLst>
+      <p:bldP spid="5" grpId="0"/>
+      <p:bldP spid="2" grpId="0"/>
+      <p:bldP spid="4" grpId="0"/>
+    </p:bldLst>
   </p:timing>
 </p:sld>
 </file>
@@ -4896,6 +5996,40 @@
 <file path=ppt/slides/slide4.xml><?xml version="1.0" encoding="utf-8"?>
 <p:sld xmlns:a="http://schemas.openxmlformats.org/drawingml/2006/main" xmlns:r="http://schemas.openxmlformats.org/officeDocument/2006/relationships" xmlns:p="http://schemas.openxmlformats.org/presentationml/2006/main">
   <p:cSld>
+    <p:bg>
+      <p:bgPr>
+        <a:gradFill>
+          <a:gsLst>
+            <a:gs pos="0">
+              <a:schemeClr val="accent1">
+                <a:lumMod val="5000"/>
+                <a:lumOff val="95000"/>
+              </a:schemeClr>
+            </a:gs>
+            <a:gs pos="74000">
+              <a:schemeClr val="accent1">
+                <a:lumMod val="45000"/>
+                <a:lumOff val="55000"/>
+              </a:schemeClr>
+            </a:gs>
+            <a:gs pos="83000">
+              <a:schemeClr val="accent1">
+                <a:lumMod val="45000"/>
+                <a:lumOff val="55000"/>
+              </a:schemeClr>
+            </a:gs>
+            <a:gs pos="100000">
+              <a:schemeClr val="accent1">
+                <a:lumMod val="30000"/>
+                <a:lumOff val="70000"/>
+              </a:schemeClr>
+            </a:gs>
+          </a:gsLst>
+          <a:lin ang="5400000" scaled="1"/>
+        </a:gradFill>
+        <a:effectLst/>
+      </p:bgPr>
+    </p:bg>
     <p:spTree>
       <p:nvGrpSpPr>
         <p:cNvPr id="1" name=""/>
@@ -4966,7 +6100,7 @@
         <p:spPr>
           <a:xfrm>
             <a:off x="838200" y="1391478"/>
-            <a:ext cx="10515600" cy="5009322"/>
+            <a:ext cx="10515600" cy="5466522"/>
           </a:xfrm>
         </p:spPr>
         <p:txBody>
@@ -4984,14 +6118,6 @@
               </a:rPr>
               <a:t>3 Listes qui représentent chacune une étape clé du processus et permettent de suivre et visualiser l’évolution des taches:</a:t>
             </a:r>
-          </a:p>
-          <a:p>
-            <a:pPr marL="0" indent="0">
-              <a:buNone/>
-            </a:pPr>
-            <a:endParaRPr lang="fr-FR" sz="2000" b="1" dirty="0">
-              <a:latin typeface="+mj-lt"/>
-            </a:endParaRPr>
           </a:p>
           <a:p>
             <a:pPr marL="0" indent="0">
@@ -5011,8 +6137,85 @@
             </a:r>
             <a:r>
               <a:rPr lang="fr-FR" sz="2000" dirty="0"/>
-              <a:t>Les taches en cours           Terminé: Les taches</a:t>
+              <a:t>Les taches en cours           </a:t>
             </a:r>
+            <a:r>
+              <a:rPr lang="fr-FR" sz="2000" b="1" dirty="0"/>
+              <a:t>Terminé: </a:t>
+            </a:r>
+            <a:r>
+              <a:rPr lang="fr-FR" sz="2000" dirty="0"/>
+              <a:t>Les taches</a:t>
+            </a:r>
+          </a:p>
+          <a:p>
+            <a:pPr marL="0" indent="0">
+              <a:buNone/>
+            </a:pPr>
+            <a:endParaRPr lang="fr-FR" sz="2000" dirty="0"/>
+          </a:p>
+          <a:p>
+            <a:pPr marL="0" indent="0">
+              <a:buNone/>
+            </a:pPr>
+            <a:endParaRPr lang="fr-FR" sz="2000" dirty="0"/>
+          </a:p>
+          <a:p>
+            <a:pPr marL="0" indent="0">
+              <a:buNone/>
+            </a:pPr>
+            <a:endParaRPr lang="fr-FR" sz="2000" dirty="0"/>
+          </a:p>
+          <a:p>
+            <a:pPr marL="0" indent="0">
+              <a:buNone/>
+            </a:pPr>
+            <a:endParaRPr lang="fr-FR" sz="2000" dirty="0"/>
+          </a:p>
+          <a:p>
+            <a:pPr marL="0" indent="0">
+              <a:buNone/>
+            </a:pPr>
+            <a:endParaRPr lang="fr-FR" sz="2000" dirty="0"/>
+          </a:p>
+          <a:p>
+            <a:pPr marL="0" indent="0">
+              <a:buNone/>
+            </a:pPr>
+            <a:endParaRPr lang="fr-FR" sz="2000" dirty="0"/>
+          </a:p>
+          <a:p>
+            <a:pPr marL="0" indent="0">
+              <a:buNone/>
+            </a:pPr>
+            <a:endParaRPr lang="fr-FR" sz="2000" dirty="0"/>
+          </a:p>
+          <a:p>
+            <a:pPr marL="0" indent="0">
+              <a:buNone/>
+            </a:pPr>
+            <a:r>
+              <a:rPr lang="fr-FR" sz="2000" b="1" dirty="0"/>
+              <a:t>En cours </a:t>
+            </a:r>
+            <a:r>
+              <a:rPr lang="fr-FR" sz="2000" dirty="0"/>
+              <a:t>: les taches en cours                          </a:t>
+            </a:r>
+            <a:r>
+              <a:rPr lang="fr-FR" sz="2000" b="1" dirty="0"/>
+              <a:t> A Tester: </a:t>
+            </a:r>
+            <a:r>
+              <a:rPr lang="fr-FR" sz="2000" dirty="0"/>
+              <a:t>Contrôle de la tâche et détection des erreurs</a:t>
+            </a:r>
+          </a:p>
+          <a:p>
+            <a:pPr marL="0" indent="0">
+              <a:buNone/>
+            </a:pPr>
+            <a:endParaRPr lang="fr-FR" sz="2000" b="1" dirty="0"/>
           </a:p>
           <a:p>
             <a:pPr marL="0" indent="0">
@@ -5020,7 +6223,7 @@
             </a:pPr>
             <a:r>
               <a:rPr lang="fr-FR" sz="2000" dirty="0"/>
-              <a:t>                                                                    de réalisation                                        terminés   </a:t>
+              <a:t> de réalisation </a:t>
             </a:r>
             <a:endParaRPr lang="fr-FR" sz="2000" b="1" dirty="0"/>
           </a:p>
@@ -5078,38 +6281,8 @@
         </p:blipFill>
         <p:spPr>
           <a:xfrm>
-            <a:off x="895985" y="2961640"/>
-            <a:ext cx="2891790" cy="3531235"/>
-          </a:xfrm>
-          <a:prstGeom prst="rect">
-            <a:avLst/>
-          </a:prstGeom>
-        </p:spPr>
-      </p:pic>
-      <p:pic>
-        <p:nvPicPr>
-          <p:cNvPr id="10" name="Image 9">
-            <a:extLst>
-              <a:ext uri="{FF2B5EF4-FFF2-40B4-BE49-F238E27FC236}">
-                <a16:creationId xmlns:a16="http://schemas.microsoft.com/office/drawing/2014/main" id="{EA9D079F-84AC-9F84-43B3-D36E52B53584}"/>
-              </a:ext>
-            </a:extLst>
-          </p:cNvPr>
-          <p:cNvPicPr>
-            <a:picLocks noChangeAspect="1"/>
-          </p:cNvPicPr>
-          <p:nvPr/>
-        </p:nvPicPr>
-        <p:blipFill>
-          <a:blip r:embed="rId4"/>
-          <a:stretch>
-            <a:fillRect/>
-          </a:stretch>
-        </p:blipFill>
-        <p:spPr>
-          <a:xfrm>
-            <a:off x="4795520" y="3732291"/>
-            <a:ext cx="3007360" cy="2079229"/>
+            <a:off x="895985" y="2464685"/>
+            <a:ext cx="2671763" cy="2485001"/>
           </a:xfrm>
           <a:prstGeom prst="rect">
             <a:avLst/>
@@ -5131,15 +6304,15 @@
           <p:nvPr/>
         </p:nvPicPr>
         <p:blipFill>
-          <a:blip r:embed="rId5"/>
+          <a:blip r:embed="rId4"/>
           <a:stretch>
             <a:fillRect/>
           </a:stretch>
         </p:blipFill>
         <p:spPr>
           <a:xfrm>
-            <a:off x="8449944" y="3276284"/>
-            <a:ext cx="2780666" cy="3216592"/>
+            <a:off x="8488016" y="2461273"/>
+            <a:ext cx="2671763" cy="2408901"/>
           </a:xfrm>
           <a:prstGeom prst="rect">
             <a:avLst/>
@@ -5335,6 +6508,102 @@
           </a:fontRef>
         </p:style>
       </p:cxnSp>
+      <p:pic>
+        <p:nvPicPr>
+          <p:cNvPr id="5" name="Image 4">
+            <a:extLst>
+              <a:ext uri="{FF2B5EF4-FFF2-40B4-BE49-F238E27FC236}">
+                <a16:creationId xmlns:a16="http://schemas.microsoft.com/office/drawing/2014/main" id="{1435090E-1E99-B83D-4CDB-93324C1E8859}"/>
+              </a:ext>
+            </a:extLst>
+          </p:cNvPr>
+          <p:cNvPicPr>
+            <a:picLocks noChangeAspect="1"/>
+          </p:cNvPicPr>
+          <p:nvPr/>
+        </p:nvPicPr>
+        <p:blipFill>
+          <a:blip r:embed="rId5"/>
+          <a:stretch>
+            <a:fillRect/>
+          </a:stretch>
+        </p:blipFill>
+        <p:spPr>
+          <a:xfrm>
+            <a:off x="946424" y="5727564"/>
+            <a:ext cx="3633788" cy="790528"/>
+          </a:xfrm>
+          <a:prstGeom prst="rect">
+            <a:avLst/>
+          </a:prstGeom>
+        </p:spPr>
+      </p:pic>
+      <p:pic>
+        <p:nvPicPr>
+          <p:cNvPr id="6" name="Image 5">
+            <a:extLst>
+              <a:ext uri="{FF2B5EF4-FFF2-40B4-BE49-F238E27FC236}">
+                <a16:creationId xmlns:a16="http://schemas.microsoft.com/office/drawing/2014/main" id="{0077F77D-1102-339C-64C9-049E75C466A4}"/>
+              </a:ext>
+            </a:extLst>
+          </p:cNvPr>
+          <p:cNvPicPr>
+            <a:picLocks noChangeAspect="1"/>
+          </p:cNvPicPr>
+          <p:nvPr/>
+        </p:nvPicPr>
+        <p:blipFill>
+          <a:blip r:embed="rId6"/>
+          <a:stretch>
+            <a:fillRect/>
+          </a:stretch>
+        </p:blipFill>
+        <p:spPr>
+          <a:xfrm>
+            <a:off x="6422542" y="5693631"/>
+            <a:ext cx="3819525" cy="878200"/>
+          </a:xfrm>
+          <a:prstGeom prst="rect">
+            <a:avLst/>
+          </a:prstGeom>
+        </p:spPr>
+      </p:pic>
+      <p:pic>
+        <p:nvPicPr>
+          <p:cNvPr id="9" name="Image 8">
+            <a:extLst>
+              <a:ext uri="{FF2B5EF4-FFF2-40B4-BE49-F238E27FC236}">
+                <a16:creationId xmlns:a16="http://schemas.microsoft.com/office/drawing/2014/main" id="{D4DB18D7-4305-0B54-E958-3E1F7EBB5E06}"/>
+              </a:ext>
+            </a:extLst>
+          </p:cNvPr>
+          <p:cNvPicPr>
+            <a:picLocks noChangeAspect="1"/>
+          </p:cNvPicPr>
+          <p:nvPr/>
+        </p:nvPicPr>
+        <p:blipFill>
+          <a:blip r:embed="rId7">
+            <a:extLst>
+              <a:ext uri="{28A0092B-C50C-407E-A947-70E740481C1C}">
+                <a14:useLocalDpi xmlns:a14="http://schemas.microsoft.com/office/drawing/2010/main" val="0"/>
+              </a:ext>
+            </a:extLst>
+          </a:blip>
+          <a:stretch>
+            <a:fillRect/>
+          </a:stretch>
+        </p:blipFill>
+        <p:spPr>
+          <a:xfrm>
+            <a:off x="4835459" y="2600282"/>
+            <a:ext cx="3016453" cy="1657435"/>
+          </a:xfrm>
+          <a:prstGeom prst="rect">
+            <a:avLst/>
+          </a:prstGeom>
+        </p:spPr>
+      </p:pic>
     </p:spTree>
     <p:extLst>
       <p:ext uri="{BB962C8B-B14F-4D97-AF65-F5344CB8AC3E}">
@@ -5345,12 +6614,1370 @@
   <p:clrMapOvr>
     <a:masterClrMapping/>
   </p:clrMapOvr>
+  <p:timing>
+    <p:tnLst>
+      <p:par>
+        <p:cTn id="1" dur="indefinite" restart="never" nodeType="tmRoot">
+          <p:childTnLst>
+            <p:seq concurrent="1" nextAc="seek">
+              <p:cTn id="2" dur="indefinite" nodeType="mainSeq">
+                <p:childTnLst>
+                  <p:par>
+                    <p:cTn id="3" fill="hold">
+                      <p:stCondLst>
+                        <p:cond delay="indefinite"/>
+                      </p:stCondLst>
+                      <p:childTnLst>
+                        <p:par>
+                          <p:cTn id="4" fill="hold">
+                            <p:stCondLst>
+                              <p:cond delay="0"/>
+                            </p:stCondLst>
+                            <p:childTnLst>
+                              <p:par>
+                                <p:cTn id="5" presetID="2" presetClass="entr" presetSubtype="4" fill="hold" grpId="0" nodeType="clickEffect">
+                                  <p:stCondLst>
+                                    <p:cond delay="0"/>
+                                  </p:stCondLst>
+                                  <p:childTnLst>
+                                    <p:set>
+                                      <p:cBhvr>
+                                        <p:cTn id="6" dur="1" fill="hold">
+                                          <p:stCondLst>
+                                            <p:cond delay="0"/>
+                                          </p:stCondLst>
+                                        </p:cTn>
+                                        <p:tgtEl>
+                                          <p:spTgt spid="2"/>
+                                        </p:tgtEl>
+                                        <p:attrNameLst>
+                                          <p:attrName>style.visibility</p:attrName>
+                                        </p:attrNameLst>
+                                      </p:cBhvr>
+                                      <p:to>
+                                        <p:strVal val="visible"/>
+                                      </p:to>
+                                    </p:set>
+                                    <p:anim calcmode="lin" valueType="num">
+                                      <p:cBhvr additive="base">
+                                        <p:cTn id="7" dur="500" fill="hold"/>
+                                        <p:tgtEl>
+                                          <p:spTgt spid="2"/>
+                                        </p:tgtEl>
+                                        <p:attrNameLst>
+                                          <p:attrName>ppt_x</p:attrName>
+                                        </p:attrNameLst>
+                                      </p:cBhvr>
+                                      <p:tavLst>
+                                        <p:tav tm="0">
+                                          <p:val>
+                                            <p:strVal val="#ppt_x"/>
+                                          </p:val>
+                                        </p:tav>
+                                        <p:tav tm="100000">
+                                          <p:val>
+                                            <p:strVal val="#ppt_x"/>
+                                          </p:val>
+                                        </p:tav>
+                                      </p:tavLst>
+                                    </p:anim>
+                                    <p:anim calcmode="lin" valueType="num">
+                                      <p:cBhvr additive="base">
+                                        <p:cTn id="8" dur="500" fill="hold"/>
+                                        <p:tgtEl>
+                                          <p:spTgt spid="2"/>
+                                        </p:tgtEl>
+                                        <p:attrNameLst>
+                                          <p:attrName>ppt_y</p:attrName>
+                                        </p:attrNameLst>
+                                      </p:cBhvr>
+                                      <p:tavLst>
+                                        <p:tav tm="0">
+                                          <p:val>
+                                            <p:strVal val="1+#ppt_h/2"/>
+                                          </p:val>
+                                        </p:tav>
+                                        <p:tav tm="100000">
+                                          <p:val>
+                                            <p:strVal val="#ppt_y"/>
+                                          </p:val>
+                                        </p:tav>
+                                      </p:tavLst>
+                                    </p:anim>
+                                  </p:childTnLst>
+                                </p:cTn>
+                              </p:par>
+                              <p:par>
+                                <p:cTn id="9" presetID="2" presetClass="entr" presetSubtype="4" fill="hold" grpId="0" nodeType="withEffect">
+                                  <p:stCondLst>
+                                    <p:cond delay="0"/>
+                                  </p:stCondLst>
+                                  <p:childTnLst>
+                                    <p:set>
+                                      <p:cBhvr>
+                                        <p:cTn id="10" dur="1" fill="hold">
+                                          <p:stCondLst>
+                                            <p:cond delay="0"/>
+                                          </p:stCondLst>
+                                        </p:cTn>
+                                        <p:tgtEl>
+                                          <p:spTgt spid="3">
+                                            <p:txEl>
+                                              <p:pRg st="0" end="0"/>
+                                            </p:txEl>
+                                          </p:spTgt>
+                                        </p:tgtEl>
+                                        <p:attrNameLst>
+                                          <p:attrName>style.visibility</p:attrName>
+                                        </p:attrNameLst>
+                                      </p:cBhvr>
+                                      <p:to>
+                                        <p:strVal val="visible"/>
+                                      </p:to>
+                                    </p:set>
+                                    <p:anim calcmode="lin" valueType="num">
+                                      <p:cBhvr additive="base">
+                                        <p:cTn id="11" dur="500" fill="hold"/>
+                                        <p:tgtEl>
+                                          <p:spTgt spid="3">
+                                            <p:txEl>
+                                              <p:pRg st="0" end="0"/>
+                                            </p:txEl>
+                                          </p:spTgt>
+                                        </p:tgtEl>
+                                        <p:attrNameLst>
+                                          <p:attrName>ppt_x</p:attrName>
+                                        </p:attrNameLst>
+                                      </p:cBhvr>
+                                      <p:tavLst>
+                                        <p:tav tm="0">
+                                          <p:val>
+                                            <p:strVal val="#ppt_x"/>
+                                          </p:val>
+                                        </p:tav>
+                                        <p:tav tm="100000">
+                                          <p:val>
+                                            <p:strVal val="#ppt_x"/>
+                                          </p:val>
+                                        </p:tav>
+                                      </p:tavLst>
+                                    </p:anim>
+                                    <p:anim calcmode="lin" valueType="num">
+                                      <p:cBhvr additive="base">
+                                        <p:cTn id="12" dur="500" fill="hold"/>
+                                        <p:tgtEl>
+                                          <p:spTgt spid="3">
+                                            <p:txEl>
+                                              <p:pRg st="0" end="0"/>
+                                            </p:txEl>
+                                          </p:spTgt>
+                                        </p:tgtEl>
+                                        <p:attrNameLst>
+                                          <p:attrName>ppt_y</p:attrName>
+                                        </p:attrNameLst>
+                                      </p:cBhvr>
+                                      <p:tavLst>
+                                        <p:tav tm="0">
+                                          <p:val>
+                                            <p:strVal val="1+#ppt_h/2"/>
+                                          </p:val>
+                                        </p:tav>
+                                        <p:tav tm="100000">
+                                          <p:val>
+                                            <p:strVal val="#ppt_y"/>
+                                          </p:val>
+                                        </p:tav>
+                                      </p:tavLst>
+                                    </p:anim>
+                                  </p:childTnLst>
+                                </p:cTn>
+                              </p:par>
+                            </p:childTnLst>
+                          </p:cTn>
+                        </p:par>
+                      </p:childTnLst>
+                    </p:cTn>
+                  </p:par>
+                  <p:par>
+                    <p:cTn id="13" fill="hold">
+                      <p:stCondLst>
+                        <p:cond delay="indefinite"/>
+                      </p:stCondLst>
+                      <p:childTnLst>
+                        <p:par>
+                          <p:cTn id="14" fill="hold">
+                            <p:stCondLst>
+                              <p:cond delay="0"/>
+                            </p:stCondLst>
+                            <p:childTnLst>
+                              <p:par>
+                                <p:cTn id="15" presetID="2" presetClass="entr" presetSubtype="4" fill="hold" grpId="0" nodeType="clickEffect">
+                                  <p:stCondLst>
+                                    <p:cond delay="0"/>
+                                  </p:stCondLst>
+                                  <p:childTnLst>
+                                    <p:set>
+                                      <p:cBhvr>
+                                        <p:cTn id="16" dur="1" fill="hold">
+                                          <p:stCondLst>
+                                            <p:cond delay="0"/>
+                                          </p:stCondLst>
+                                        </p:cTn>
+                                        <p:tgtEl>
+                                          <p:spTgt spid="3">
+                                            <p:txEl>
+                                              <p:pRg st="1" end="1"/>
+                                            </p:txEl>
+                                          </p:spTgt>
+                                        </p:tgtEl>
+                                        <p:attrNameLst>
+                                          <p:attrName>style.visibility</p:attrName>
+                                        </p:attrNameLst>
+                                      </p:cBhvr>
+                                      <p:to>
+                                        <p:strVal val="visible"/>
+                                      </p:to>
+                                    </p:set>
+                                    <p:anim calcmode="lin" valueType="num">
+                                      <p:cBhvr additive="base">
+                                        <p:cTn id="17" dur="500" fill="hold"/>
+                                        <p:tgtEl>
+                                          <p:spTgt spid="3">
+                                            <p:txEl>
+                                              <p:pRg st="1" end="1"/>
+                                            </p:txEl>
+                                          </p:spTgt>
+                                        </p:tgtEl>
+                                        <p:attrNameLst>
+                                          <p:attrName>ppt_x</p:attrName>
+                                        </p:attrNameLst>
+                                      </p:cBhvr>
+                                      <p:tavLst>
+                                        <p:tav tm="0">
+                                          <p:val>
+                                            <p:strVal val="#ppt_x"/>
+                                          </p:val>
+                                        </p:tav>
+                                        <p:tav tm="100000">
+                                          <p:val>
+                                            <p:strVal val="#ppt_x"/>
+                                          </p:val>
+                                        </p:tav>
+                                      </p:tavLst>
+                                    </p:anim>
+                                    <p:anim calcmode="lin" valueType="num">
+                                      <p:cBhvr additive="base">
+                                        <p:cTn id="18" dur="500" fill="hold"/>
+                                        <p:tgtEl>
+                                          <p:spTgt spid="3">
+                                            <p:txEl>
+                                              <p:pRg st="1" end="1"/>
+                                            </p:txEl>
+                                          </p:spTgt>
+                                        </p:tgtEl>
+                                        <p:attrNameLst>
+                                          <p:attrName>ppt_y</p:attrName>
+                                        </p:attrNameLst>
+                                      </p:cBhvr>
+                                      <p:tavLst>
+                                        <p:tav tm="0">
+                                          <p:val>
+                                            <p:strVal val="1+#ppt_h/2"/>
+                                          </p:val>
+                                        </p:tav>
+                                        <p:tav tm="100000">
+                                          <p:val>
+                                            <p:strVal val="#ppt_y"/>
+                                          </p:val>
+                                        </p:tav>
+                                      </p:tavLst>
+                                    </p:anim>
+                                  </p:childTnLst>
+                                </p:cTn>
+                              </p:par>
+                            </p:childTnLst>
+                          </p:cTn>
+                        </p:par>
+                      </p:childTnLst>
+                    </p:cTn>
+                  </p:par>
+                  <p:par>
+                    <p:cTn id="19" fill="hold">
+                      <p:stCondLst>
+                        <p:cond delay="indefinite"/>
+                      </p:stCondLst>
+                      <p:childTnLst>
+                        <p:par>
+                          <p:cTn id="20" fill="hold">
+                            <p:stCondLst>
+                              <p:cond delay="0"/>
+                            </p:stCondLst>
+                            <p:childTnLst>
+                              <p:par>
+                                <p:cTn id="21" presetID="2" presetClass="entr" presetSubtype="4" fill="hold" grpId="0" nodeType="clickEffect">
+                                  <p:stCondLst>
+                                    <p:cond delay="0"/>
+                                  </p:stCondLst>
+                                  <p:childTnLst>
+                                    <p:set>
+                                      <p:cBhvr>
+                                        <p:cTn id="22" dur="1" fill="hold">
+                                          <p:stCondLst>
+                                            <p:cond delay="0"/>
+                                          </p:stCondLst>
+                                        </p:cTn>
+                                        <p:tgtEl>
+                                          <p:spTgt spid="3">
+                                            <p:txEl>
+                                              <p:pRg st="9" end="9"/>
+                                            </p:txEl>
+                                          </p:spTgt>
+                                        </p:tgtEl>
+                                        <p:attrNameLst>
+                                          <p:attrName>style.visibility</p:attrName>
+                                        </p:attrNameLst>
+                                      </p:cBhvr>
+                                      <p:to>
+                                        <p:strVal val="visible"/>
+                                      </p:to>
+                                    </p:set>
+                                    <p:anim calcmode="lin" valueType="num">
+                                      <p:cBhvr additive="base">
+                                        <p:cTn id="23" dur="500" fill="hold"/>
+                                        <p:tgtEl>
+                                          <p:spTgt spid="3">
+                                            <p:txEl>
+                                              <p:pRg st="9" end="9"/>
+                                            </p:txEl>
+                                          </p:spTgt>
+                                        </p:tgtEl>
+                                        <p:attrNameLst>
+                                          <p:attrName>ppt_x</p:attrName>
+                                        </p:attrNameLst>
+                                      </p:cBhvr>
+                                      <p:tavLst>
+                                        <p:tav tm="0">
+                                          <p:val>
+                                            <p:strVal val="#ppt_x"/>
+                                          </p:val>
+                                        </p:tav>
+                                        <p:tav tm="100000">
+                                          <p:val>
+                                            <p:strVal val="#ppt_x"/>
+                                          </p:val>
+                                        </p:tav>
+                                      </p:tavLst>
+                                    </p:anim>
+                                    <p:anim calcmode="lin" valueType="num">
+                                      <p:cBhvr additive="base">
+                                        <p:cTn id="24" dur="500" fill="hold"/>
+                                        <p:tgtEl>
+                                          <p:spTgt spid="3">
+                                            <p:txEl>
+                                              <p:pRg st="9" end="9"/>
+                                            </p:txEl>
+                                          </p:spTgt>
+                                        </p:tgtEl>
+                                        <p:attrNameLst>
+                                          <p:attrName>ppt_y</p:attrName>
+                                        </p:attrNameLst>
+                                      </p:cBhvr>
+                                      <p:tavLst>
+                                        <p:tav tm="0">
+                                          <p:val>
+                                            <p:strVal val="1+#ppt_h/2"/>
+                                          </p:val>
+                                        </p:tav>
+                                        <p:tav tm="100000">
+                                          <p:val>
+                                            <p:strVal val="#ppt_y"/>
+                                          </p:val>
+                                        </p:tav>
+                                      </p:tavLst>
+                                    </p:anim>
+                                  </p:childTnLst>
+                                </p:cTn>
+                              </p:par>
+                            </p:childTnLst>
+                          </p:cTn>
+                        </p:par>
+                      </p:childTnLst>
+                    </p:cTn>
+                  </p:par>
+                  <p:par>
+                    <p:cTn id="25" fill="hold">
+                      <p:stCondLst>
+                        <p:cond delay="indefinite"/>
+                      </p:stCondLst>
+                      <p:childTnLst>
+                        <p:par>
+                          <p:cTn id="26" fill="hold">
+                            <p:stCondLst>
+                              <p:cond delay="0"/>
+                            </p:stCondLst>
+                            <p:childTnLst>
+                              <p:par>
+                                <p:cTn id="27" presetID="2" presetClass="entr" presetSubtype="4" fill="hold" grpId="0" nodeType="clickEffect">
+                                  <p:stCondLst>
+                                    <p:cond delay="0"/>
+                                  </p:stCondLst>
+                                  <p:childTnLst>
+                                    <p:set>
+                                      <p:cBhvr>
+                                        <p:cTn id="28" dur="1" fill="hold">
+                                          <p:stCondLst>
+                                            <p:cond delay="0"/>
+                                          </p:stCondLst>
+                                        </p:cTn>
+                                        <p:tgtEl>
+                                          <p:spTgt spid="3">
+                                            <p:txEl>
+                                              <p:pRg st="11" end="11"/>
+                                            </p:txEl>
+                                          </p:spTgt>
+                                        </p:tgtEl>
+                                        <p:attrNameLst>
+                                          <p:attrName>style.visibility</p:attrName>
+                                        </p:attrNameLst>
+                                      </p:cBhvr>
+                                      <p:to>
+                                        <p:strVal val="visible"/>
+                                      </p:to>
+                                    </p:set>
+                                    <p:anim calcmode="lin" valueType="num">
+                                      <p:cBhvr additive="base">
+                                        <p:cTn id="29" dur="500" fill="hold"/>
+                                        <p:tgtEl>
+                                          <p:spTgt spid="3">
+                                            <p:txEl>
+                                              <p:pRg st="11" end="11"/>
+                                            </p:txEl>
+                                          </p:spTgt>
+                                        </p:tgtEl>
+                                        <p:attrNameLst>
+                                          <p:attrName>ppt_x</p:attrName>
+                                        </p:attrNameLst>
+                                      </p:cBhvr>
+                                      <p:tavLst>
+                                        <p:tav tm="0">
+                                          <p:val>
+                                            <p:strVal val="#ppt_x"/>
+                                          </p:val>
+                                        </p:tav>
+                                        <p:tav tm="100000">
+                                          <p:val>
+                                            <p:strVal val="#ppt_x"/>
+                                          </p:val>
+                                        </p:tav>
+                                      </p:tavLst>
+                                    </p:anim>
+                                    <p:anim calcmode="lin" valueType="num">
+                                      <p:cBhvr additive="base">
+                                        <p:cTn id="30" dur="500" fill="hold"/>
+                                        <p:tgtEl>
+                                          <p:spTgt spid="3">
+                                            <p:txEl>
+                                              <p:pRg st="11" end="11"/>
+                                            </p:txEl>
+                                          </p:spTgt>
+                                        </p:tgtEl>
+                                        <p:attrNameLst>
+                                          <p:attrName>ppt_y</p:attrName>
+                                        </p:attrNameLst>
+                                      </p:cBhvr>
+                                      <p:tavLst>
+                                        <p:tav tm="0">
+                                          <p:val>
+                                            <p:strVal val="1+#ppt_h/2"/>
+                                          </p:val>
+                                        </p:tav>
+                                        <p:tav tm="100000">
+                                          <p:val>
+                                            <p:strVal val="#ppt_y"/>
+                                          </p:val>
+                                        </p:tav>
+                                      </p:tavLst>
+                                    </p:anim>
+                                  </p:childTnLst>
+                                </p:cTn>
+                              </p:par>
+                              <p:par>
+                                <p:cTn id="31" presetID="2" presetClass="entr" presetSubtype="4" fill="hold" nodeType="withEffect">
+                                  <p:stCondLst>
+                                    <p:cond delay="0"/>
+                                  </p:stCondLst>
+                                  <p:childTnLst>
+                                    <p:set>
+                                      <p:cBhvr>
+                                        <p:cTn id="32" dur="1" fill="hold">
+                                          <p:stCondLst>
+                                            <p:cond delay="0"/>
+                                          </p:stCondLst>
+                                        </p:cTn>
+                                        <p:tgtEl>
+                                          <p:spTgt spid="4"/>
+                                        </p:tgtEl>
+                                        <p:attrNameLst>
+                                          <p:attrName>style.visibility</p:attrName>
+                                        </p:attrNameLst>
+                                      </p:cBhvr>
+                                      <p:to>
+                                        <p:strVal val="visible"/>
+                                      </p:to>
+                                    </p:set>
+                                    <p:anim calcmode="lin" valueType="num">
+                                      <p:cBhvr additive="base">
+                                        <p:cTn id="33" dur="500" fill="hold"/>
+                                        <p:tgtEl>
+                                          <p:spTgt spid="4"/>
+                                        </p:tgtEl>
+                                        <p:attrNameLst>
+                                          <p:attrName>ppt_x</p:attrName>
+                                        </p:attrNameLst>
+                                      </p:cBhvr>
+                                      <p:tavLst>
+                                        <p:tav tm="0">
+                                          <p:val>
+                                            <p:strVal val="#ppt_x"/>
+                                          </p:val>
+                                        </p:tav>
+                                        <p:tav tm="100000">
+                                          <p:val>
+                                            <p:strVal val="#ppt_x"/>
+                                          </p:val>
+                                        </p:tav>
+                                      </p:tavLst>
+                                    </p:anim>
+                                    <p:anim calcmode="lin" valueType="num">
+                                      <p:cBhvr additive="base">
+                                        <p:cTn id="34" dur="500" fill="hold"/>
+                                        <p:tgtEl>
+                                          <p:spTgt spid="4"/>
+                                        </p:tgtEl>
+                                        <p:attrNameLst>
+                                          <p:attrName>ppt_y</p:attrName>
+                                        </p:attrNameLst>
+                                      </p:cBhvr>
+                                      <p:tavLst>
+                                        <p:tav tm="0">
+                                          <p:val>
+                                            <p:strVal val="1+#ppt_h/2"/>
+                                          </p:val>
+                                        </p:tav>
+                                        <p:tav tm="100000">
+                                          <p:val>
+                                            <p:strVal val="#ppt_y"/>
+                                          </p:val>
+                                        </p:tav>
+                                      </p:tavLst>
+                                    </p:anim>
+                                  </p:childTnLst>
+                                </p:cTn>
+                              </p:par>
+                              <p:par>
+                                <p:cTn id="35" presetID="2" presetClass="entr" presetSubtype="4" fill="hold" nodeType="withEffect">
+                                  <p:stCondLst>
+                                    <p:cond delay="0"/>
+                                  </p:stCondLst>
+                                  <p:childTnLst>
+                                    <p:set>
+                                      <p:cBhvr>
+                                        <p:cTn id="36" dur="1" fill="hold">
+                                          <p:stCondLst>
+                                            <p:cond delay="0"/>
+                                          </p:stCondLst>
+                                        </p:cTn>
+                                        <p:tgtEl>
+                                          <p:spTgt spid="7"/>
+                                        </p:tgtEl>
+                                        <p:attrNameLst>
+                                          <p:attrName>style.visibility</p:attrName>
+                                        </p:attrNameLst>
+                                      </p:cBhvr>
+                                      <p:to>
+                                        <p:strVal val="visible"/>
+                                      </p:to>
+                                    </p:set>
+                                    <p:anim calcmode="lin" valueType="num">
+                                      <p:cBhvr additive="base">
+                                        <p:cTn id="37" dur="500" fill="hold"/>
+                                        <p:tgtEl>
+                                          <p:spTgt spid="7"/>
+                                        </p:tgtEl>
+                                        <p:attrNameLst>
+                                          <p:attrName>ppt_x</p:attrName>
+                                        </p:attrNameLst>
+                                      </p:cBhvr>
+                                      <p:tavLst>
+                                        <p:tav tm="0">
+                                          <p:val>
+                                            <p:strVal val="#ppt_x"/>
+                                          </p:val>
+                                        </p:tav>
+                                        <p:tav tm="100000">
+                                          <p:val>
+                                            <p:strVal val="#ppt_x"/>
+                                          </p:val>
+                                        </p:tav>
+                                      </p:tavLst>
+                                    </p:anim>
+                                    <p:anim calcmode="lin" valueType="num">
+                                      <p:cBhvr additive="base">
+                                        <p:cTn id="38" dur="500" fill="hold"/>
+                                        <p:tgtEl>
+                                          <p:spTgt spid="7"/>
+                                        </p:tgtEl>
+                                        <p:attrNameLst>
+                                          <p:attrName>ppt_y</p:attrName>
+                                        </p:attrNameLst>
+                                      </p:cBhvr>
+                                      <p:tavLst>
+                                        <p:tav tm="0">
+                                          <p:val>
+                                            <p:strVal val="1+#ppt_h/2"/>
+                                          </p:val>
+                                        </p:tav>
+                                        <p:tav tm="100000">
+                                          <p:val>
+                                            <p:strVal val="#ppt_y"/>
+                                          </p:val>
+                                        </p:tav>
+                                      </p:tavLst>
+                                    </p:anim>
+                                  </p:childTnLst>
+                                </p:cTn>
+                              </p:par>
+                              <p:par>
+                                <p:cTn id="39" presetID="2" presetClass="entr" presetSubtype="4" fill="hold" nodeType="withEffect">
+                                  <p:stCondLst>
+                                    <p:cond delay="0"/>
+                                  </p:stCondLst>
+                                  <p:childTnLst>
+                                    <p:set>
+                                      <p:cBhvr>
+                                        <p:cTn id="40" dur="1" fill="hold">
+                                          <p:stCondLst>
+                                            <p:cond delay="0"/>
+                                          </p:stCondLst>
+                                        </p:cTn>
+                                        <p:tgtEl>
+                                          <p:spTgt spid="13"/>
+                                        </p:tgtEl>
+                                        <p:attrNameLst>
+                                          <p:attrName>style.visibility</p:attrName>
+                                        </p:attrNameLst>
+                                      </p:cBhvr>
+                                      <p:to>
+                                        <p:strVal val="visible"/>
+                                      </p:to>
+                                    </p:set>
+                                    <p:anim calcmode="lin" valueType="num">
+                                      <p:cBhvr additive="base">
+                                        <p:cTn id="41" dur="500" fill="hold"/>
+                                        <p:tgtEl>
+                                          <p:spTgt spid="13"/>
+                                        </p:tgtEl>
+                                        <p:attrNameLst>
+                                          <p:attrName>ppt_x</p:attrName>
+                                        </p:attrNameLst>
+                                      </p:cBhvr>
+                                      <p:tavLst>
+                                        <p:tav tm="0">
+                                          <p:val>
+                                            <p:strVal val="#ppt_x"/>
+                                          </p:val>
+                                        </p:tav>
+                                        <p:tav tm="100000">
+                                          <p:val>
+                                            <p:strVal val="#ppt_x"/>
+                                          </p:val>
+                                        </p:tav>
+                                      </p:tavLst>
+                                    </p:anim>
+                                    <p:anim calcmode="lin" valueType="num">
+                                      <p:cBhvr additive="base">
+                                        <p:cTn id="42" dur="500" fill="hold"/>
+                                        <p:tgtEl>
+                                          <p:spTgt spid="13"/>
+                                        </p:tgtEl>
+                                        <p:attrNameLst>
+                                          <p:attrName>ppt_y</p:attrName>
+                                        </p:attrNameLst>
+                                      </p:cBhvr>
+                                      <p:tavLst>
+                                        <p:tav tm="0">
+                                          <p:val>
+                                            <p:strVal val="1+#ppt_h/2"/>
+                                          </p:val>
+                                        </p:tav>
+                                        <p:tav tm="100000">
+                                          <p:val>
+                                            <p:strVal val="#ppt_y"/>
+                                          </p:val>
+                                        </p:tav>
+                                      </p:tavLst>
+                                    </p:anim>
+                                  </p:childTnLst>
+                                </p:cTn>
+                              </p:par>
+                              <p:par>
+                                <p:cTn id="43" presetID="2" presetClass="entr" presetSubtype="4" fill="hold" grpId="0" nodeType="withEffect">
+                                  <p:stCondLst>
+                                    <p:cond delay="0"/>
+                                  </p:stCondLst>
+                                  <p:childTnLst>
+                                    <p:set>
+                                      <p:cBhvr>
+                                        <p:cTn id="44" dur="1" fill="hold">
+                                          <p:stCondLst>
+                                            <p:cond delay="0"/>
+                                          </p:stCondLst>
+                                        </p:cTn>
+                                        <p:tgtEl>
+                                          <p:spTgt spid="14"/>
+                                        </p:tgtEl>
+                                        <p:attrNameLst>
+                                          <p:attrName>style.visibility</p:attrName>
+                                        </p:attrNameLst>
+                                      </p:cBhvr>
+                                      <p:to>
+                                        <p:strVal val="visible"/>
+                                      </p:to>
+                                    </p:set>
+                                    <p:anim calcmode="lin" valueType="num">
+                                      <p:cBhvr additive="base">
+                                        <p:cTn id="45" dur="500" fill="hold"/>
+                                        <p:tgtEl>
+                                          <p:spTgt spid="14"/>
+                                        </p:tgtEl>
+                                        <p:attrNameLst>
+                                          <p:attrName>ppt_x</p:attrName>
+                                        </p:attrNameLst>
+                                      </p:cBhvr>
+                                      <p:tavLst>
+                                        <p:tav tm="0">
+                                          <p:val>
+                                            <p:strVal val="#ppt_x"/>
+                                          </p:val>
+                                        </p:tav>
+                                        <p:tav tm="100000">
+                                          <p:val>
+                                            <p:strVal val="#ppt_x"/>
+                                          </p:val>
+                                        </p:tav>
+                                      </p:tavLst>
+                                    </p:anim>
+                                    <p:anim calcmode="lin" valueType="num">
+                                      <p:cBhvr additive="base">
+                                        <p:cTn id="46" dur="500" fill="hold"/>
+                                        <p:tgtEl>
+                                          <p:spTgt spid="14"/>
+                                        </p:tgtEl>
+                                        <p:attrNameLst>
+                                          <p:attrName>ppt_y</p:attrName>
+                                        </p:attrNameLst>
+                                      </p:cBhvr>
+                                      <p:tavLst>
+                                        <p:tav tm="0">
+                                          <p:val>
+                                            <p:strVal val="1+#ppt_h/2"/>
+                                          </p:val>
+                                        </p:tav>
+                                        <p:tav tm="100000">
+                                          <p:val>
+                                            <p:strVal val="#ppt_y"/>
+                                          </p:val>
+                                        </p:tav>
+                                      </p:tavLst>
+                                    </p:anim>
+                                  </p:childTnLst>
+                                </p:cTn>
+                              </p:par>
+                              <p:par>
+                                <p:cTn id="47" presetID="2" presetClass="entr" presetSubtype="4" fill="hold" grpId="0" nodeType="withEffect">
+                                  <p:stCondLst>
+                                    <p:cond delay="0"/>
+                                  </p:stCondLst>
+                                  <p:childTnLst>
+                                    <p:set>
+                                      <p:cBhvr>
+                                        <p:cTn id="48" dur="1" fill="hold">
+                                          <p:stCondLst>
+                                            <p:cond delay="0"/>
+                                          </p:stCondLst>
+                                        </p:cTn>
+                                        <p:tgtEl>
+                                          <p:spTgt spid="17"/>
+                                        </p:tgtEl>
+                                        <p:attrNameLst>
+                                          <p:attrName>style.visibility</p:attrName>
+                                        </p:attrNameLst>
+                                      </p:cBhvr>
+                                      <p:to>
+                                        <p:strVal val="visible"/>
+                                      </p:to>
+                                    </p:set>
+                                    <p:anim calcmode="lin" valueType="num">
+                                      <p:cBhvr additive="base">
+                                        <p:cTn id="49" dur="500" fill="hold"/>
+                                        <p:tgtEl>
+                                          <p:spTgt spid="17"/>
+                                        </p:tgtEl>
+                                        <p:attrNameLst>
+                                          <p:attrName>ppt_x</p:attrName>
+                                        </p:attrNameLst>
+                                      </p:cBhvr>
+                                      <p:tavLst>
+                                        <p:tav tm="0">
+                                          <p:val>
+                                            <p:strVal val="#ppt_x"/>
+                                          </p:val>
+                                        </p:tav>
+                                        <p:tav tm="100000">
+                                          <p:val>
+                                            <p:strVal val="#ppt_x"/>
+                                          </p:val>
+                                        </p:tav>
+                                      </p:tavLst>
+                                    </p:anim>
+                                    <p:anim calcmode="lin" valueType="num">
+                                      <p:cBhvr additive="base">
+                                        <p:cTn id="50" dur="500" fill="hold"/>
+                                        <p:tgtEl>
+                                          <p:spTgt spid="17"/>
+                                        </p:tgtEl>
+                                        <p:attrNameLst>
+                                          <p:attrName>ppt_y</p:attrName>
+                                        </p:attrNameLst>
+                                      </p:cBhvr>
+                                      <p:tavLst>
+                                        <p:tav tm="0">
+                                          <p:val>
+                                            <p:strVal val="1+#ppt_h/2"/>
+                                          </p:val>
+                                        </p:tav>
+                                        <p:tav tm="100000">
+                                          <p:val>
+                                            <p:strVal val="#ppt_y"/>
+                                          </p:val>
+                                        </p:tav>
+                                      </p:tavLst>
+                                    </p:anim>
+                                  </p:childTnLst>
+                                </p:cTn>
+                              </p:par>
+                              <p:par>
+                                <p:cTn id="51" presetID="2" presetClass="entr" presetSubtype="4" fill="hold" nodeType="withEffect">
+                                  <p:stCondLst>
+                                    <p:cond delay="0"/>
+                                  </p:stCondLst>
+                                  <p:childTnLst>
+                                    <p:set>
+                                      <p:cBhvr>
+                                        <p:cTn id="52" dur="1" fill="hold">
+                                          <p:stCondLst>
+                                            <p:cond delay="0"/>
+                                          </p:stCondLst>
+                                        </p:cTn>
+                                        <p:tgtEl>
+                                          <p:spTgt spid="19"/>
+                                        </p:tgtEl>
+                                        <p:attrNameLst>
+                                          <p:attrName>style.visibility</p:attrName>
+                                        </p:attrNameLst>
+                                      </p:cBhvr>
+                                      <p:to>
+                                        <p:strVal val="visible"/>
+                                      </p:to>
+                                    </p:set>
+                                    <p:anim calcmode="lin" valueType="num">
+                                      <p:cBhvr additive="base">
+                                        <p:cTn id="53" dur="500" fill="hold"/>
+                                        <p:tgtEl>
+                                          <p:spTgt spid="19"/>
+                                        </p:tgtEl>
+                                        <p:attrNameLst>
+                                          <p:attrName>ppt_x</p:attrName>
+                                        </p:attrNameLst>
+                                      </p:cBhvr>
+                                      <p:tavLst>
+                                        <p:tav tm="0">
+                                          <p:val>
+                                            <p:strVal val="#ppt_x"/>
+                                          </p:val>
+                                        </p:tav>
+                                        <p:tav tm="100000">
+                                          <p:val>
+                                            <p:strVal val="#ppt_x"/>
+                                          </p:val>
+                                        </p:tav>
+                                      </p:tavLst>
+                                    </p:anim>
+                                    <p:anim calcmode="lin" valueType="num">
+                                      <p:cBhvr additive="base">
+                                        <p:cTn id="54" dur="500" fill="hold"/>
+                                        <p:tgtEl>
+                                          <p:spTgt spid="19"/>
+                                        </p:tgtEl>
+                                        <p:attrNameLst>
+                                          <p:attrName>ppt_y</p:attrName>
+                                        </p:attrNameLst>
+                                      </p:cBhvr>
+                                      <p:tavLst>
+                                        <p:tav tm="0">
+                                          <p:val>
+                                            <p:strVal val="1+#ppt_h/2"/>
+                                          </p:val>
+                                        </p:tav>
+                                        <p:tav tm="100000">
+                                          <p:val>
+                                            <p:strVal val="#ppt_y"/>
+                                          </p:val>
+                                        </p:tav>
+                                      </p:tavLst>
+                                    </p:anim>
+                                  </p:childTnLst>
+                                </p:cTn>
+                              </p:par>
+                              <p:par>
+                                <p:cTn id="55" presetID="2" presetClass="entr" presetSubtype="4" fill="hold" nodeType="withEffect">
+                                  <p:stCondLst>
+                                    <p:cond delay="0"/>
+                                  </p:stCondLst>
+                                  <p:childTnLst>
+                                    <p:set>
+                                      <p:cBhvr>
+                                        <p:cTn id="56" dur="1" fill="hold">
+                                          <p:stCondLst>
+                                            <p:cond delay="0"/>
+                                          </p:stCondLst>
+                                        </p:cTn>
+                                        <p:tgtEl>
+                                          <p:spTgt spid="21"/>
+                                        </p:tgtEl>
+                                        <p:attrNameLst>
+                                          <p:attrName>style.visibility</p:attrName>
+                                        </p:attrNameLst>
+                                      </p:cBhvr>
+                                      <p:to>
+                                        <p:strVal val="visible"/>
+                                      </p:to>
+                                    </p:set>
+                                    <p:anim calcmode="lin" valueType="num">
+                                      <p:cBhvr additive="base">
+                                        <p:cTn id="57" dur="500" fill="hold"/>
+                                        <p:tgtEl>
+                                          <p:spTgt spid="21"/>
+                                        </p:tgtEl>
+                                        <p:attrNameLst>
+                                          <p:attrName>ppt_x</p:attrName>
+                                        </p:attrNameLst>
+                                      </p:cBhvr>
+                                      <p:tavLst>
+                                        <p:tav tm="0">
+                                          <p:val>
+                                            <p:strVal val="#ppt_x"/>
+                                          </p:val>
+                                        </p:tav>
+                                        <p:tav tm="100000">
+                                          <p:val>
+                                            <p:strVal val="#ppt_x"/>
+                                          </p:val>
+                                        </p:tav>
+                                      </p:tavLst>
+                                    </p:anim>
+                                    <p:anim calcmode="lin" valueType="num">
+                                      <p:cBhvr additive="base">
+                                        <p:cTn id="58" dur="500" fill="hold"/>
+                                        <p:tgtEl>
+                                          <p:spTgt spid="21"/>
+                                        </p:tgtEl>
+                                        <p:attrNameLst>
+                                          <p:attrName>ppt_y</p:attrName>
+                                        </p:attrNameLst>
+                                      </p:cBhvr>
+                                      <p:tavLst>
+                                        <p:tav tm="0">
+                                          <p:val>
+                                            <p:strVal val="1+#ppt_h/2"/>
+                                          </p:val>
+                                        </p:tav>
+                                        <p:tav tm="100000">
+                                          <p:val>
+                                            <p:strVal val="#ppt_y"/>
+                                          </p:val>
+                                        </p:tav>
+                                      </p:tavLst>
+                                    </p:anim>
+                                  </p:childTnLst>
+                                </p:cTn>
+                              </p:par>
+                              <p:par>
+                                <p:cTn id="59" presetID="2" presetClass="entr" presetSubtype="4" fill="hold" nodeType="withEffect">
+                                  <p:stCondLst>
+                                    <p:cond delay="0"/>
+                                  </p:stCondLst>
+                                  <p:childTnLst>
+                                    <p:set>
+                                      <p:cBhvr>
+                                        <p:cTn id="60" dur="1" fill="hold">
+                                          <p:stCondLst>
+                                            <p:cond delay="0"/>
+                                          </p:stCondLst>
+                                        </p:cTn>
+                                        <p:tgtEl>
+                                          <p:spTgt spid="23"/>
+                                        </p:tgtEl>
+                                        <p:attrNameLst>
+                                          <p:attrName>style.visibility</p:attrName>
+                                        </p:attrNameLst>
+                                      </p:cBhvr>
+                                      <p:to>
+                                        <p:strVal val="visible"/>
+                                      </p:to>
+                                    </p:set>
+                                    <p:anim calcmode="lin" valueType="num">
+                                      <p:cBhvr additive="base">
+                                        <p:cTn id="61" dur="500" fill="hold"/>
+                                        <p:tgtEl>
+                                          <p:spTgt spid="23"/>
+                                        </p:tgtEl>
+                                        <p:attrNameLst>
+                                          <p:attrName>ppt_x</p:attrName>
+                                        </p:attrNameLst>
+                                      </p:cBhvr>
+                                      <p:tavLst>
+                                        <p:tav tm="0">
+                                          <p:val>
+                                            <p:strVal val="#ppt_x"/>
+                                          </p:val>
+                                        </p:tav>
+                                        <p:tav tm="100000">
+                                          <p:val>
+                                            <p:strVal val="#ppt_x"/>
+                                          </p:val>
+                                        </p:tav>
+                                      </p:tavLst>
+                                    </p:anim>
+                                    <p:anim calcmode="lin" valueType="num">
+                                      <p:cBhvr additive="base">
+                                        <p:cTn id="62" dur="500" fill="hold"/>
+                                        <p:tgtEl>
+                                          <p:spTgt spid="23"/>
+                                        </p:tgtEl>
+                                        <p:attrNameLst>
+                                          <p:attrName>ppt_y</p:attrName>
+                                        </p:attrNameLst>
+                                      </p:cBhvr>
+                                      <p:tavLst>
+                                        <p:tav tm="0">
+                                          <p:val>
+                                            <p:strVal val="1+#ppt_h/2"/>
+                                          </p:val>
+                                        </p:tav>
+                                        <p:tav tm="100000">
+                                          <p:val>
+                                            <p:strVal val="#ppt_y"/>
+                                          </p:val>
+                                        </p:tav>
+                                      </p:tavLst>
+                                    </p:anim>
+                                  </p:childTnLst>
+                                </p:cTn>
+                              </p:par>
+                              <p:par>
+                                <p:cTn id="63" presetID="2" presetClass="entr" presetSubtype="4" fill="hold" nodeType="withEffect">
+                                  <p:stCondLst>
+                                    <p:cond delay="0"/>
+                                  </p:stCondLst>
+                                  <p:childTnLst>
+                                    <p:set>
+                                      <p:cBhvr>
+                                        <p:cTn id="64" dur="1" fill="hold">
+                                          <p:stCondLst>
+                                            <p:cond delay="0"/>
+                                          </p:stCondLst>
+                                        </p:cTn>
+                                        <p:tgtEl>
+                                          <p:spTgt spid="5"/>
+                                        </p:tgtEl>
+                                        <p:attrNameLst>
+                                          <p:attrName>style.visibility</p:attrName>
+                                        </p:attrNameLst>
+                                      </p:cBhvr>
+                                      <p:to>
+                                        <p:strVal val="visible"/>
+                                      </p:to>
+                                    </p:set>
+                                    <p:anim calcmode="lin" valueType="num">
+                                      <p:cBhvr additive="base">
+                                        <p:cTn id="65" dur="500" fill="hold"/>
+                                        <p:tgtEl>
+                                          <p:spTgt spid="5"/>
+                                        </p:tgtEl>
+                                        <p:attrNameLst>
+                                          <p:attrName>ppt_x</p:attrName>
+                                        </p:attrNameLst>
+                                      </p:cBhvr>
+                                      <p:tavLst>
+                                        <p:tav tm="0">
+                                          <p:val>
+                                            <p:strVal val="#ppt_x"/>
+                                          </p:val>
+                                        </p:tav>
+                                        <p:tav tm="100000">
+                                          <p:val>
+                                            <p:strVal val="#ppt_x"/>
+                                          </p:val>
+                                        </p:tav>
+                                      </p:tavLst>
+                                    </p:anim>
+                                    <p:anim calcmode="lin" valueType="num">
+                                      <p:cBhvr additive="base">
+                                        <p:cTn id="66" dur="500" fill="hold"/>
+                                        <p:tgtEl>
+                                          <p:spTgt spid="5"/>
+                                        </p:tgtEl>
+                                        <p:attrNameLst>
+                                          <p:attrName>ppt_y</p:attrName>
+                                        </p:attrNameLst>
+                                      </p:cBhvr>
+                                      <p:tavLst>
+                                        <p:tav tm="0">
+                                          <p:val>
+                                            <p:strVal val="1+#ppt_h/2"/>
+                                          </p:val>
+                                        </p:tav>
+                                        <p:tav tm="100000">
+                                          <p:val>
+                                            <p:strVal val="#ppt_y"/>
+                                          </p:val>
+                                        </p:tav>
+                                      </p:tavLst>
+                                    </p:anim>
+                                  </p:childTnLst>
+                                </p:cTn>
+                              </p:par>
+                              <p:par>
+                                <p:cTn id="67" presetID="2" presetClass="entr" presetSubtype="4" fill="hold" nodeType="withEffect">
+                                  <p:stCondLst>
+                                    <p:cond delay="0"/>
+                                  </p:stCondLst>
+                                  <p:childTnLst>
+                                    <p:set>
+                                      <p:cBhvr>
+                                        <p:cTn id="68" dur="1" fill="hold">
+                                          <p:stCondLst>
+                                            <p:cond delay="0"/>
+                                          </p:stCondLst>
+                                        </p:cTn>
+                                        <p:tgtEl>
+                                          <p:spTgt spid="6"/>
+                                        </p:tgtEl>
+                                        <p:attrNameLst>
+                                          <p:attrName>style.visibility</p:attrName>
+                                        </p:attrNameLst>
+                                      </p:cBhvr>
+                                      <p:to>
+                                        <p:strVal val="visible"/>
+                                      </p:to>
+                                    </p:set>
+                                    <p:anim calcmode="lin" valueType="num">
+                                      <p:cBhvr additive="base">
+                                        <p:cTn id="69" dur="500" fill="hold"/>
+                                        <p:tgtEl>
+                                          <p:spTgt spid="6"/>
+                                        </p:tgtEl>
+                                        <p:attrNameLst>
+                                          <p:attrName>ppt_x</p:attrName>
+                                        </p:attrNameLst>
+                                      </p:cBhvr>
+                                      <p:tavLst>
+                                        <p:tav tm="0">
+                                          <p:val>
+                                            <p:strVal val="#ppt_x"/>
+                                          </p:val>
+                                        </p:tav>
+                                        <p:tav tm="100000">
+                                          <p:val>
+                                            <p:strVal val="#ppt_x"/>
+                                          </p:val>
+                                        </p:tav>
+                                      </p:tavLst>
+                                    </p:anim>
+                                    <p:anim calcmode="lin" valueType="num">
+                                      <p:cBhvr additive="base">
+                                        <p:cTn id="70" dur="500" fill="hold"/>
+                                        <p:tgtEl>
+                                          <p:spTgt spid="6"/>
+                                        </p:tgtEl>
+                                        <p:attrNameLst>
+                                          <p:attrName>ppt_y</p:attrName>
+                                        </p:attrNameLst>
+                                      </p:cBhvr>
+                                      <p:tavLst>
+                                        <p:tav tm="0">
+                                          <p:val>
+                                            <p:strVal val="1+#ppt_h/2"/>
+                                          </p:val>
+                                        </p:tav>
+                                        <p:tav tm="100000">
+                                          <p:val>
+                                            <p:strVal val="#ppt_y"/>
+                                          </p:val>
+                                        </p:tav>
+                                      </p:tavLst>
+                                    </p:anim>
+                                  </p:childTnLst>
+                                </p:cTn>
+                              </p:par>
+                              <p:par>
+                                <p:cTn id="71" presetID="2" presetClass="entr" presetSubtype="4" fill="hold" nodeType="withEffect">
+                                  <p:stCondLst>
+                                    <p:cond delay="0"/>
+                                  </p:stCondLst>
+                                  <p:childTnLst>
+                                    <p:set>
+                                      <p:cBhvr>
+                                        <p:cTn id="72" dur="1" fill="hold">
+                                          <p:stCondLst>
+                                            <p:cond delay="0"/>
+                                          </p:stCondLst>
+                                        </p:cTn>
+                                        <p:tgtEl>
+                                          <p:spTgt spid="9"/>
+                                        </p:tgtEl>
+                                        <p:attrNameLst>
+                                          <p:attrName>style.visibility</p:attrName>
+                                        </p:attrNameLst>
+                                      </p:cBhvr>
+                                      <p:to>
+                                        <p:strVal val="visible"/>
+                                      </p:to>
+                                    </p:set>
+                                    <p:anim calcmode="lin" valueType="num">
+                                      <p:cBhvr additive="base">
+                                        <p:cTn id="73" dur="500" fill="hold"/>
+                                        <p:tgtEl>
+                                          <p:spTgt spid="9"/>
+                                        </p:tgtEl>
+                                        <p:attrNameLst>
+                                          <p:attrName>ppt_x</p:attrName>
+                                        </p:attrNameLst>
+                                      </p:cBhvr>
+                                      <p:tavLst>
+                                        <p:tav tm="0">
+                                          <p:val>
+                                            <p:strVal val="#ppt_x"/>
+                                          </p:val>
+                                        </p:tav>
+                                        <p:tav tm="100000">
+                                          <p:val>
+                                            <p:strVal val="#ppt_x"/>
+                                          </p:val>
+                                        </p:tav>
+                                      </p:tavLst>
+                                    </p:anim>
+                                    <p:anim calcmode="lin" valueType="num">
+                                      <p:cBhvr additive="base">
+                                        <p:cTn id="74" dur="500" fill="hold"/>
+                                        <p:tgtEl>
+                                          <p:spTgt spid="9"/>
+                                        </p:tgtEl>
+                                        <p:attrNameLst>
+                                          <p:attrName>ppt_y</p:attrName>
+                                        </p:attrNameLst>
+                                      </p:cBhvr>
+                                      <p:tavLst>
+                                        <p:tav tm="0">
+                                          <p:val>
+                                            <p:strVal val="1+#ppt_h/2"/>
+                                          </p:val>
+                                        </p:tav>
+                                        <p:tav tm="100000">
+                                          <p:val>
+                                            <p:strVal val="#ppt_y"/>
+                                          </p:val>
+                                        </p:tav>
+                                      </p:tavLst>
+                                    </p:anim>
+                                  </p:childTnLst>
+                                </p:cTn>
+                              </p:par>
+                            </p:childTnLst>
+                          </p:cTn>
+                        </p:par>
+                      </p:childTnLst>
+                    </p:cTn>
+                  </p:par>
+                </p:childTnLst>
+              </p:cTn>
+              <p:prevCondLst>
+                <p:cond evt="onPrev" delay="0">
+                  <p:tgtEl>
+                    <p:sldTgt/>
+                  </p:tgtEl>
+                </p:cond>
+              </p:prevCondLst>
+              <p:nextCondLst>
+                <p:cond evt="onNext" delay="0">
+                  <p:tgtEl>
+                    <p:sldTgt/>
+                  </p:tgtEl>
+                </p:cond>
+              </p:nextCondLst>
+            </p:seq>
+          </p:childTnLst>
+        </p:cTn>
+      </p:par>
+    </p:tnLst>
+    <p:bldLst>
+      <p:bldP spid="2" grpId="0"/>
+      <p:bldP spid="3" grpId="0" build="p"/>
+      <p:bldP spid="14" grpId="0"/>
+      <p:bldP spid="17" grpId="0"/>
+    </p:bldLst>
+  </p:timing>
 </p:sld>
 </file>
 
 <file path=ppt/slides/slide5.xml><?xml version="1.0" encoding="utf-8"?>
 <p:sld xmlns:a="http://schemas.openxmlformats.org/drawingml/2006/main" xmlns:r="http://schemas.openxmlformats.org/officeDocument/2006/relationships" xmlns:p="http://schemas.openxmlformats.org/presentationml/2006/main">
   <p:cSld>
+    <p:bg>
+      <p:bgPr>
+        <a:gradFill>
+          <a:gsLst>
+            <a:gs pos="0">
+              <a:schemeClr val="accent1">
+                <a:lumMod val="5000"/>
+                <a:lumOff val="95000"/>
+              </a:schemeClr>
+            </a:gs>
+            <a:gs pos="74000">
+              <a:schemeClr val="accent1">
+                <a:lumMod val="45000"/>
+                <a:lumOff val="55000"/>
+              </a:schemeClr>
+            </a:gs>
+            <a:gs pos="83000">
+              <a:schemeClr val="accent1">
+                <a:lumMod val="45000"/>
+                <a:lumOff val="55000"/>
+              </a:schemeClr>
+            </a:gs>
+            <a:gs pos="100000">
+              <a:schemeClr val="accent1">
+                <a:lumMod val="30000"/>
+                <a:lumOff val="70000"/>
+              </a:schemeClr>
+            </a:gs>
+          </a:gsLst>
+          <a:lin ang="5400000" scaled="1"/>
+        </a:gradFill>
+        <a:effectLst/>
+      </p:bgPr>
+    </p:bg>
     <p:spTree>
       <p:nvGrpSpPr>
         <p:cNvPr id="1" name=""/>
@@ -5491,7 +8118,7 @@
         </p:blipFill>
         <p:spPr>
           <a:xfrm>
-            <a:off x="601027" y="2758122"/>
+            <a:off x="601027" y="2768061"/>
             <a:ext cx="3552825" cy="1971675"/>
           </a:xfrm>
           <a:prstGeom prst="rect">
@@ -5621,6 +8248,7 @@
             </a:extLst>
           </p:cNvPr>
           <p:cNvCxnSpPr>
+            <a:cxnSpLocks/>
             <a:stCxn id="12" idx="3"/>
           </p:cNvCxnSpPr>
           <p:nvPr/>
@@ -5698,6 +8326,7 @@
             </a:extLst>
           </p:cNvPr>
           <p:cNvCxnSpPr>
+            <a:cxnSpLocks/>
             <a:stCxn id="15" idx="3"/>
           </p:cNvCxnSpPr>
           <p:nvPr/>
@@ -6063,6 +8692,1101 @@
                                   </p:childTnLst>
                                 </p:cTn>
                               </p:par>
+                              <p:par>
+                                <p:cTn id="9" presetID="2" presetClass="entr" presetSubtype="4" fill="hold" nodeType="withEffect">
+                                  <p:stCondLst>
+                                    <p:cond delay="0"/>
+                                  </p:stCondLst>
+                                  <p:childTnLst>
+                                    <p:set>
+                                      <p:cBhvr>
+                                        <p:cTn id="10" dur="1" fill="hold">
+                                          <p:stCondLst>
+                                            <p:cond delay="0"/>
+                                          </p:stCondLst>
+                                        </p:cTn>
+                                        <p:tgtEl>
+                                          <p:spTgt spid="10"/>
+                                        </p:tgtEl>
+                                        <p:attrNameLst>
+                                          <p:attrName>style.visibility</p:attrName>
+                                        </p:attrNameLst>
+                                      </p:cBhvr>
+                                      <p:to>
+                                        <p:strVal val="visible"/>
+                                      </p:to>
+                                    </p:set>
+                                    <p:anim calcmode="lin" valueType="num">
+                                      <p:cBhvr additive="base">
+                                        <p:cTn id="11" dur="500" fill="hold"/>
+                                        <p:tgtEl>
+                                          <p:spTgt spid="10"/>
+                                        </p:tgtEl>
+                                        <p:attrNameLst>
+                                          <p:attrName>ppt_x</p:attrName>
+                                        </p:attrNameLst>
+                                      </p:cBhvr>
+                                      <p:tavLst>
+                                        <p:tav tm="0">
+                                          <p:val>
+                                            <p:strVal val="#ppt_x"/>
+                                          </p:val>
+                                        </p:tav>
+                                        <p:tav tm="100000">
+                                          <p:val>
+                                            <p:strVal val="#ppt_x"/>
+                                          </p:val>
+                                        </p:tav>
+                                      </p:tavLst>
+                                    </p:anim>
+                                    <p:anim calcmode="lin" valueType="num">
+                                      <p:cBhvr additive="base">
+                                        <p:cTn id="12" dur="500" fill="hold"/>
+                                        <p:tgtEl>
+                                          <p:spTgt spid="10"/>
+                                        </p:tgtEl>
+                                        <p:attrNameLst>
+                                          <p:attrName>ppt_y</p:attrName>
+                                        </p:attrNameLst>
+                                      </p:cBhvr>
+                                      <p:tavLst>
+                                        <p:tav tm="0">
+                                          <p:val>
+                                            <p:strVal val="1+#ppt_h/2"/>
+                                          </p:val>
+                                        </p:tav>
+                                        <p:tav tm="100000">
+                                          <p:val>
+                                            <p:strVal val="#ppt_y"/>
+                                          </p:val>
+                                        </p:tav>
+                                      </p:tavLst>
+                                    </p:anim>
+                                  </p:childTnLst>
+                                </p:cTn>
+                              </p:par>
+                              <p:par>
+                                <p:cTn id="13" presetID="2" presetClass="entr" presetSubtype="4" fill="hold" grpId="0" nodeType="withEffect">
+                                  <p:stCondLst>
+                                    <p:cond delay="0"/>
+                                  </p:stCondLst>
+                                  <p:childTnLst>
+                                    <p:set>
+                                      <p:cBhvr>
+                                        <p:cTn id="14" dur="1" fill="hold">
+                                          <p:stCondLst>
+                                            <p:cond delay="0"/>
+                                          </p:stCondLst>
+                                        </p:cTn>
+                                        <p:tgtEl>
+                                          <p:spTgt spid="3"/>
+                                        </p:tgtEl>
+                                        <p:attrNameLst>
+                                          <p:attrName>style.visibility</p:attrName>
+                                        </p:attrNameLst>
+                                      </p:cBhvr>
+                                      <p:to>
+                                        <p:strVal val="visible"/>
+                                      </p:to>
+                                    </p:set>
+                                    <p:anim calcmode="lin" valueType="num">
+                                      <p:cBhvr additive="base">
+                                        <p:cTn id="15" dur="500" fill="hold"/>
+                                        <p:tgtEl>
+                                          <p:spTgt spid="3"/>
+                                        </p:tgtEl>
+                                        <p:attrNameLst>
+                                          <p:attrName>ppt_x</p:attrName>
+                                        </p:attrNameLst>
+                                      </p:cBhvr>
+                                      <p:tavLst>
+                                        <p:tav tm="0">
+                                          <p:val>
+                                            <p:strVal val="#ppt_x"/>
+                                          </p:val>
+                                        </p:tav>
+                                        <p:tav tm="100000">
+                                          <p:val>
+                                            <p:strVal val="#ppt_x"/>
+                                          </p:val>
+                                        </p:tav>
+                                      </p:tavLst>
+                                    </p:anim>
+                                    <p:anim calcmode="lin" valueType="num">
+                                      <p:cBhvr additive="base">
+                                        <p:cTn id="16" dur="500" fill="hold"/>
+                                        <p:tgtEl>
+                                          <p:spTgt spid="3"/>
+                                        </p:tgtEl>
+                                        <p:attrNameLst>
+                                          <p:attrName>ppt_y</p:attrName>
+                                        </p:attrNameLst>
+                                      </p:cBhvr>
+                                      <p:tavLst>
+                                        <p:tav tm="0">
+                                          <p:val>
+                                            <p:strVal val="1+#ppt_h/2"/>
+                                          </p:val>
+                                        </p:tav>
+                                        <p:tav tm="100000">
+                                          <p:val>
+                                            <p:strVal val="#ppt_y"/>
+                                          </p:val>
+                                        </p:tav>
+                                      </p:tavLst>
+                                    </p:anim>
+                                  </p:childTnLst>
+                                </p:cTn>
+                              </p:par>
+                              <p:par>
+                                <p:cTn id="17" presetID="2" presetClass="entr" presetSubtype="4" fill="hold" nodeType="withEffect">
+                                  <p:stCondLst>
+                                    <p:cond delay="0"/>
+                                  </p:stCondLst>
+                                  <p:childTnLst>
+                                    <p:set>
+                                      <p:cBhvr>
+                                        <p:cTn id="18" dur="1" fill="hold">
+                                          <p:stCondLst>
+                                            <p:cond delay="0"/>
+                                          </p:stCondLst>
+                                        </p:cTn>
+                                        <p:tgtEl>
+                                          <p:spTgt spid="4"/>
+                                        </p:tgtEl>
+                                        <p:attrNameLst>
+                                          <p:attrName>style.visibility</p:attrName>
+                                        </p:attrNameLst>
+                                      </p:cBhvr>
+                                      <p:to>
+                                        <p:strVal val="visible"/>
+                                      </p:to>
+                                    </p:set>
+                                    <p:anim calcmode="lin" valueType="num">
+                                      <p:cBhvr additive="base">
+                                        <p:cTn id="19" dur="500" fill="hold"/>
+                                        <p:tgtEl>
+                                          <p:spTgt spid="4"/>
+                                        </p:tgtEl>
+                                        <p:attrNameLst>
+                                          <p:attrName>ppt_x</p:attrName>
+                                        </p:attrNameLst>
+                                      </p:cBhvr>
+                                      <p:tavLst>
+                                        <p:tav tm="0">
+                                          <p:val>
+                                            <p:strVal val="#ppt_x"/>
+                                          </p:val>
+                                        </p:tav>
+                                        <p:tav tm="100000">
+                                          <p:val>
+                                            <p:strVal val="#ppt_x"/>
+                                          </p:val>
+                                        </p:tav>
+                                      </p:tavLst>
+                                    </p:anim>
+                                    <p:anim calcmode="lin" valueType="num">
+                                      <p:cBhvr additive="base">
+                                        <p:cTn id="20" dur="500" fill="hold"/>
+                                        <p:tgtEl>
+                                          <p:spTgt spid="4"/>
+                                        </p:tgtEl>
+                                        <p:attrNameLst>
+                                          <p:attrName>ppt_y</p:attrName>
+                                        </p:attrNameLst>
+                                      </p:cBhvr>
+                                      <p:tavLst>
+                                        <p:tav tm="0">
+                                          <p:val>
+                                            <p:strVal val="1+#ppt_h/2"/>
+                                          </p:val>
+                                        </p:tav>
+                                        <p:tav tm="100000">
+                                          <p:val>
+                                            <p:strVal val="#ppt_y"/>
+                                          </p:val>
+                                        </p:tav>
+                                      </p:tavLst>
+                                    </p:anim>
+                                  </p:childTnLst>
+                                </p:cTn>
+                              </p:par>
+                              <p:par>
+                                <p:cTn id="21" presetID="2" presetClass="entr" presetSubtype="4" fill="hold" grpId="0" nodeType="withEffect">
+                                  <p:stCondLst>
+                                    <p:cond delay="0"/>
+                                  </p:stCondLst>
+                                  <p:childTnLst>
+                                    <p:set>
+                                      <p:cBhvr>
+                                        <p:cTn id="22" dur="1" fill="hold">
+                                          <p:stCondLst>
+                                            <p:cond delay="0"/>
+                                          </p:stCondLst>
+                                        </p:cTn>
+                                        <p:tgtEl>
+                                          <p:spTgt spid="5"/>
+                                        </p:tgtEl>
+                                        <p:attrNameLst>
+                                          <p:attrName>style.visibility</p:attrName>
+                                        </p:attrNameLst>
+                                      </p:cBhvr>
+                                      <p:to>
+                                        <p:strVal val="visible"/>
+                                      </p:to>
+                                    </p:set>
+                                    <p:anim calcmode="lin" valueType="num">
+                                      <p:cBhvr additive="base">
+                                        <p:cTn id="23" dur="500" fill="hold"/>
+                                        <p:tgtEl>
+                                          <p:spTgt spid="5"/>
+                                        </p:tgtEl>
+                                        <p:attrNameLst>
+                                          <p:attrName>ppt_x</p:attrName>
+                                        </p:attrNameLst>
+                                      </p:cBhvr>
+                                      <p:tavLst>
+                                        <p:tav tm="0">
+                                          <p:val>
+                                            <p:strVal val="#ppt_x"/>
+                                          </p:val>
+                                        </p:tav>
+                                        <p:tav tm="100000">
+                                          <p:val>
+                                            <p:strVal val="#ppt_x"/>
+                                          </p:val>
+                                        </p:tav>
+                                      </p:tavLst>
+                                    </p:anim>
+                                    <p:anim calcmode="lin" valueType="num">
+                                      <p:cBhvr additive="base">
+                                        <p:cTn id="24" dur="500" fill="hold"/>
+                                        <p:tgtEl>
+                                          <p:spTgt spid="5"/>
+                                        </p:tgtEl>
+                                        <p:attrNameLst>
+                                          <p:attrName>ppt_y</p:attrName>
+                                        </p:attrNameLst>
+                                      </p:cBhvr>
+                                      <p:tavLst>
+                                        <p:tav tm="0">
+                                          <p:val>
+                                            <p:strVal val="1+#ppt_h/2"/>
+                                          </p:val>
+                                        </p:tav>
+                                        <p:tav tm="100000">
+                                          <p:val>
+                                            <p:strVal val="#ppt_y"/>
+                                          </p:val>
+                                        </p:tav>
+                                      </p:tavLst>
+                                    </p:anim>
+                                  </p:childTnLst>
+                                </p:cTn>
+                              </p:par>
+                              <p:par>
+                                <p:cTn id="25" presetID="2" presetClass="entr" presetSubtype="4" fill="hold" nodeType="withEffect">
+                                  <p:stCondLst>
+                                    <p:cond delay="0"/>
+                                  </p:stCondLst>
+                                  <p:childTnLst>
+                                    <p:set>
+                                      <p:cBhvr>
+                                        <p:cTn id="26" dur="1" fill="hold">
+                                          <p:stCondLst>
+                                            <p:cond delay="0"/>
+                                          </p:stCondLst>
+                                        </p:cTn>
+                                        <p:tgtEl>
+                                          <p:spTgt spid="11"/>
+                                        </p:tgtEl>
+                                        <p:attrNameLst>
+                                          <p:attrName>style.visibility</p:attrName>
+                                        </p:attrNameLst>
+                                      </p:cBhvr>
+                                      <p:to>
+                                        <p:strVal val="visible"/>
+                                      </p:to>
+                                    </p:set>
+                                    <p:anim calcmode="lin" valueType="num">
+                                      <p:cBhvr additive="base">
+                                        <p:cTn id="27" dur="500" fill="hold"/>
+                                        <p:tgtEl>
+                                          <p:spTgt spid="11"/>
+                                        </p:tgtEl>
+                                        <p:attrNameLst>
+                                          <p:attrName>ppt_x</p:attrName>
+                                        </p:attrNameLst>
+                                      </p:cBhvr>
+                                      <p:tavLst>
+                                        <p:tav tm="0">
+                                          <p:val>
+                                            <p:strVal val="#ppt_x"/>
+                                          </p:val>
+                                        </p:tav>
+                                        <p:tav tm="100000">
+                                          <p:val>
+                                            <p:strVal val="#ppt_x"/>
+                                          </p:val>
+                                        </p:tav>
+                                      </p:tavLst>
+                                    </p:anim>
+                                    <p:anim calcmode="lin" valueType="num">
+                                      <p:cBhvr additive="base">
+                                        <p:cTn id="28" dur="500" fill="hold"/>
+                                        <p:tgtEl>
+                                          <p:spTgt spid="11"/>
+                                        </p:tgtEl>
+                                        <p:attrNameLst>
+                                          <p:attrName>ppt_y</p:attrName>
+                                        </p:attrNameLst>
+                                      </p:cBhvr>
+                                      <p:tavLst>
+                                        <p:tav tm="0">
+                                          <p:val>
+                                            <p:strVal val="1+#ppt_h/2"/>
+                                          </p:val>
+                                        </p:tav>
+                                        <p:tav tm="100000">
+                                          <p:val>
+                                            <p:strVal val="#ppt_y"/>
+                                          </p:val>
+                                        </p:tav>
+                                      </p:tavLst>
+                                    </p:anim>
+                                  </p:childTnLst>
+                                </p:cTn>
+                              </p:par>
+                              <p:par>
+                                <p:cTn id="29" presetID="2" presetClass="entr" presetSubtype="4" fill="hold" grpId="0" nodeType="withEffect">
+                                  <p:stCondLst>
+                                    <p:cond delay="0"/>
+                                  </p:stCondLst>
+                                  <p:childTnLst>
+                                    <p:set>
+                                      <p:cBhvr>
+                                        <p:cTn id="30" dur="1" fill="hold">
+                                          <p:stCondLst>
+                                            <p:cond delay="0"/>
+                                          </p:stCondLst>
+                                        </p:cTn>
+                                        <p:tgtEl>
+                                          <p:spTgt spid="12"/>
+                                        </p:tgtEl>
+                                        <p:attrNameLst>
+                                          <p:attrName>style.visibility</p:attrName>
+                                        </p:attrNameLst>
+                                      </p:cBhvr>
+                                      <p:to>
+                                        <p:strVal val="visible"/>
+                                      </p:to>
+                                    </p:set>
+                                    <p:anim calcmode="lin" valueType="num">
+                                      <p:cBhvr additive="base">
+                                        <p:cTn id="31" dur="500" fill="hold"/>
+                                        <p:tgtEl>
+                                          <p:spTgt spid="12"/>
+                                        </p:tgtEl>
+                                        <p:attrNameLst>
+                                          <p:attrName>ppt_x</p:attrName>
+                                        </p:attrNameLst>
+                                      </p:cBhvr>
+                                      <p:tavLst>
+                                        <p:tav tm="0">
+                                          <p:val>
+                                            <p:strVal val="#ppt_x"/>
+                                          </p:val>
+                                        </p:tav>
+                                        <p:tav tm="100000">
+                                          <p:val>
+                                            <p:strVal val="#ppt_x"/>
+                                          </p:val>
+                                        </p:tav>
+                                      </p:tavLst>
+                                    </p:anim>
+                                    <p:anim calcmode="lin" valueType="num">
+                                      <p:cBhvr additive="base">
+                                        <p:cTn id="32" dur="500" fill="hold"/>
+                                        <p:tgtEl>
+                                          <p:spTgt spid="12"/>
+                                        </p:tgtEl>
+                                        <p:attrNameLst>
+                                          <p:attrName>ppt_y</p:attrName>
+                                        </p:attrNameLst>
+                                      </p:cBhvr>
+                                      <p:tavLst>
+                                        <p:tav tm="0">
+                                          <p:val>
+                                            <p:strVal val="1+#ppt_h/2"/>
+                                          </p:val>
+                                        </p:tav>
+                                        <p:tav tm="100000">
+                                          <p:val>
+                                            <p:strVal val="#ppt_y"/>
+                                          </p:val>
+                                        </p:tav>
+                                      </p:tavLst>
+                                    </p:anim>
+                                  </p:childTnLst>
+                                </p:cTn>
+                              </p:par>
+                              <p:par>
+                                <p:cTn id="33" presetID="2" presetClass="entr" presetSubtype="4" fill="hold" nodeType="withEffect">
+                                  <p:stCondLst>
+                                    <p:cond delay="0"/>
+                                  </p:stCondLst>
+                                  <p:childTnLst>
+                                    <p:set>
+                                      <p:cBhvr>
+                                        <p:cTn id="34" dur="1" fill="hold">
+                                          <p:stCondLst>
+                                            <p:cond delay="0"/>
+                                          </p:stCondLst>
+                                        </p:cTn>
+                                        <p:tgtEl>
+                                          <p:spTgt spid="14"/>
+                                        </p:tgtEl>
+                                        <p:attrNameLst>
+                                          <p:attrName>style.visibility</p:attrName>
+                                        </p:attrNameLst>
+                                      </p:cBhvr>
+                                      <p:to>
+                                        <p:strVal val="visible"/>
+                                      </p:to>
+                                    </p:set>
+                                    <p:anim calcmode="lin" valueType="num">
+                                      <p:cBhvr additive="base">
+                                        <p:cTn id="35" dur="500" fill="hold"/>
+                                        <p:tgtEl>
+                                          <p:spTgt spid="14"/>
+                                        </p:tgtEl>
+                                        <p:attrNameLst>
+                                          <p:attrName>ppt_x</p:attrName>
+                                        </p:attrNameLst>
+                                      </p:cBhvr>
+                                      <p:tavLst>
+                                        <p:tav tm="0">
+                                          <p:val>
+                                            <p:strVal val="#ppt_x"/>
+                                          </p:val>
+                                        </p:tav>
+                                        <p:tav tm="100000">
+                                          <p:val>
+                                            <p:strVal val="#ppt_x"/>
+                                          </p:val>
+                                        </p:tav>
+                                      </p:tavLst>
+                                    </p:anim>
+                                    <p:anim calcmode="lin" valueType="num">
+                                      <p:cBhvr additive="base">
+                                        <p:cTn id="36" dur="500" fill="hold"/>
+                                        <p:tgtEl>
+                                          <p:spTgt spid="14"/>
+                                        </p:tgtEl>
+                                        <p:attrNameLst>
+                                          <p:attrName>ppt_y</p:attrName>
+                                        </p:attrNameLst>
+                                      </p:cBhvr>
+                                      <p:tavLst>
+                                        <p:tav tm="0">
+                                          <p:val>
+                                            <p:strVal val="1+#ppt_h/2"/>
+                                          </p:val>
+                                        </p:tav>
+                                        <p:tav tm="100000">
+                                          <p:val>
+                                            <p:strVal val="#ppt_y"/>
+                                          </p:val>
+                                        </p:tav>
+                                      </p:tavLst>
+                                    </p:anim>
+                                  </p:childTnLst>
+                                </p:cTn>
+                              </p:par>
+                              <p:par>
+                                <p:cTn id="37" presetID="2" presetClass="entr" presetSubtype="4" fill="hold" grpId="0" nodeType="withEffect">
+                                  <p:stCondLst>
+                                    <p:cond delay="0"/>
+                                  </p:stCondLst>
+                                  <p:childTnLst>
+                                    <p:set>
+                                      <p:cBhvr>
+                                        <p:cTn id="38" dur="1" fill="hold">
+                                          <p:stCondLst>
+                                            <p:cond delay="0"/>
+                                          </p:stCondLst>
+                                        </p:cTn>
+                                        <p:tgtEl>
+                                          <p:spTgt spid="15"/>
+                                        </p:tgtEl>
+                                        <p:attrNameLst>
+                                          <p:attrName>style.visibility</p:attrName>
+                                        </p:attrNameLst>
+                                      </p:cBhvr>
+                                      <p:to>
+                                        <p:strVal val="visible"/>
+                                      </p:to>
+                                    </p:set>
+                                    <p:anim calcmode="lin" valueType="num">
+                                      <p:cBhvr additive="base">
+                                        <p:cTn id="39" dur="500" fill="hold"/>
+                                        <p:tgtEl>
+                                          <p:spTgt spid="15"/>
+                                        </p:tgtEl>
+                                        <p:attrNameLst>
+                                          <p:attrName>ppt_x</p:attrName>
+                                        </p:attrNameLst>
+                                      </p:cBhvr>
+                                      <p:tavLst>
+                                        <p:tav tm="0">
+                                          <p:val>
+                                            <p:strVal val="#ppt_x"/>
+                                          </p:val>
+                                        </p:tav>
+                                        <p:tav tm="100000">
+                                          <p:val>
+                                            <p:strVal val="#ppt_x"/>
+                                          </p:val>
+                                        </p:tav>
+                                      </p:tavLst>
+                                    </p:anim>
+                                    <p:anim calcmode="lin" valueType="num">
+                                      <p:cBhvr additive="base">
+                                        <p:cTn id="40" dur="500" fill="hold"/>
+                                        <p:tgtEl>
+                                          <p:spTgt spid="15"/>
+                                        </p:tgtEl>
+                                        <p:attrNameLst>
+                                          <p:attrName>ppt_y</p:attrName>
+                                        </p:attrNameLst>
+                                      </p:cBhvr>
+                                      <p:tavLst>
+                                        <p:tav tm="0">
+                                          <p:val>
+                                            <p:strVal val="1+#ppt_h/2"/>
+                                          </p:val>
+                                        </p:tav>
+                                        <p:tav tm="100000">
+                                          <p:val>
+                                            <p:strVal val="#ppt_y"/>
+                                          </p:val>
+                                        </p:tav>
+                                      </p:tavLst>
+                                    </p:anim>
+                                  </p:childTnLst>
+                                </p:cTn>
+                              </p:par>
+                              <p:par>
+                                <p:cTn id="41" presetID="2" presetClass="entr" presetSubtype="4" fill="hold" nodeType="withEffect">
+                                  <p:stCondLst>
+                                    <p:cond delay="0"/>
+                                  </p:stCondLst>
+                                  <p:childTnLst>
+                                    <p:set>
+                                      <p:cBhvr>
+                                        <p:cTn id="42" dur="1" fill="hold">
+                                          <p:stCondLst>
+                                            <p:cond delay="0"/>
+                                          </p:stCondLst>
+                                        </p:cTn>
+                                        <p:tgtEl>
+                                          <p:spTgt spid="17"/>
+                                        </p:tgtEl>
+                                        <p:attrNameLst>
+                                          <p:attrName>style.visibility</p:attrName>
+                                        </p:attrNameLst>
+                                      </p:cBhvr>
+                                      <p:to>
+                                        <p:strVal val="visible"/>
+                                      </p:to>
+                                    </p:set>
+                                    <p:anim calcmode="lin" valueType="num">
+                                      <p:cBhvr additive="base">
+                                        <p:cTn id="43" dur="500" fill="hold"/>
+                                        <p:tgtEl>
+                                          <p:spTgt spid="17"/>
+                                        </p:tgtEl>
+                                        <p:attrNameLst>
+                                          <p:attrName>ppt_x</p:attrName>
+                                        </p:attrNameLst>
+                                      </p:cBhvr>
+                                      <p:tavLst>
+                                        <p:tav tm="0">
+                                          <p:val>
+                                            <p:strVal val="#ppt_x"/>
+                                          </p:val>
+                                        </p:tav>
+                                        <p:tav tm="100000">
+                                          <p:val>
+                                            <p:strVal val="#ppt_x"/>
+                                          </p:val>
+                                        </p:tav>
+                                      </p:tavLst>
+                                    </p:anim>
+                                    <p:anim calcmode="lin" valueType="num">
+                                      <p:cBhvr additive="base">
+                                        <p:cTn id="44" dur="500" fill="hold"/>
+                                        <p:tgtEl>
+                                          <p:spTgt spid="17"/>
+                                        </p:tgtEl>
+                                        <p:attrNameLst>
+                                          <p:attrName>ppt_y</p:attrName>
+                                        </p:attrNameLst>
+                                      </p:cBhvr>
+                                      <p:tavLst>
+                                        <p:tav tm="0">
+                                          <p:val>
+                                            <p:strVal val="1+#ppt_h/2"/>
+                                          </p:val>
+                                        </p:tav>
+                                        <p:tav tm="100000">
+                                          <p:val>
+                                            <p:strVal val="#ppt_y"/>
+                                          </p:val>
+                                        </p:tav>
+                                      </p:tavLst>
+                                    </p:anim>
+                                  </p:childTnLst>
+                                </p:cTn>
+                              </p:par>
+                              <p:par>
+                                <p:cTn id="45" presetID="2" presetClass="entr" presetSubtype="4" fill="hold" grpId="0" nodeType="withEffect">
+                                  <p:stCondLst>
+                                    <p:cond delay="0"/>
+                                  </p:stCondLst>
+                                  <p:childTnLst>
+                                    <p:set>
+                                      <p:cBhvr>
+                                        <p:cTn id="46" dur="1" fill="hold">
+                                          <p:stCondLst>
+                                            <p:cond delay="0"/>
+                                          </p:stCondLst>
+                                        </p:cTn>
+                                        <p:tgtEl>
+                                          <p:spTgt spid="18"/>
+                                        </p:tgtEl>
+                                        <p:attrNameLst>
+                                          <p:attrName>style.visibility</p:attrName>
+                                        </p:attrNameLst>
+                                      </p:cBhvr>
+                                      <p:to>
+                                        <p:strVal val="visible"/>
+                                      </p:to>
+                                    </p:set>
+                                    <p:anim calcmode="lin" valueType="num">
+                                      <p:cBhvr additive="base">
+                                        <p:cTn id="47" dur="500" fill="hold"/>
+                                        <p:tgtEl>
+                                          <p:spTgt spid="18"/>
+                                        </p:tgtEl>
+                                        <p:attrNameLst>
+                                          <p:attrName>ppt_x</p:attrName>
+                                        </p:attrNameLst>
+                                      </p:cBhvr>
+                                      <p:tavLst>
+                                        <p:tav tm="0">
+                                          <p:val>
+                                            <p:strVal val="#ppt_x"/>
+                                          </p:val>
+                                        </p:tav>
+                                        <p:tav tm="100000">
+                                          <p:val>
+                                            <p:strVal val="#ppt_x"/>
+                                          </p:val>
+                                        </p:tav>
+                                      </p:tavLst>
+                                    </p:anim>
+                                    <p:anim calcmode="lin" valueType="num">
+                                      <p:cBhvr additive="base">
+                                        <p:cTn id="48" dur="500" fill="hold"/>
+                                        <p:tgtEl>
+                                          <p:spTgt spid="18"/>
+                                        </p:tgtEl>
+                                        <p:attrNameLst>
+                                          <p:attrName>ppt_y</p:attrName>
+                                        </p:attrNameLst>
+                                      </p:cBhvr>
+                                      <p:tavLst>
+                                        <p:tav tm="0">
+                                          <p:val>
+                                            <p:strVal val="1+#ppt_h/2"/>
+                                          </p:val>
+                                        </p:tav>
+                                        <p:tav tm="100000">
+                                          <p:val>
+                                            <p:strVal val="#ppt_y"/>
+                                          </p:val>
+                                        </p:tav>
+                                      </p:tavLst>
+                                    </p:anim>
+                                  </p:childTnLst>
+                                </p:cTn>
+                              </p:par>
+                              <p:par>
+                                <p:cTn id="49" presetID="2" presetClass="entr" presetSubtype="4" fill="hold" nodeType="withEffect">
+                                  <p:stCondLst>
+                                    <p:cond delay="0"/>
+                                  </p:stCondLst>
+                                  <p:childTnLst>
+                                    <p:set>
+                                      <p:cBhvr>
+                                        <p:cTn id="50" dur="1" fill="hold">
+                                          <p:stCondLst>
+                                            <p:cond delay="0"/>
+                                          </p:stCondLst>
+                                        </p:cTn>
+                                        <p:tgtEl>
+                                          <p:spTgt spid="20"/>
+                                        </p:tgtEl>
+                                        <p:attrNameLst>
+                                          <p:attrName>style.visibility</p:attrName>
+                                        </p:attrNameLst>
+                                      </p:cBhvr>
+                                      <p:to>
+                                        <p:strVal val="visible"/>
+                                      </p:to>
+                                    </p:set>
+                                    <p:anim calcmode="lin" valueType="num">
+                                      <p:cBhvr additive="base">
+                                        <p:cTn id="51" dur="500" fill="hold"/>
+                                        <p:tgtEl>
+                                          <p:spTgt spid="20"/>
+                                        </p:tgtEl>
+                                        <p:attrNameLst>
+                                          <p:attrName>ppt_x</p:attrName>
+                                        </p:attrNameLst>
+                                      </p:cBhvr>
+                                      <p:tavLst>
+                                        <p:tav tm="0">
+                                          <p:val>
+                                            <p:strVal val="#ppt_x"/>
+                                          </p:val>
+                                        </p:tav>
+                                        <p:tav tm="100000">
+                                          <p:val>
+                                            <p:strVal val="#ppt_x"/>
+                                          </p:val>
+                                        </p:tav>
+                                      </p:tavLst>
+                                    </p:anim>
+                                    <p:anim calcmode="lin" valueType="num">
+                                      <p:cBhvr additive="base">
+                                        <p:cTn id="52" dur="500" fill="hold"/>
+                                        <p:tgtEl>
+                                          <p:spTgt spid="20"/>
+                                        </p:tgtEl>
+                                        <p:attrNameLst>
+                                          <p:attrName>ppt_y</p:attrName>
+                                        </p:attrNameLst>
+                                      </p:cBhvr>
+                                      <p:tavLst>
+                                        <p:tav tm="0">
+                                          <p:val>
+                                            <p:strVal val="1+#ppt_h/2"/>
+                                          </p:val>
+                                        </p:tav>
+                                        <p:tav tm="100000">
+                                          <p:val>
+                                            <p:strVal val="#ppt_y"/>
+                                          </p:val>
+                                        </p:tav>
+                                      </p:tavLst>
+                                    </p:anim>
+                                  </p:childTnLst>
+                                </p:cTn>
+                              </p:par>
+                              <p:par>
+                                <p:cTn id="53" presetID="2" presetClass="entr" presetSubtype="4" fill="hold" grpId="0" nodeType="withEffect">
+                                  <p:stCondLst>
+                                    <p:cond delay="0"/>
+                                  </p:stCondLst>
+                                  <p:childTnLst>
+                                    <p:set>
+                                      <p:cBhvr>
+                                        <p:cTn id="54" dur="1" fill="hold">
+                                          <p:stCondLst>
+                                            <p:cond delay="0"/>
+                                          </p:stCondLst>
+                                        </p:cTn>
+                                        <p:tgtEl>
+                                          <p:spTgt spid="22"/>
+                                        </p:tgtEl>
+                                        <p:attrNameLst>
+                                          <p:attrName>style.visibility</p:attrName>
+                                        </p:attrNameLst>
+                                      </p:cBhvr>
+                                      <p:to>
+                                        <p:strVal val="visible"/>
+                                      </p:to>
+                                    </p:set>
+                                    <p:anim calcmode="lin" valueType="num">
+                                      <p:cBhvr additive="base">
+                                        <p:cTn id="55" dur="500" fill="hold"/>
+                                        <p:tgtEl>
+                                          <p:spTgt spid="22"/>
+                                        </p:tgtEl>
+                                        <p:attrNameLst>
+                                          <p:attrName>ppt_x</p:attrName>
+                                        </p:attrNameLst>
+                                      </p:cBhvr>
+                                      <p:tavLst>
+                                        <p:tav tm="0">
+                                          <p:val>
+                                            <p:strVal val="#ppt_x"/>
+                                          </p:val>
+                                        </p:tav>
+                                        <p:tav tm="100000">
+                                          <p:val>
+                                            <p:strVal val="#ppt_x"/>
+                                          </p:val>
+                                        </p:tav>
+                                      </p:tavLst>
+                                    </p:anim>
+                                    <p:anim calcmode="lin" valueType="num">
+                                      <p:cBhvr additive="base">
+                                        <p:cTn id="56" dur="500" fill="hold"/>
+                                        <p:tgtEl>
+                                          <p:spTgt spid="22"/>
+                                        </p:tgtEl>
+                                        <p:attrNameLst>
+                                          <p:attrName>ppt_y</p:attrName>
+                                        </p:attrNameLst>
+                                      </p:cBhvr>
+                                      <p:tavLst>
+                                        <p:tav tm="0">
+                                          <p:val>
+                                            <p:strVal val="1+#ppt_h/2"/>
+                                          </p:val>
+                                        </p:tav>
+                                        <p:tav tm="100000">
+                                          <p:val>
+                                            <p:strVal val="#ppt_y"/>
+                                          </p:val>
+                                        </p:tav>
+                                      </p:tavLst>
+                                    </p:anim>
+                                  </p:childTnLst>
+                                </p:cTn>
+                              </p:par>
+                              <p:par>
+                                <p:cTn id="57" presetID="2" presetClass="entr" presetSubtype="4" fill="hold" nodeType="withEffect">
+                                  <p:stCondLst>
+                                    <p:cond delay="0"/>
+                                  </p:stCondLst>
+                                  <p:childTnLst>
+                                    <p:set>
+                                      <p:cBhvr>
+                                        <p:cTn id="58" dur="1" fill="hold">
+                                          <p:stCondLst>
+                                            <p:cond delay="0"/>
+                                          </p:stCondLst>
+                                        </p:cTn>
+                                        <p:tgtEl>
+                                          <p:spTgt spid="24"/>
+                                        </p:tgtEl>
+                                        <p:attrNameLst>
+                                          <p:attrName>style.visibility</p:attrName>
+                                        </p:attrNameLst>
+                                      </p:cBhvr>
+                                      <p:to>
+                                        <p:strVal val="visible"/>
+                                      </p:to>
+                                    </p:set>
+                                    <p:anim calcmode="lin" valueType="num">
+                                      <p:cBhvr additive="base">
+                                        <p:cTn id="59" dur="500" fill="hold"/>
+                                        <p:tgtEl>
+                                          <p:spTgt spid="24"/>
+                                        </p:tgtEl>
+                                        <p:attrNameLst>
+                                          <p:attrName>ppt_x</p:attrName>
+                                        </p:attrNameLst>
+                                      </p:cBhvr>
+                                      <p:tavLst>
+                                        <p:tav tm="0">
+                                          <p:val>
+                                            <p:strVal val="#ppt_x"/>
+                                          </p:val>
+                                        </p:tav>
+                                        <p:tav tm="100000">
+                                          <p:val>
+                                            <p:strVal val="#ppt_x"/>
+                                          </p:val>
+                                        </p:tav>
+                                      </p:tavLst>
+                                    </p:anim>
+                                    <p:anim calcmode="lin" valueType="num">
+                                      <p:cBhvr additive="base">
+                                        <p:cTn id="60" dur="500" fill="hold"/>
+                                        <p:tgtEl>
+                                          <p:spTgt spid="24"/>
+                                        </p:tgtEl>
+                                        <p:attrNameLst>
+                                          <p:attrName>ppt_y</p:attrName>
+                                        </p:attrNameLst>
+                                      </p:cBhvr>
+                                      <p:tavLst>
+                                        <p:tav tm="0">
+                                          <p:val>
+                                            <p:strVal val="1+#ppt_h/2"/>
+                                          </p:val>
+                                        </p:tav>
+                                        <p:tav tm="100000">
+                                          <p:val>
+                                            <p:strVal val="#ppt_y"/>
+                                          </p:val>
+                                        </p:tav>
+                                      </p:tavLst>
+                                    </p:anim>
+                                  </p:childTnLst>
+                                </p:cTn>
+                              </p:par>
+                              <p:par>
+                                <p:cTn id="61" presetID="2" presetClass="entr" presetSubtype="4" fill="hold" grpId="0" nodeType="withEffect">
+                                  <p:stCondLst>
+                                    <p:cond delay="0"/>
+                                  </p:stCondLst>
+                                  <p:childTnLst>
+                                    <p:set>
+                                      <p:cBhvr>
+                                        <p:cTn id="62" dur="1" fill="hold">
+                                          <p:stCondLst>
+                                            <p:cond delay="0"/>
+                                          </p:stCondLst>
+                                        </p:cTn>
+                                        <p:tgtEl>
+                                          <p:spTgt spid="26"/>
+                                        </p:tgtEl>
+                                        <p:attrNameLst>
+                                          <p:attrName>style.visibility</p:attrName>
+                                        </p:attrNameLst>
+                                      </p:cBhvr>
+                                      <p:to>
+                                        <p:strVal val="visible"/>
+                                      </p:to>
+                                    </p:set>
+                                    <p:anim calcmode="lin" valueType="num">
+                                      <p:cBhvr additive="base">
+                                        <p:cTn id="63" dur="500" fill="hold"/>
+                                        <p:tgtEl>
+                                          <p:spTgt spid="26"/>
+                                        </p:tgtEl>
+                                        <p:attrNameLst>
+                                          <p:attrName>ppt_x</p:attrName>
+                                        </p:attrNameLst>
+                                      </p:cBhvr>
+                                      <p:tavLst>
+                                        <p:tav tm="0">
+                                          <p:val>
+                                            <p:strVal val="#ppt_x"/>
+                                          </p:val>
+                                        </p:tav>
+                                        <p:tav tm="100000">
+                                          <p:val>
+                                            <p:strVal val="#ppt_x"/>
+                                          </p:val>
+                                        </p:tav>
+                                      </p:tavLst>
+                                    </p:anim>
+                                    <p:anim calcmode="lin" valueType="num">
+                                      <p:cBhvr additive="base">
+                                        <p:cTn id="64" dur="500" fill="hold"/>
+                                        <p:tgtEl>
+                                          <p:spTgt spid="26"/>
+                                        </p:tgtEl>
+                                        <p:attrNameLst>
+                                          <p:attrName>ppt_y</p:attrName>
+                                        </p:attrNameLst>
+                                      </p:cBhvr>
+                                      <p:tavLst>
+                                        <p:tav tm="0">
+                                          <p:val>
+                                            <p:strVal val="1+#ppt_h/2"/>
+                                          </p:val>
+                                        </p:tav>
+                                        <p:tav tm="100000">
+                                          <p:val>
+                                            <p:strVal val="#ppt_y"/>
+                                          </p:val>
+                                        </p:tav>
+                                      </p:tavLst>
+                                    </p:anim>
+                                  </p:childTnLst>
+                                </p:cTn>
+                              </p:par>
+                              <p:par>
+                                <p:cTn id="65" presetID="2" presetClass="entr" presetSubtype="4" fill="hold" nodeType="withEffect">
+                                  <p:stCondLst>
+                                    <p:cond delay="0"/>
+                                  </p:stCondLst>
+                                  <p:childTnLst>
+                                    <p:set>
+                                      <p:cBhvr>
+                                        <p:cTn id="66" dur="1" fill="hold">
+                                          <p:stCondLst>
+                                            <p:cond delay="0"/>
+                                          </p:stCondLst>
+                                        </p:cTn>
+                                        <p:tgtEl>
+                                          <p:spTgt spid="28"/>
+                                        </p:tgtEl>
+                                        <p:attrNameLst>
+                                          <p:attrName>style.visibility</p:attrName>
+                                        </p:attrNameLst>
+                                      </p:cBhvr>
+                                      <p:to>
+                                        <p:strVal val="visible"/>
+                                      </p:to>
+                                    </p:set>
+                                    <p:anim calcmode="lin" valueType="num">
+                                      <p:cBhvr additive="base">
+                                        <p:cTn id="67" dur="500" fill="hold"/>
+                                        <p:tgtEl>
+                                          <p:spTgt spid="28"/>
+                                        </p:tgtEl>
+                                        <p:attrNameLst>
+                                          <p:attrName>ppt_x</p:attrName>
+                                        </p:attrNameLst>
+                                      </p:cBhvr>
+                                      <p:tavLst>
+                                        <p:tav tm="0">
+                                          <p:val>
+                                            <p:strVal val="#ppt_x"/>
+                                          </p:val>
+                                        </p:tav>
+                                        <p:tav tm="100000">
+                                          <p:val>
+                                            <p:strVal val="#ppt_x"/>
+                                          </p:val>
+                                        </p:tav>
+                                      </p:tavLst>
+                                    </p:anim>
+                                    <p:anim calcmode="lin" valueType="num">
+                                      <p:cBhvr additive="base">
+                                        <p:cTn id="68" dur="500" fill="hold"/>
+                                        <p:tgtEl>
+                                          <p:spTgt spid="28"/>
+                                        </p:tgtEl>
+                                        <p:attrNameLst>
+                                          <p:attrName>ppt_y</p:attrName>
+                                        </p:attrNameLst>
+                                      </p:cBhvr>
+                                      <p:tavLst>
+                                        <p:tav tm="0">
+                                          <p:val>
+                                            <p:strVal val="1+#ppt_h/2"/>
+                                          </p:val>
+                                        </p:tav>
+                                        <p:tav tm="100000">
+                                          <p:val>
+                                            <p:strVal val="#ppt_y"/>
+                                          </p:val>
+                                        </p:tav>
+                                      </p:tavLst>
+                                    </p:anim>
+                                  </p:childTnLst>
+                                </p:cTn>
+                              </p:par>
                             </p:childTnLst>
                           </p:cTn>
                         </p:par>
@@ -6092,6 +9816,13 @@
     </p:tnLst>
     <p:bldLst>
       <p:bldP spid="2" grpId="0"/>
+      <p:bldP spid="3" grpId="0"/>
+      <p:bldP spid="5" grpId="0" animBg="1"/>
+      <p:bldP spid="12" grpId="0"/>
+      <p:bldP spid="15" grpId="0"/>
+      <p:bldP spid="18" grpId="0"/>
+      <p:bldP spid="22" grpId="0"/>
+      <p:bldP spid="26" grpId="0"/>
     </p:bldLst>
   </p:timing>
 </p:sld>
@@ -6100,6 +9831,40 @@
 <file path=ppt/slides/slide6.xml><?xml version="1.0" encoding="utf-8"?>
 <p:sld xmlns:a="http://schemas.openxmlformats.org/drawingml/2006/main" xmlns:r="http://schemas.openxmlformats.org/officeDocument/2006/relationships" xmlns:p="http://schemas.openxmlformats.org/presentationml/2006/main">
   <p:cSld>
+    <p:bg>
+      <p:bgPr>
+        <a:gradFill>
+          <a:gsLst>
+            <a:gs pos="0">
+              <a:schemeClr val="accent1">
+                <a:lumMod val="5000"/>
+                <a:lumOff val="95000"/>
+              </a:schemeClr>
+            </a:gs>
+            <a:gs pos="74000">
+              <a:schemeClr val="accent1">
+                <a:lumMod val="45000"/>
+                <a:lumOff val="55000"/>
+              </a:schemeClr>
+            </a:gs>
+            <a:gs pos="83000">
+              <a:schemeClr val="accent1">
+                <a:lumMod val="45000"/>
+                <a:lumOff val="55000"/>
+              </a:schemeClr>
+            </a:gs>
+            <a:gs pos="100000">
+              <a:schemeClr val="accent1">
+                <a:lumMod val="30000"/>
+                <a:lumOff val="70000"/>
+              </a:schemeClr>
+            </a:gs>
+          </a:gsLst>
+          <a:lin ang="5400000" scaled="1"/>
+        </a:gradFill>
+        <a:effectLst/>
+      </p:bgPr>
+    </p:bg>
     <p:spTree>
       <p:nvGrpSpPr>
         <p:cNvPr id="1" name=""/>
@@ -6116,10 +9881,10 @@
       </p:grpSpPr>
       <p:pic>
         <p:nvPicPr>
-          <p:cNvPr id="4" name="Image 3">
+          <p:cNvPr id="2" name="Image 1">
             <a:extLst>
               <a:ext uri="{FF2B5EF4-FFF2-40B4-BE49-F238E27FC236}">
-                <a16:creationId xmlns:a16="http://schemas.microsoft.com/office/drawing/2014/main" id="{E9229B35-05E7-15F9-5042-C9318BC286C1}"/>
+                <a16:creationId xmlns:a16="http://schemas.microsoft.com/office/drawing/2014/main" id="{B790C7EE-DA17-10A8-6B9D-6709CAEF4813}"/>
               </a:ext>
             </a:extLst>
           </p:cNvPr>
@@ -6136,8 +9901,38 @@
         </p:blipFill>
         <p:spPr>
           <a:xfrm>
-            <a:off x="11032434" y="205616"/>
-            <a:ext cx="753509" cy="500063"/>
+            <a:off x="604222" y="2574234"/>
+            <a:ext cx="3480766" cy="2226366"/>
+          </a:xfrm>
+          <a:prstGeom prst="rect">
+            <a:avLst/>
+          </a:prstGeom>
+        </p:spPr>
+      </p:pic>
+      <p:pic>
+        <p:nvPicPr>
+          <p:cNvPr id="3" name="Image 2">
+            <a:extLst>
+              <a:ext uri="{FF2B5EF4-FFF2-40B4-BE49-F238E27FC236}">
+                <a16:creationId xmlns:a16="http://schemas.microsoft.com/office/drawing/2014/main" id="{976C3DA1-C3B1-FE0B-60A5-92AE73A06C5C}"/>
+              </a:ext>
+            </a:extLst>
+          </p:cNvPr>
+          <p:cNvPicPr>
+            <a:picLocks noChangeAspect="1"/>
+          </p:cNvPicPr>
+          <p:nvPr/>
+        </p:nvPicPr>
+        <p:blipFill>
+          <a:blip r:embed="rId3"/>
+          <a:stretch>
+            <a:fillRect/>
+          </a:stretch>
+        </p:blipFill>
+        <p:spPr>
+          <a:xfrm>
+            <a:off x="968958" y="1797484"/>
+            <a:ext cx="951058" cy="957155"/>
           </a:xfrm>
           <a:prstGeom prst="rect">
             <a:avLst/>
@@ -6146,10 +9941,10 @@
       </p:pic>
       <p:sp>
         <p:nvSpPr>
-          <p:cNvPr id="5" name="ZoneTexte 4">
+          <p:cNvPr id="4" name="ZoneTexte 3">
             <a:extLst>
               <a:ext uri="{FF2B5EF4-FFF2-40B4-BE49-F238E27FC236}">
-                <a16:creationId xmlns:a16="http://schemas.microsoft.com/office/drawing/2014/main" id="{F2AA670B-DD11-DD33-3451-3A2417D0E439}"/>
+                <a16:creationId xmlns:a16="http://schemas.microsoft.com/office/drawing/2014/main" id="{F8157DAF-3707-BB64-C9EA-F6546378D2BF}"/>
               </a:ext>
             </a:extLst>
           </p:cNvPr>
@@ -6158,8 +9953,8 @@
         </p:nvSpPr>
         <p:spPr>
           <a:xfrm>
-            <a:off x="854765" y="1053551"/>
-            <a:ext cx="2196548" cy="400110"/>
+            <a:off x="1798983" y="1858617"/>
+            <a:ext cx="3826565" cy="646331"/>
           </a:xfrm>
           <a:prstGeom prst="rect">
             <a:avLst/>
@@ -6173,27 +9968,50 @@
           <a:lstStyle/>
           <a:p>
             <a:r>
-              <a:rPr lang="en-US" sz="2000" b="1" i="1" dirty="0">
-                <a:solidFill>
-                  <a:schemeClr val="accent1"/>
-                </a:solidFill>
+              <a:rPr lang="fr-FR" sz="1800" b="1" dirty="0">
+                <a:latin typeface="+mj-lt"/>
               </a:rPr>
-              <a:t>     </a:t>
+              <a:t>La checklist permet de suivre l'avancement de chaque sous taches</a:t>
             </a:r>
-            <a:r>
-              <a:rPr lang="en-US" sz="2000" b="1" i="1" dirty="0"/>
-              <a:t>Méthode Agile:</a:t>
-            </a:r>
-            <a:endParaRPr lang="fr-FR" sz="2000" b="1" i="1" dirty="0"/>
           </a:p>
         </p:txBody>
       </p:sp>
+      <p:pic>
+        <p:nvPicPr>
+          <p:cNvPr id="5" name="Image 4">
+            <a:extLst>
+              <a:ext uri="{FF2B5EF4-FFF2-40B4-BE49-F238E27FC236}">
+                <a16:creationId xmlns:a16="http://schemas.microsoft.com/office/drawing/2014/main" id="{50B09105-0881-A018-81BE-8C59F7C78821}"/>
+              </a:ext>
+            </a:extLst>
+          </p:cNvPr>
+          <p:cNvPicPr>
+            <a:picLocks noChangeAspect="1"/>
+          </p:cNvPicPr>
+          <p:nvPr/>
+        </p:nvPicPr>
+        <p:blipFill>
+          <a:blip r:embed="rId4"/>
+          <a:stretch>
+            <a:fillRect/>
+          </a:stretch>
+        </p:blipFill>
+        <p:spPr>
+          <a:xfrm>
+            <a:off x="4887564" y="4474210"/>
+            <a:ext cx="3219450" cy="2095500"/>
+          </a:xfrm>
+          <a:prstGeom prst="rect">
+            <a:avLst/>
+          </a:prstGeom>
+        </p:spPr>
+      </p:pic>
       <p:sp>
         <p:nvSpPr>
           <p:cNvPr id="6" name="ZoneTexte 5">
             <a:extLst>
               <a:ext uri="{FF2B5EF4-FFF2-40B4-BE49-F238E27FC236}">
-                <a16:creationId xmlns:a16="http://schemas.microsoft.com/office/drawing/2014/main" id="{7BBDB9C9-BA01-9C67-D9A6-8B9F7AB648B9}"/>
+                <a16:creationId xmlns:a16="http://schemas.microsoft.com/office/drawing/2014/main" id="{443104A2-9C5F-A38B-D5D8-2C0E74B6EA8F}"/>
               </a:ext>
             </a:extLst>
           </p:cNvPr>
@@ -6202,8 +10020,8 @@
         </p:nvSpPr>
         <p:spPr>
           <a:xfrm>
-            <a:off x="924340" y="1818861"/>
-            <a:ext cx="10585174" cy="3693319"/>
+            <a:off x="6339840" y="3546955"/>
+            <a:ext cx="3393440" cy="646331"/>
           </a:xfrm>
           <a:prstGeom prst="rect">
             <a:avLst/>
@@ -6216,246 +10034,184 @@
           </a:bodyPr>
           <a:lstStyle/>
           <a:p>
-            <a:pPr algn="l"/>
             <a:r>
-              <a:rPr lang="fr-FR" b="0" i="0" dirty="0">
-                <a:solidFill>
-                  <a:srgbClr val="202122"/>
-                </a:solidFill>
-                <a:effectLst/>
-                <a:latin typeface="barlow" panose="00000500000000000000" pitchFamily="2" charset="0"/>
+              <a:rPr lang="fr-FR" b="1" dirty="0">
+                <a:latin typeface="+mj-lt"/>
               </a:rPr>
-              <a:t>En ingénierie logicielle, les </a:t>
+              <a:t>Les Notifications à chaque mise a jours du ticket.</a:t>
             </a:r>
+          </a:p>
+        </p:txBody>
+      </p:sp>
+      <p:pic>
+        <p:nvPicPr>
+          <p:cNvPr id="7" name="Image 6">
+            <a:extLst>
+              <a:ext uri="{FF2B5EF4-FFF2-40B4-BE49-F238E27FC236}">
+                <a16:creationId xmlns:a16="http://schemas.microsoft.com/office/drawing/2014/main" id="{DC63601F-5D4D-ED8C-635B-77709ED75DF8}"/>
+              </a:ext>
+            </a:extLst>
+          </p:cNvPr>
+          <p:cNvPicPr>
+            <a:picLocks noChangeAspect="1"/>
+          </p:cNvPicPr>
+          <p:nvPr/>
+        </p:nvPicPr>
+        <p:blipFill>
+          <a:blip r:embed="rId3"/>
+          <a:stretch>
+            <a:fillRect/>
+          </a:stretch>
+        </p:blipFill>
+        <p:spPr>
+          <a:xfrm>
+            <a:off x="5539191" y="3671782"/>
+            <a:ext cx="951058" cy="957155"/>
+          </a:xfrm>
+          <a:prstGeom prst="rect">
+            <a:avLst/>
+          </a:prstGeom>
+        </p:spPr>
+      </p:pic>
+      <p:pic>
+        <p:nvPicPr>
+          <p:cNvPr id="10" name="Image 9">
+            <a:extLst>
+              <a:ext uri="{FF2B5EF4-FFF2-40B4-BE49-F238E27FC236}">
+                <a16:creationId xmlns:a16="http://schemas.microsoft.com/office/drawing/2014/main" id="{65AFBF75-005C-41C2-BD4A-E46E48E57D8A}"/>
+              </a:ext>
+            </a:extLst>
+          </p:cNvPr>
+          <p:cNvPicPr>
+            <a:picLocks noChangeAspect="1"/>
+          </p:cNvPicPr>
+          <p:nvPr/>
+        </p:nvPicPr>
+        <p:blipFill>
+          <a:blip r:embed="rId5"/>
+          <a:stretch>
+            <a:fillRect/>
+          </a:stretch>
+        </p:blipFill>
+        <p:spPr>
+          <a:xfrm>
+            <a:off x="5679440" y="1790286"/>
+            <a:ext cx="5564187" cy="1520190"/>
+          </a:xfrm>
+          <a:prstGeom prst="rect">
+            <a:avLst/>
+          </a:prstGeom>
+        </p:spPr>
+      </p:pic>
+      <p:pic>
+        <p:nvPicPr>
+          <p:cNvPr id="11" name="Image 10">
+            <a:extLst>
+              <a:ext uri="{FF2B5EF4-FFF2-40B4-BE49-F238E27FC236}">
+                <a16:creationId xmlns:a16="http://schemas.microsoft.com/office/drawing/2014/main" id="{5A178FBA-2063-5EE3-5D89-41B5C94F0AD9}"/>
+              </a:ext>
+            </a:extLst>
+          </p:cNvPr>
+          <p:cNvPicPr>
+            <a:picLocks noChangeAspect="1"/>
+          </p:cNvPicPr>
+          <p:nvPr/>
+        </p:nvPicPr>
+        <p:blipFill>
+          <a:blip r:embed="rId3"/>
+          <a:stretch>
+            <a:fillRect/>
+          </a:stretch>
+        </p:blipFill>
+        <p:spPr>
+          <a:xfrm>
+            <a:off x="6687271" y="999702"/>
+            <a:ext cx="951058" cy="957155"/>
+          </a:xfrm>
+          <a:prstGeom prst="rect">
+            <a:avLst/>
+          </a:prstGeom>
+        </p:spPr>
+      </p:pic>
+      <p:sp>
+        <p:nvSpPr>
+          <p:cNvPr id="14" name="ZoneTexte 13">
+            <a:extLst>
+              <a:ext uri="{FF2B5EF4-FFF2-40B4-BE49-F238E27FC236}">
+                <a16:creationId xmlns:a16="http://schemas.microsoft.com/office/drawing/2014/main" id="{E84433F3-A7D7-56FA-52F4-039C761314E2}"/>
+              </a:ext>
+            </a:extLst>
+          </p:cNvPr>
+          <p:cNvSpPr txBox="1"/>
+          <p:nvPr/>
+        </p:nvSpPr>
+        <p:spPr>
+          <a:xfrm>
+            <a:off x="7552052" y="1096272"/>
+            <a:ext cx="3605298" cy="646331"/>
+          </a:xfrm>
+          <a:prstGeom prst="rect">
+            <a:avLst/>
+          </a:prstGeom>
+          <a:noFill/>
+        </p:spPr>
+        <p:txBody>
+          <a:bodyPr wrap="square" rtlCol="0">
+            <a:spAutoFit/>
+          </a:bodyPr>
+          <a:lstStyle/>
+          <a:p>
             <a:r>
-              <a:rPr lang="fr-FR" b="1" i="0" dirty="0">
-                <a:solidFill>
-                  <a:srgbClr val="202122"/>
-                </a:solidFill>
-                <a:effectLst/>
-                <a:latin typeface="barlow" panose="00000500000000000000" pitchFamily="2" charset="0"/>
+              <a:rPr lang="fr-FR" b="1" dirty="0">
+                <a:latin typeface="+mj-lt"/>
               </a:rPr>
-              <a:t>pratiques agiles</a:t>
+              <a:t>Les commentaires permettent d’êtres  à jours et de mieux gérer les taches. </a:t>
             </a:r>
+          </a:p>
+        </p:txBody>
+      </p:sp>
+      <p:sp>
+        <p:nvSpPr>
+          <p:cNvPr id="15" name="ZoneTexte 14">
+            <a:extLst>
+              <a:ext uri="{FF2B5EF4-FFF2-40B4-BE49-F238E27FC236}">
+                <a16:creationId xmlns:a16="http://schemas.microsoft.com/office/drawing/2014/main" id="{2893F950-5002-156F-52C6-691A0853DB2B}"/>
+              </a:ext>
+            </a:extLst>
+          </p:cNvPr>
+          <p:cNvSpPr txBox="1"/>
+          <p:nvPr/>
+        </p:nvSpPr>
+        <p:spPr>
+          <a:xfrm flipH="1">
+            <a:off x="3243688" y="484569"/>
+            <a:ext cx="6106603" cy="400110"/>
+          </a:xfrm>
+          <a:prstGeom prst="rect">
+            <a:avLst/>
+          </a:prstGeom>
+          <a:noFill/>
+        </p:spPr>
+        <p:txBody>
+          <a:bodyPr wrap="square" rtlCol="0">
+            <a:spAutoFit/>
+          </a:bodyPr>
+          <a:lstStyle/>
+          <a:p>
+            <a:pPr algn="ctr"/>
             <a:r>
-              <a:rPr lang="fr-FR" b="0" i="0" dirty="0">
-                <a:solidFill>
-                  <a:srgbClr val="202122"/>
-                </a:solidFill>
-                <a:effectLst/>
-                <a:latin typeface="barlow" panose="00000500000000000000" pitchFamily="2" charset="0"/>
+              <a:rPr lang="fr-FR" sz="2000" b="1" dirty="0">
+                <a:latin typeface="barlow" panose="020F0502020204030204" pitchFamily="2" charset="0"/>
               </a:rPr>
-              <a:t> mettent en avant la collaboration entre des équipes autoorganisées et pluridisciplinaires et leurs clients</a:t>
+              <a:t>Comment suivre l’avancement de chaque carte ?</a:t>
             </a:r>
-            <a:r>
-              <a:rPr lang="fr-FR" b="0" i="0" u="none" strike="noStrike" baseline="30000" dirty="0">
-                <a:solidFill>
-                  <a:srgbClr val="3366CC"/>
-                </a:solidFill>
-                <a:effectLst/>
-                <a:latin typeface="barlow" panose="00000500000000000000" pitchFamily="2" charset="0"/>
-                <a:hlinkClick r:id="rId3"/>
-              </a:rPr>
-              <a:t>1</a:t>
-            </a:r>
-            <a:r>
-              <a:rPr lang="fr-FR" b="0" i="0" dirty="0">
-                <a:solidFill>
-                  <a:srgbClr val="202122"/>
-                </a:solidFill>
-                <a:effectLst/>
-                <a:latin typeface="barlow" panose="00000500000000000000" pitchFamily="2" charset="0"/>
-              </a:rPr>
-              <a:t>. Elles s'appuient sur l'utilisation d'un cadre méthodologique léger mais suffisant centré sur l'humain et la communication. Elles préconisent une planification adaptative, un développement évolutif, une livraison précoce et une amélioration continue, et elles encouragent des réponses flexibles au changement.</a:t>
-            </a:r>
-          </a:p>
-          <a:p>
-            <a:pPr algn="l"/>
-            <a:r>
-              <a:rPr lang="fr-FR" b="0" i="0" dirty="0">
-                <a:solidFill>
-                  <a:srgbClr val="202122"/>
-                </a:solidFill>
-                <a:effectLst/>
-                <a:latin typeface="barlow" panose="00000500000000000000" pitchFamily="2" charset="0"/>
-              </a:rPr>
-              <a:t>Cette approche a été popularisée à partir de 2001 par le </a:t>
-            </a:r>
-            <a:r>
-              <a:rPr lang="fr-FR" b="0" i="1" dirty="0">
-                <a:solidFill>
-                  <a:srgbClr val="202122"/>
-                </a:solidFill>
-                <a:effectLst/>
-                <a:latin typeface="barlow" panose="00000500000000000000" pitchFamily="2" charset="0"/>
-              </a:rPr>
-              <a:t>Manifeste pour le développement agile de logiciels</a:t>
-            </a:r>
-            <a:r>
-              <a:rPr lang="fr-FR" b="0" i="0" u="none" strike="noStrike" baseline="30000" dirty="0">
-                <a:solidFill>
-                  <a:srgbClr val="3366CC"/>
-                </a:solidFill>
-                <a:effectLst/>
-                <a:latin typeface="barlow" panose="00000500000000000000" pitchFamily="2" charset="0"/>
-                <a:hlinkClick r:id="rId4"/>
-              </a:rPr>
-              <a:t>5</a:t>
-            </a:r>
-            <a:r>
-              <a:rPr lang="fr-FR" b="0" i="0" dirty="0">
-                <a:solidFill>
-                  <a:srgbClr val="202122"/>
-                </a:solidFill>
-                <a:effectLst/>
-                <a:latin typeface="barlow" panose="00000500000000000000" pitchFamily="2" charset="0"/>
-              </a:rPr>
-              <a:t>. Les quatre valeurs et les douze principes adoptés dans ce manifeste sont issus d'un large éventail de méthodes dont </a:t>
-            </a:r>
-            <a:r>
-              <a:rPr lang="fr-FR" dirty="0">
-                <a:solidFill>
-                  <a:srgbClr val="202122"/>
-                </a:solidFill>
-                <a:latin typeface="barlow" panose="00000500000000000000" pitchFamily="2" charset="0"/>
-                <a:hlinkClick r:id="rId5" tooltip="Scrum (développement)">
-                  <a:extLst>
-                    <a:ext uri="{A12FA001-AC4F-418D-AE19-62706E023703}">
-                      <ahyp:hlinkClr xmlns:ahyp="http://schemas.microsoft.com/office/drawing/2018/hyperlinkcolor" val="tx"/>
-                    </a:ext>
-                  </a:extLst>
-                </a:hlinkClick>
-              </a:rPr>
-              <a:t>Scrum</a:t>
-            </a:r>
-            <a:r>
-              <a:rPr lang="fr-FR" dirty="0">
-                <a:solidFill>
-                  <a:srgbClr val="202122"/>
-                </a:solidFill>
-                <a:latin typeface="barlow" panose="00000500000000000000" pitchFamily="2" charset="0"/>
-              </a:rPr>
-              <a:t> et </a:t>
-            </a:r>
-            <a:r>
-              <a:rPr lang="fr-FR" dirty="0" err="1">
-                <a:solidFill>
-                  <a:srgbClr val="202122"/>
-                </a:solidFill>
-                <a:latin typeface="barlow" panose="00000500000000000000" pitchFamily="2" charset="0"/>
-                <a:hlinkClick r:id="rId6" tooltip="Extreme programming">
-                  <a:extLst>
-                    <a:ext uri="{A12FA001-AC4F-418D-AE19-62706E023703}">
-                      <ahyp:hlinkClr xmlns:ahyp="http://schemas.microsoft.com/office/drawing/2018/hyperlinkcolor" val="tx"/>
-                    </a:ext>
-                  </a:extLst>
-                </a:hlinkClick>
-              </a:rPr>
-              <a:t>eXtreme</a:t>
-            </a:r>
-            <a:r>
-              <a:rPr lang="fr-FR" dirty="0">
-                <a:solidFill>
-                  <a:srgbClr val="202122"/>
-                </a:solidFill>
-                <a:latin typeface="barlow" panose="00000500000000000000" pitchFamily="2" charset="0"/>
-                <a:hlinkClick r:id="rId6" tooltip="Extreme programming">
-                  <a:extLst>
-                    <a:ext uri="{A12FA001-AC4F-418D-AE19-62706E023703}">
-                      <ahyp:hlinkClr xmlns:ahyp="http://schemas.microsoft.com/office/drawing/2018/hyperlinkcolor" val="tx"/>
-                    </a:ext>
-                  </a:extLst>
-                </a:hlinkClick>
-              </a:rPr>
-              <a:t> Programming</a:t>
-            </a:r>
-            <a:r>
-              <a:rPr lang="fr-FR" b="0" i="0" dirty="0">
-                <a:solidFill>
-                  <a:srgbClr val="202122"/>
-                </a:solidFill>
-                <a:effectLst/>
-                <a:latin typeface="barlow" panose="00000500000000000000" pitchFamily="2" charset="0"/>
-              </a:rPr>
-              <a:t>. Depuis lors, les méthodes ou les approches qui s'inscrivent </a:t>
-            </a:r>
-            <a:r>
-              <a:rPr lang="fr-FR" dirty="0">
-                <a:solidFill>
-                  <a:srgbClr val="202122"/>
-                </a:solidFill>
-                <a:latin typeface="barlow" panose="00000500000000000000" pitchFamily="2" charset="0"/>
-              </a:rPr>
-              <a:t>dans la philosophie de ce manifeste </a:t>
-            </a:r>
-            <a:r>
-              <a:rPr lang="fr-FR" b="0" i="0" dirty="0">
-                <a:solidFill>
-                  <a:srgbClr val="202122"/>
-                </a:solidFill>
-                <a:effectLst/>
-                <a:latin typeface="barlow" panose="00000500000000000000" pitchFamily="2" charset="0"/>
-              </a:rPr>
-              <a:t>sont appelées « méthodes agiles».</a:t>
-            </a:r>
-          </a:p>
-          <a:p>
-            <a:pPr algn="l"/>
-            <a:r>
-              <a:rPr lang="fr-FR" b="0" i="0" dirty="0">
-                <a:solidFill>
-                  <a:srgbClr val="202122"/>
-                </a:solidFill>
-                <a:effectLst/>
-                <a:latin typeface="barlow" panose="00000500000000000000" pitchFamily="2" charset="0"/>
-              </a:rPr>
-              <a:t>Les méthodes agiles se veulent plus pragmatiques que les méthodes traditionnelles , impliquent au maximum le demandeur (client) et permettent une grande réactivité à ses demandes. Elles reposent sur un </a:t>
-            </a:r>
-            <a:r>
-              <a:rPr lang="fr-FR" dirty="0">
-                <a:solidFill>
-                  <a:srgbClr val="202122"/>
-                </a:solidFill>
-                <a:latin typeface="barlow" panose="00000500000000000000" pitchFamily="2" charset="0"/>
-                <a:hlinkClick r:id="rId7" tooltip="Cycle de développement (logiciel)">
-                  <a:extLst>
-                    <a:ext uri="{A12FA001-AC4F-418D-AE19-62706E023703}">
-                      <ahyp:hlinkClr xmlns:ahyp="http://schemas.microsoft.com/office/drawing/2018/hyperlinkcolor" val="tx"/>
-                    </a:ext>
-                  </a:extLst>
-                </a:hlinkClick>
-              </a:rPr>
-              <a:t>cycle de développement</a:t>
-            </a:r>
-            <a:r>
-              <a:rPr lang="fr-FR" dirty="0">
-                <a:solidFill>
-                  <a:srgbClr val="202122"/>
-                </a:solidFill>
-                <a:latin typeface="barlow" panose="00000500000000000000" pitchFamily="2" charset="0"/>
-              </a:rPr>
-              <a:t> itératif</a:t>
-            </a:r>
-            <a:r>
-              <a:rPr lang="fr-FR" b="0" i="0" dirty="0">
-                <a:solidFill>
-                  <a:srgbClr val="202122"/>
-                </a:solidFill>
-                <a:effectLst/>
-                <a:latin typeface="barlow" panose="00000500000000000000" pitchFamily="2" charset="0"/>
-              </a:rPr>
-              <a:t>, incrémental et adaptatif.</a:t>
-            </a:r>
-          </a:p>
-          <a:p>
-            <a:endParaRPr lang="fr-FR" dirty="0"/>
           </a:p>
         </p:txBody>
       </p:sp>
     </p:spTree>
     <p:extLst>
       <p:ext uri="{BB962C8B-B14F-4D97-AF65-F5344CB8AC3E}">
-        <p14:creationId xmlns:p14="http://schemas.microsoft.com/office/powerpoint/2010/main" val="3185914500"/>
+        <p14:creationId xmlns:p14="http://schemas.microsoft.com/office/powerpoint/2010/main" val="7469942"/>
       </p:ext>
     </p:extLst>
   </p:cSld>
@@ -6496,7 +10252,7 @@
                                           </p:stCondLst>
                                         </p:cTn>
                                         <p:tgtEl>
-                                          <p:spTgt spid="5"/>
+                                          <p:spTgt spid="15"/>
                                         </p:tgtEl>
                                         <p:attrNameLst>
                                           <p:attrName>style.visibility</p:attrName>
@@ -6510,7 +10266,7 @@
                                       <p:cBhvr additive="base">
                                         <p:cTn id="7" dur="500" fill="hold"/>
                                         <p:tgtEl>
-                                          <p:spTgt spid="5"/>
+                                          <p:spTgt spid="15"/>
                                         </p:tgtEl>
                                         <p:attrNameLst>
                                           <p:attrName>ppt_x</p:attrName>
@@ -6533,7 +10289,7 @@
                                       <p:cBhvr additive="base">
                                         <p:cTn id="8" dur="500" fill="hold"/>
                                         <p:tgtEl>
-                                          <p:spTgt spid="5"/>
+                                          <p:spTgt spid="15"/>
                                         </p:tgtEl>
                                         <p:attrNameLst>
                                           <p:attrName>ppt_y</p:attrName>
@@ -6555,39 +10311,21 @@
                                   </p:childTnLst>
                                 </p:cTn>
                               </p:par>
-                            </p:childTnLst>
-                          </p:cTn>
-                        </p:par>
-                      </p:childTnLst>
-                    </p:cTn>
-                  </p:par>
-                  <p:par>
-                    <p:cTn id="9" fill="hold">
-                      <p:stCondLst>
-                        <p:cond delay="indefinite"/>
-                      </p:stCondLst>
-                      <p:childTnLst>
-                        <p:par>
-                          <p:cTn id="10" fill="hold">
-                            <p:stCondLst>
-                              <p:cond delay="0"/>
-                            </p:stCondLst>
-                            <p:childTnLst>
                               <p:par>
-                                <p:cTn id="11" presetID="2" presetClass="entr" presetSubtype="4" fill="hold" grpId="0" nodeType="clickEffect">
+                                <p:cTn id="9" presetID="2" presetClass="entr" presetSubtype="4" fill="hold" nodeType="withEffect">
                                   <p:stCondLst>
                                     <p:cond delay="0"/>
                                   </p:stCondLst>
                                   <p:childTnLst>
                                     <p:set>
                                       <p:cBhvr>
-                                        <p:cTn id="12" dur="1" fill="hold">
+                                        <p:cTn id="10" dur="1" fill="hold">
                                           <p:stCondLst>
                                             <p:cond delay="0"/>
                                           </p:stCondLst>
                                         </p:cTn>
                                         <p:tgtEl>
-                                          <p:spTgt spid="6"/>
+                                          <p:spTgt spid="10"/>
                                         </p:tgtEl>
                                         <p:attrNameLst>
                                           <p:attrName>style.visibility</p:attrName>
@@ -6599,9 +10337,9 @@
                                     </p:set>
                                     <p:anim calcmode="lin" valueType="num">
                                       <p:cBhvr additive="base">
-                                        <p:cTn id="13" dur="500" fill="hold"/>
-                                        <p:tgtEl>
-                                          <p:spTgt spid="6"/>
+                                        <p:cTn id="11" dur="500" fill="hold"/>
+                                        <p:tgtEl>
+                                          <p:spTgt spid="10"/>
                                         </p:tgtEl>
                                         <p:attrNameLst>
                                           <p:attrName>ppt_x</p:attrName>
@@ -6622,7 +10360,591 @@
                                     </p:anim>
                                     <p:anim calcmode="lin" valueType="num">
                                       <p:cBhvr additive="base">
-                                        <p:cTn id="14" dur="500" fill="hold"/>
+                                        <p:cTn id="12" dur="500" fill="hold"/>
+                                        <p:tgtEl>
+                                          <p:spTgt spid="10"/>
+                                        </p:tgtEl>
+                                        <p:attrNameLst>
+                                          <p:attrName>ppt_y</p:attrName>
+                                        </p:attrNameLst>
+                                      </p:cBhvr>
+                                      <p:tavLst>
+                                        <p:tav tm="0">
+                                          <p:val>
+                                            <p:strVal val="1+#ppt_h/2"/>
+                                          </p:val>
+                                        </p:tav>
+                                        <p:tav tm="100000">
+                                          <p:val>
+                                            <p:strVal val="#ppt_y"/>
+                                          </p:val>
+                                        </p:tav>
+                                      </p:tavLst>
+                                    </p:anim>
+                                  </p:childTnLst>
+                                </p:cTn>
+                              </p:par>
+                              <p:par>
+                                <p:cTn id="13" presetID="2" presetClass="entr" presetSubtype="4" fill="hold" grpId="0" nodeType="withEffect">
+                                  <p:stCondLst>
+                                    <p:cond delay="0"/>
+                                  </p:stCondLst>
+                                  <p:childTnLst>
+                                    <p:set>
+                                      <p:cBhvr>
+                                        <p:cTn id="14" dur="1" fill="hold">
+                                          <p:stCondLst>
+                                            <p:cond delay="0"/>
+                                          </p:stCondLst>
+                                        </p:cTn>
+                                        <p:tgtEl>
+                                          <p:spTgt spid="14"/>
+                                        </p:tgtEl>
+                                        <p:attrNameLst>
+                                          <p:attrName>style.visibility</p:attrName>
+                                        </p:attrNameLst>
+                                      </p:cBhvr>
+                                      <p:to>
+                                        <p:strVal val="visible"/>
+                                      </p:to>
+                                    </p:set>
+                                    <p:anim calcmode="lin" valueType="num">
+                                      <p:cBhvr additive="base">
+                                        <p:cTn id="15" dur="500" fill="hold"/>
+                                        <p:tgtEl>
+                                          <p:spTgt spid="14"/>
+                                        </p:tgtEl>
+                                        <p:attrNameLst>
+                                          <p:attrName>ppt_x</p:attrName>
+                                        </p:attrNameLst>
+                                      </p:cBhvr>
+                                      <p:tavLst>
+                                        <p:tav tm="0">
+                                          <p:val>
+                                            <p:strVal val="#ppt_x"/>
+                                          </p:val>
+                                        </p:tav>
+                                        <p:tav tm="100000">
+                                          <p:val>
+                                            <p:strVal val="#ppt_x"/>
+                                          </p:val>
+                                        </p:tav>
+                                      </p:tavLst>
+                                    </p:anim>
+                                    <p:anim calcmode="lin" valueType="num">
+                                      <p:cBhvr additive="base">
+                                        <p:cTn id="16" dur="500" fill="hold"/>
+                                        <p:tgtEl>
+                                          <p:spTgt spid="14"/>
+                                        </p:tgtEl>
+                                        <p:attrNameLst>
+                                          <p:attrName>ppt_y</p:attrName>
+                                        </p:attrNameLst>
+                                      </p:cBhvr>
+                                      <p:tavLst>
+                                        <p:tav tm="0">
+                                          <p:val>
+                                            <p:strVal val="1+#ppt_h/2"/>
+                                          </p:val>
+                                        </p:tav>
+                                        <p:tav tm="100000">
+                                          <p:val>
+                                            <p:strVal val="#ppt_y"/>
+                                          </p:val>
+                                        </p:tav>
+                                      </p:tavLst>
+                                    </p:anim>
+                                  </p:childTnLst>
+                                </p:cTn>
+                              </p:par>
+                              <p:par>
+                                <p:cTn id="17" presetID="2" presetClass="entr" presetSubtype="4" fill="hold" nodeType="withEffect">
+                                  <p:stCondLst>
+                                    <p:cond delay="0"/>
+                                  </p:stCondLst>
+                                  <p:childTnLst>
+                                    <p:set>
+                                      <p:cBhvr>
+                                        <p:cTn id="18" dur="1" fill="hold">
+                                          <p:stCondLst>
+                                            <p:cond delay="0"/>
+                                          </p:stCondLst>
+                                        </p:cTn>
+                                        <p:tgtEl>
+                                          <p:spTgt spid="11"/>
+                                        </p:tgtEl>
+                                        <p:attrNameLst>
+                                          <p:attrName>style.visibility</p:attrName>
+                                        </p:attrNameLst>
+                                      </p:cBhvr>
+                                      <p:to>
+                                        <p:strVal val="visible"/>
+                                      </p:to>
+                                    </p:set>
+                                    <p:anim calcmode="lin" valueType="num">
+                                      <p:cBhvr additive="base">
+                                        <p:cTn id="19" dur="500" fill="hold"/>
+                                        <p:tgtEl>
+                                          <p:spTgt spid="11"/>
+                                        </p:tgtEl>
+                                        <p:attrNameLst>
+                                          <p:attrName>ppt_x</p:attrName>
+                                        </p:attrNameLst>
+                                      </p:cBhvr>
+                                      <p:tavLst>
+                                        <p:tav tm="0">
+                                          <p:val>
+                                            <p:strVal val="#ppt_x"/>
+                                          </p:val>
+                                        </p:tav>
+                                        <p:tav tm="100000">
+                                          <p:val>
+                                            <p:strVal val="#ppt_x"/>
+                                          </p:val>
+                                        </p:tav>
+                                      </p:tavLst>
+                                    </p:anim>
+                                    <p:anim calcmode="lin" valueType="num">
+                                      <p:cBhvr additive="base">
+                                        <p:cTn id="20" dur="500" fill="hold"/>
+                                        <p:tgtEl>
+                                          <p:spTgt spid="11"/>
+                                        </p:tgtEl>
+                                        <p:attrNameLst>
+                                          <p:attrName>ppt_y</p:attrName>
+                                        </p:attrNameLst>
+                                      </p:cBhvr>
+                                      <p:tavLst>
+                                        <p:tav tm="0">
+                                          <p:val>
+                                            <p:strVal val="1+#ppt_h/2"/>
+                                          </p:val>
+                                        </p:tav>
+                                        <p:tav tm="100000">
+                                          <p:val>
+                                            <p:strVal val="#ppt_y"/>
+                                          </p:val>
+                                        </p:tav>
+                                      </p:tavLst>
+                                    </p:anim>
+                                  </p:childTnLst>
+                                </p:cTn>
+                              </p:par>
+                              <p:par>
+                                <p:cTn id="21" presetID="2" presetClass="entr" presetSubtype="4" fill="hold" grpId="0" nodeType="withEffect">
+                                  <p:stCondLst>
+                                    <p:cond delay="0"/>
+                                  </p:stCondLst>
+                                  <p:childTnLst>
+                                    <p:set>
+                                      <p:cBhvr>
+                                        <p:cTn id="22" dur="1" fill="hold">
+                                          <p:stCondLst>
+                                            <p:cond delay="0"/>
+                                          </p:stCondLst>
+                                        </p:cTn>
+                                        <p:tgtEl>
+                                          <p:spTgt spid="4"/>
+                                        </p:tgtEl>
+                                        <p:attrNameLst>
+                                          <p:attrName>style.visibility</p:attrName>
+                                        </p:attrNameLst>
+                                      </p:cBhvr>
+                                      <p:to>
+                                        <p:strVal val="visible"/>
+                                      </p:to>
+                                    </p:set>
+                                    <p:anim calcmode="lin" valueType="num">
+                                      <p:cBhvr additive="base">
+                                        <p:cTn id="23" dur="500" fill="hold"/>
+                                        <p:tgtEl>
+                                          <p:spTgt spid="4"/>
+                                        </p:tgtEl>
+                                        <p:attrNameLst>
+                                          <p:attrName>ppt_x</p:attrName>
+                                        </p:attrNameLst>
+                                      </p:cBhvr>
+                                      <p:tavLst>
+                                        <p:tav tm="0">
+                                          <p:val>
+                                            <p:strVal val="#ppt_x"/>
+                                          </p:val>
+                                        </p:tav>
+                                        <p:tav tm="100000">
+                                          <p:val>
+                                            <p:strVal val="#ppt_x"/>
+                                          </p:val>
+                                        </p:tav>
+                                      </p:tavLst>
+                                    </p:anim>
+                                    <p:anim calcmode="lin" valueType="num">
+                                      <p:cBhvr additive="base">
+                                        <p:cTn id="24" dur="500" fill="hold"/>
+                                        <p:tgtEl>
+                                          <p:spTgt spid="4"/>
+                                        </p:tgtEl>
+                                        <p:attrNameLst>
+                                          <p:attrName>ppt_y</p:attrName>
+                                        </p:attrNameLst>
+                                      </p:cBhvr>
+                                      <p:tavLst>
+                                        <p:tav tm="0">
+                                          <p:val>
+                                            <p:strVal val="1+#ppt_h/2"/>
+                                          </p:val>
+                                        </p:tav>
+                                        <p:tav tm="100000">
+                                          <p:val>
+                                            <p:strVal val="#ppt_y"/>
+                                          </p:val>
+                                        </p:tav>
+                                      </p:tavLst>
+                                    </p:anim>
+                                  </p:childTnLst>
+                                </p:cTn>
+                              </p:par>
+                              <p:par>
+                                <p:cTn id="25" presetID="2" presetClass="entr" presetSubtype="4" fill="hold" nodeType="withEffect">
+                                  <p:stCondLst>
+                                    <p:cond delay="0"/>
+                                  </p:stCondLst>
+                                  <p:childTnLst>
+                                    <p:set>
+                                      <p:cBhvr>
+                                        <p:cTn id="26" dur="1" fill="hold">
+                                          <p:stCondLst>
+                                            <p:cond delay="0"/>
+                                          </p:stCondLst>
+                                        </p:cTn>
+                                        <p:tgtEl>
+                                          <p:spTgt spid="3"/>
+                                        </p:tgtEl>
+                                        <p:attrNameLst>
+                                          <p:attrName>style.visibility</p:attrName>
+                                        </p:attrNameLst>
+                                      </p:cBhvr>
+                                      <p:to>
+                                        <p:strVal val="visible"/>
+                                      </p:to>
+                                    </p:set>
+                                    <p:anim calcmode="lin" valueType="num">
+                                      <p:cBhvr additive="base">
+                                        <p:cTn id="27" dur="500" fill="hold"/>
+                                        <p:tgtEl>
+                                          <p:spTgt spid="3"/>
+                                        </p:tgtEl>
+                                        <p:attrNameLst>
+                                          <p:attrName>ppt_x</p:attrName>
+                                        </p:attrNameLst>
+                                      </p:cBhvr>
+                                      <p:tavLst>
+                                        <p:tav tm="0">
+                                          <p:val>
+                                            <p:strVal val="#ppt_x"/>
+                                          </p:val>
+                                        </p:tav>
+                                        <p:tav tm="100000">
+                                          <p:val>
+                                            <p:strVal val="#ppt_x"/>
+                                          </p:val>
+                                        </p:tav>
+                                      </p:tavLst>
+                                    </p:anim>
+                                    <p:anim calcmode="lin" valueType="num">
+                                      <p:cBhvr additive="base">
+                                        <p:cTn id="28" dur="500" fill="hold"/>
+                                        <p:tgtEl>
+                                          <p:spTgt spid="3"/>
+                                        </p:tgtEl>
+                                        <p:attrNameLst>
+                                          <p:attrName>ppt_y</p:attrName>
+                                        </p:attrNameLst>
+                                      </p:cBhvr>
+                                      <p:tavLst>
+                                        <p:tav tm="0">
+                                          <p:val>
+                                            <p:strVal val="1+#ppt_h/2"/>
+                                          </p:val>
+                                        </p:tav>
+                                        <p:tav tm="100000">
+                                          <p:val>
+                                            <p:strVal val="#ppt_y"/>
+                                          </p:val>
+                                        </p:tav>
+                                      </p:tavLst>
+                                    </p:anim>
+                                  </p:childTnLst>
+                                </p:cTn>
+                              </p:par>
+                              <p:par>
+                                <p:cTn id="29" presetID="2" presetClass="entr" presetSubtype="4" fill="hold" nodeType="withEffect">
+                                  <p:stCondLst>
+                                    <p:cond delay="0"/>
+                                  </p:stCondLst>
+                                  <p:childTnLst>
+                                    <p:set>
+                                      <p:cBhvr>
+                                        <p:cTn id="30" dur="1" fill="hold">
+                                          <p:stCondLst>
+                                            <p:cond delay="0"/>
+                                          </p:stCondLst>
+                                        </p:cTn>
+                                        <p:tgtEl>
+                                          <p:spTgt spid="2"/>
+                                        </p:tgtEl>
+                                        <p:attrNameLst>
+                                          <p:attrName>style.visibility</p:attrName>
+                                        </p:attrNameLst>
+                                      </p:cBhvr>
+                                      <p:to>
+                                        <p:strVal val="visible"/>
+                                      </p:to>
+                                    </p:set>
+                                    <p:anim calcmode="lin" valueType="num">
+                                      <p:cBhvr additive="base">
+                                        <p:cTn id="31" dur="500" fill="hold"/>
+                                        <p:tgtEl>
+                                          <p:spTgt spid="2"/>
+                                        </p:tgtEl>
+                                        <p:attrNameLst>
+                                          <p:attrName>ppt_x</p:attrName>
+                                        </p:attrNameLst>
+                                      </p:cBhvr>
+                                      <p:tavLst>
+                                        <p:tav tm="0">
+                                          <p:val>
+                                            <p:strVal val="#ppt_x"/>
+                                          </p:val>
+                                        </p:tav>
+                                        <p:tav tm="100000">
+                                          <p:val>
+                                            <p:strVal val="#ppt_x"/>
+                                          </p:val>
+                                        </p:tav>
+                                      </p:tavLst>
+                                    </p:anim>
+                                    <p:anim calcmode="lin" valueType="num">
+                                      <p:cBhvr additive="base">
+                                        <p:cTn id="32" dur="500" fill="hold"/>
+                                        <p:tgtEl>
+                                          <p:spTgt spid="2"/>
+                                        </p:tgtEl>
+                                        <p:attrNameLst>
+                                          <p:attrName>ppt_y</p:attrName>
+                                        </p:attrNameLst>
+                                      </p:cBhvr>
+                                      <p:tavLst>
+                                        <p:tav tm="0">
+                                          <p:val>
+                                            <p:strVal val="1+#ppt_h/2"/>
+                                          </p:val>
+                                        </p:tav>
+                                        <p:tav tm="100000">
+                                          <p:val>
+                                            <p:strVal val="#ppt_y"/>
+                                          </p:val>
+                                        </p:tav>
+                                      </p:tavLst>
+                                    </p:anim>
+                                  </p:childTnLst>
+                                </p:cTn>
+                              </p:par>
+                              <p:par>
+                                <p:cTn id="33" presetID="2" presetClass="entr" presetSubtype="4" fill="hold" nodeType="withEffect">
+                                  <p:stCondLst>
+                                    <p:cond delay="0"/>
+                                  </p:stCondLst>
+                                  <p:childTnLst>
+                                    <p:set>
+                                      <p:cBhvr>
+                                        <p:cTn id="34" dur="1" fill="hold">
+                                          <p:stCondLst>
+                                            <p:cond delay="0"/>
+                                          </p:stCondLst>
+                                        </p:cTn>
+                                        <p:tgtEl>
+                                          <p:spTgt spid="5"/>
+                                        </p:tgtEl>
+                                        <p:attrNameLst>
+                                          <p:attrName>style.visibility</p:attrName>
+                                        </p:attrNameLst>
+                                      </p:cBhvr>
+                                      <p:to>
+                                        <p:strVal val="visible"/>
+                                      </p:to>
+                                    </p:set>
+                                    <p:anim calcmode="lin" valueType="num">
+                                      <p:cBhvr additive="base">
+                                        <p:cTn id="35" dur="500" fill="hold"/>
+                                        <p:tgtEl>
+                                          <p:spTgt spid="5"/>
+                                        </p:tgtEl>
+                                        <p:attrNameLst>
+                                          <p:attrName>ppt_x</p:attrName>
+                                        </p:attrNameLst>
+                                      </p:cBhvr>
+                                      <p:tavLst>
+                                        <p:tav tm="0">
+                                          <p:val>
+                                            <p:strVal val="#ppt_x"/>
+                                          </p:val>
+                                        </p:tav>
+                                        <p:tav tm="100000">
+                                          <p:val>
+                                            <p:strVal val="#ppt_x"/>
+                                          </p:val>
+                                        </p:tav>
+                                      </p:tavLst>
+                                    </p:anim>
+                                    <p:anim calcmode="lin" valueType="num">
+                                      <p:cBhvr additive="base">
+                                        <p:cTn id="36" dur="500" fill="hold"/>
+                                        <p:tgtEl>
+                                          <p:spTgt spid="5"/>
+                                        </p:tgtEl>
+                                        <p:attrNameLst>
+                                          <p:attrName>ppt_y</p:attrName>
+                                        </p:attrNameLst>
+                                      </p:cBhvr>
+                                      <p:tavLst>
+                                        <p:tav tm="0">
+                                          <p:val>
+                                            <p:strVal val="1+#ppt_h/2"/>
+                                          </p:val>
+                                        </p:tav>
+                                        <p:tav tm="100000">
+                                          <p:val>
+                                            <p:strVal val="#ppt_y"/>
+                                          </p:val>
+                                        </p:tav>
+                                      </p:tavLst>
+                                    </p:anim>
+                                  </p:childTnLst>
+                                </p:cTn>
+                              </p:par>
+                              <p:par>
+                                <p:cTn id="37" presetID="2" presetClass="entr" presetSubtype="4" fill="hold" nodeType="withEffect">
+                                  <p:stCondLst>
+                                    <p:cond delay="0"/>
+                                  </p:stCondLst>
+                                  <p:childTnLst>
+                                    <p:set>
+                                      <p:cBhvr>
+                                        <p:cTn id="38" dur="1" fill="hold">
+                                          <p:stCondLst>
+                                            <p:cond delay="0"/>
+                                          </p:stCondLst>
+                                        </p:cTn>
+                                        <p:tgtEl>
+                                          <p:spTgt spid="7"/>
+                                        </p:tgtEl>
+                                        <p:attrNameLst>
+                                          <p:attrName>style.visibility</p:attrName>
+                                        </p:attrNameLst>
+                                      </p:cBhvr>
+                                      <p:to>
+                                        <p:strVal val="visible"/>
+                                      </p:to>
+                                    </p:set>
+                                    <p:anim calcmode="lin" valueType="num">
+                                      <p:cBhvr additive="base">
+                                        <p:cTn id="39" dur="500" fill="hold"/>
+                                        <p:tgtEl>
+                                          <p:spTgt spid="7"/>
+                                        </p:tgtEl>
+                                        <p:attrNameLst>
+                                          <p:attrName>ppt_x</p:attrName>
+                                        </p:attrNameLst>
+                                      </p:cBhvr>
+                                      <p:tavLst>
+                                        <p:tav tm="0">
+                                          <p:val>
+                                            <p:strVal val="#ppt_x"/>
+                                          </p:val>
+                                        </p:tav>
+                                        <p:tav tm="100000">
+                                          <p:val>
+                                            <p:strVal val="#ppt_x"/>
+                                          </p:val>
+                                        </p:tav>
+                                      </p:tavLst>
+                                    </p:anim>
+                                    <p:anim calcmode="lin" valueType="num">
+                                      <p:cBhvr additive="base">
+                                        <p:cTn id="40" dur="500" fill="hold"/>
+                                        <p:tgtEl>
+                                          <p:spTgt spid="7"/>
+                                        </p:tgtEl>
+                                        <p:attrNameLst>
+                                          <p:attrName>ppt_y</p:attrName>
+                                        </p:attrNameLst>
+                                      </p:cBhvr>
+                                      <p:tavLst>
+                                        <p:tav tm="0">
+                                          <p:val>
+                                            <p:strVal val="1+#ppt_h/2"/>
+                                          </p:val>
+                                        </p:tav>
+                                        <p:tav tm="100000">
+                                          <p:val>
+                                            <p:strVal val="#ppt_y"/>
+                                          </p:val>
+                                        </p:tav>
+                                      </p:tavLst>
+                                    </p:anim>
+                                  </p:childTnLst>
+                                </p:cTn>
+                              </p:par>
+                              <p:par>
+                                <p:cTn id="41" presetID="2" presetClass="entr" presetSubtype="4" fill="hold" grpId="0" nodeType="withEffect">
+                                  <p:stCondLst>
+                                    <p:cond delay="0"/>
+                                  </p:stCondLst>
+                                  <p:childTnLst>
+                                    <p:set>
+                                      <p:cBhvr>
+                                        <p:cTn id="42" dur="1" fill="hold">
+                                          <p:stCondLst>
+                                            <p:cond delay="0"/>
+                                          </p:stCondLst>
+                                        </p:cTn>
+                                        <p:tgtEl>
+                                          <p:spTgt spid="6"/>
+                                        </p:tgtEl>
+                                        <p:attrNameLst>
+                                          <p:attrName>style.visibility</p:attrName>
+                                        </p:attrNameLst>
+                                      </p:cBhvr>
+                                      <p:to>
+                                        <p:strVal val="visible"/>
+                                      </p:to>
+                                    </p:set>
+                                    <p:anim calcmode="lin" valueType="num">
+                                      <p:cBhvr additive="base">
+                                        <p:cTn id="43" dur="500" fill="hold"/>
+                                        <p:tgtEl>
+                                          <p:spTgt spid="6"/>
+                                        </p:tgtEl>
+                                        <p:attrNameLst>
+                                          <p:attrName>ppt_x</p:attrName>
+                                        </p:attrNameLst>
+                                      </p:cBhvr>
+                                      <p:tavLst>
+                                        <p:tav tm="0">
+                                          <p:val>
+                                            <p:strVal val="#ppt_x"/>
+                                          </p:val>
+                                        </p:tav>
+                                        <p:tav tm="100000">
+                                          <p:val>
+                                            <p:strVal val="#ppt_x"/>
+                                          </p:val>
+                                        </p:tav>
+                                      </p:tavLst>
+                                    </p:anim>
+                                    <p:anim calcmode="lin" valueType="num">
+                                      <p:cBhvr additive="base">
+                                        <p:cTn id="44" dur="500" fill="hold"/>
                                         <p:tgtEl>
                                           <p:spTgt spid="6"/>
                                         </p:tgtEl>
@@ -6674,8 +10996,10 @@
       </p:par>
     </p:tnLst>
     <p:bldLst>
-      <p:bldP spid="5" grpId="0"/>
+      <p:bldP spid="4" grpId="0"/>
       <p:bldP spid="6" grpId="0"/>
+      <p:bldP spid="14" grpId="0"/>
+      <p:bldP spid="15" grpId="0"/>
     </p:bldLst>
   </p:timing>
 </p:sld>
@@ -6684,6 +11008,40 @@
 <file path=ppt/slides/slide7.xml><?xml version="1.0" encoding="utf-8"?>
 <p:sld xmlns:a="http://schemas.openxmlformats.org/drawingml/2006/main" xmlns:r="http://schemas.openxmlformats.org/officeDocument/2006/relationships" xmlns:p="http://schemas.openxmlformats.org/presentationml/2006/main">
   <p:cSld>
+    <p:bg>
+      <p:bgPr>
+        <a:gradFill>
+          <a:gsLst>
+            <a:gs pos="0">
+              <a:schemeClr val="accent1">
+                <a:lumMod val="5000"/>
+                <a:lumOff val="95000"/>
+              </a:schemeClr>
+            </a:gs>
+            <a:gs pos="74000">
+              <a:schemeClr val="accent1">
+                <a:lumMod val="45000"/>
+                <a:lumOff val="55000"/>
+              </a:schemeClr>
+            </a:gs>
+            <a:gs pos="83000">
+              <a:schemeClr val="accent1">
+                <a:lumMod val="45000"/>
+                <a:lumOff val="55000"/>
+              </a:schemeClr>
+            </a:gs>
+            <a:gs pos="100000">
+              <a:schemeClr val="accent1">
+                <a:lumMod val="30000"/>
+                <a:lumOff val="70000"/>
+              </a:schemeClr>
+            </a:gs>
+          </a:gsLst>
+          <a:lin ang="5400000" scaled="1"/>
+        </a:gradFill>
+        <a:effectLst/>
+      </p:bgPr>
+    </p:bg>
     <p:spTree>
       <p:nvGrpSpPr>
         <p:cNvPr id="1" name=""/>
@@ -6800,7 +11158,25 @@
                 </a:solidFill>
                 <a:latin typeface="barlow" panose="00000500000000000000" pitchFamily="2" charset="0"/>
               </a:rPr>
-              <a:t>De nombreuses extensions sont disponibles pour les personnaliser à votre convenance et les doter de multiples fonctionnalités. L’outil reste parfaitement synchronisé sur tous vos appareils : ordinateur via un SaaS ou un logiciel, mobile et tablette.</a:t>
+              <a:t>De nombreuses extensions sont disponibles pour les personnaliser à votre convenance et les doter de multiples fonctionnalités. </a:t>
+            </a:r>
+            <a:r>
+              <a:rPr lang="fr-FR">
+                <a:solidFill>
+                  <a:srgbClr val="202122"/>
+                </a:solidFill>
+                <a:latin typeface="barlow" panose="00000500000000000000" pitchFamily="2" charset="0"/>
+              </a:rPr>
+              <a:t>Trello reste </a:t>
+            </a:r>
+            <a:r>
+              <a:rPr lang="fr-FR" dirty="0">
+                <a:solidFill>
+                  <a:srgbClr val="202122"/>
+                </a:solidFill>
+                <a:latin typeface="barlow" panose="00000500000000000000" pitchFamily="2" charset="0"/>
+              </a:rPr>
+              <a:t>parfaitement synchronisé sur tous vos appareils : ordinateur via un SaaS ou un logiciel, mobile et tablette.</a:t>
             </a:r>
           </a:p>
           <a:p>
